--- a/presentation/RapidConsul.pptx
+++ b/presentation/RapidConsul.pptx
@@ -17,6 +17,7 @@
     <p:sldId id="262" r:id="rId14"/>
     <p:sldId id="263" r:id="rId15"/>
     <p:sldId id="264" r:id="rId16"/>
+    <p:sldId id="265" r:id="rId17"/>
   </p:sldIdLst>
   <p:sldSz cx="13004800" cy="9753600"/>
   <p:notesSz cx="6858000" cy="9144000"/>
@@ -2083,69 +2084,7 @@
       </p:sp>
       <p:sp>
         <p:nvSpPr>
-          <p:cNvPr id="3" name="Body Level One…"/>
-          <p:cNvSpPr txBox="1"/>
-          <p:nvPr>
-            <p:ph type="body" idx="1"/>
-          </p:nvPr>
-        </p:nvSpPr>
-        <p:spPr>
-          <a:xfrm>
-            <a:off x="952500" y="2590800"/>
-            <a:ext cx="11099800" cy="6286500"/>
-          </a:xfrm>
-          <a:prstGeom prst="rect">
-            <a:avLst/>
-          </a:prstGeom>
-          <a:ln w="12700">
-            <a:miter lim="400000"/>
-          </a:ln>
-          <a:extLst>
-            <a:ext uri="{C572A759-6A51-4108-AA02-DFA0A04FC94B}">
-              <ma14:wrappingTextBoxFlag xmlns:ma14="http://schemas.microsoft.com/office/mac/drawingml/2011/main" val="1"/>
-            </a:ext>
-          </a:extLst>
-        </p:spPr>
-        <p:txBody>
-          <a:bodyPr lIns="50800" tIns="50800" rIns="50800" bIns="50800" anchor="ctr">
-            <a:normAutofit fontScale="100000" lnSpcReduction="0"/>
-          </a:bodyPr>
-          <a:lstStyle/>
-          <a:p>
-            <a:pPr/>
-            <a:r>
-              <a:t>Body Level One</a:t>
-            </a:r>
-          </a:p>
-          <a:p>
-            <a:pPr lvl="1"/>
-            <a:r>
-              <a:t>Body Level Two</a:t>
-            </a:r>
-          </a:p>
-          <a:p>
-            <a:pPr lvl="2"/>
-            <a:r>
-              <a:t>Body Level Three</a:t>
-            </a:r>
-          </a:p>
-          <a:p>
-            <a:pPr lvl="3"/>
-            <a:r>
-              <a:t>Body Level Four</a:t>
-            </a:r>
-          </a:p>
-          <a:p>
-            <a:pPr lvl="4"/>
-            <a:r>
-              <a:t>Body Level Five</a:t>
-            </a:r>
-          </a:p>
-        </p:txBody>
-      </p:sp>
-      <p:sp>
-        <p:nvSpPr>
-          <p:cNvPr id="4" name="Slide Number"/>
+          <p:cNvPr id="3" name="Slide Number"/>
           <p:cNvSpPr txBox="1"/>
           <p:nvPr>
             <p:ph type="sldNum" sz="quarter" idx="2"/>
@@ -2180,6 +2119,68 @@
           <a:p>
             <a:pPr/>
             <a:fld id="{86CB4B4D-7CA3-9044-876B-883B54F8677D}" type="slidenum"/>
+          </a:p>
+        </p:txBody>
+      </p:sp>
+      <p:sp>
+        <p:nvSpPr>
+          <p:cNvPr id="4" name="Body Level One…"/>
+          <p:cNvSpPr txBox="1"/>
+          <p:nvPr>
+            <p:ph type="body" idx="1"/>
+          </p:nvPr>
+        </p:nvSpPr>
+        <p:spPr>
+          <a:xfrm>
+            <a:off x="952500" y="2590800"/>
+            <a:ext cx="11099800" cy="6286500"/>
+          </a:xfrm>
+          <a:prstGeom prst="rect">
+            <a:avLst/>
+          </a:prstGeom>
+          <a:ln w="12700">
+            <a:miter lim="400000"/>
+          </a:ln>
+          <a:extLst>
+            <a:ext uri="{C572A759-6A51-4108-AA02-DFA0A04FC94B}">
+              <ma14:wrappingTextBoxFlag xmlns:ma14="http://schemas.microsoft.com/office/mac/drawingml/2011/main" val="1"/>
+            </a:ext>
+          </a:extLst>
+        </p:spPr>
+        <p:txBody>
+          <a:bodyPr lIns="50800" tIns="50800" rIns="50800" bIns="50800" anchor="ctr">
+            <a:normAutofit fontScale="100000" lnSpcReduction="0"/>
+          </a:bodyPr>
+          <a:lstStyle/>
+          <a:p>
+            <a:pPr/>
+            <a:r>
+              <a:t>Body Level One</a:t>
+            </a:r>
+          </a:p>
+          <a:p>
+            <a:pPr lvl="1"/>
+            <a:r>
+              <a:t>Body Level Two</a:t>
+            </a:r>
+          </a:p>
+          <a:p>
+            <a:pPr lvl="2"/>
+            <a:r>
+              <a:t>Body Level Three</a:t>
+            </a:r>
+          </a:p>
+          <a:p>
+            <a:pPr lvl="3"/>
+            <a:r>
+              <a:t>Body Level Four</a:t>
+            </a:r>
+          </a:p>
+          <a:p>
+            <a:pPr lvl="4"/>
+            <a:r>
+              <a:t>Body Level Five</a:t>
+            </a:r>
           </a:p>
         </p:txBody>
       </p:sp>
@@ -2973,7 +2974,7 @@
       </p:sp>
       <p:sp>
         <p:nvSpPr>
-          <p:cNvPr id="120" name="By…"/>
+          <p:cNvPr id="120" name="A presentation…"/>
           <p:cNvSpPr txBox="1"/>
           <p:nvPr>
             <p:ph type="subTitle" sz="quarter" idx="1"/>
@@ -2992,8 +2993,8 @@
           <a:bodyPr/>
           <a:lstStyle/>
           <a:p>
-            <a:pPr algn="r" defTabSz="531622">
-              <a:defRPr sz="3367">
+            <a:pPr algn="r" defTabSz="362204">
+              <a:defRPr sz="2294">
                 <a:latin typeface="Fira Code Regular"/>
                 <a:ea typeface="Fira Code Regular"/>
                 <a:cs typeface="Fira Code Regular"/>
@@ -3001,12 +3002,12 @@
               </a:defRPr>
             </a:pPr>
             <a:r>
-              <a:t>By</a:t>
-            </a:r>
-          </a:p>
-          <a:p>
-            <a:pPr algn="r" defTabSz="531622">
-              <a:defRPr sz="3367">
+              <a:t>A presentation</a:t>
+            </a:r>
+          </a:p>
+          <a:p>
+            <a:pPr algn="r" defTabSz="362204">
+              <a:defRPr sz="2294">
                 <a:solidFill>
                   <a:srgbClr val="242424"/>
                 </a:solidFill>
@@ -3017,8 +3018,251 @@
               </a:defRPr>
             </a:pPr>
             <a:r>
+              <a:t>By </a:t>
+            </a:r>
+          </a:p>
+          <a:p>
+            <a:pPr algn="r" defTabSz="362204">
+              <a:defRPr sz="2294">
+                <a:solidFill>
+                  <a:srgbClr val="242424"/>
+                </a:solidFill>
+                <a:latin typeface="Fira Code Regular"/>
+                <a:ea typeface="Fira Code Regular"/>
+                <a:cs typeface="Fira Code Regular"/>
+                <a:sym typeface="Fira Code Regular"/>
+              </a:defRPr>
+            </a:pPr>
+            <a:r>
               <a:t>James Nyika</a:t>
             </a:r>
+          </a:p>
+        </p:txBody>
+      </p:sp>
+      <p:sp>
+        <p:nvSpPr>
+          <p:cNvPr id="121" name="Slide Number"/>
+          <p:cNvSpPr txBox="1"/>
+          <p:nvPr>
+            <p:ph type="sldNum" sz="quarter" idx="2"/>
+          </p:nvPr>
+        </p:nvSpPr>
+        <p:spPr>
+          <a:xfrm>
+            <a:off x="6385373" y="9296400"/>
+            <a:ext cx="227280" cy="324306"/>
+          </a:xfrm>
+          <a:prstGeom prst="rect">
+            <a:avLst/>
+          </a:prstGeom>
+          <a:extLst>
+            <a:ext uri="{C572A759-6A51-4108-AA02-DFA0A04FC94B}">
+              <ma14:wrappingTextBoxFlag xmlns:ma14="http://schemas.microsoft.com/office/mac/drawingml/2011/main" val="1"/>
+            </a:ext>
+          </a:extLst>
+        </p:spPr>
+        <p:txBody>
+          <a:bodyPr/>
+          <a:lstStyle/>
+          <a:p>
+            <a:pPr/>
+            <a:fld id="{86CB4B4D-7CA3-9044-876B-883B54F8677D}" type="slidenum"/>
+          </a:p>
+        </p:txBody>
+      </p:sp>
+    </p:spTree>
+  </p:cSld>
+  <p:clrMapOvr>
+    <a:masterClrMapping/>
+  </p:clrMapOvr>
+  <p:transition xmlns:p14="http://schemas.microsoft.com/office/powerpoint/2010/main" spd="med" advClick="1"/>
+</p:sld>
+</file>
+
+<file path=ppt/slides/slide10.xml><?xml version="1.0" encoding="utf-8"?>
+<p:sld xmlns:a="http://schemas.openxmlformats.org/drawingml/2006/main" xmlns:r="http://schemas.openxmlformats.org/officeDocument/2006/relationships" xmlns:p="http://schemas.openxmlformats.org/presentationml/2006/main" xmlns:m="http://schemas.openxmlformats.org/officeDocument/2006/math" xmlns:a14="http://schemas.microsoft.com/office/drawing/2010/main" showMasterSp="1" showMasterPhAnim="1">
+  <p:cSld>
+    <p:spTree>
+      <p:nvGrpSpPr>
+        <p:cNvPr id="1" name=""/>
+        <p:cNvGrpSpPr/>
+        <p:nvPr/>
+      </p:nvGrpSpPr>
+      <p:grpSpPr>
+        <a:xfrm>
+          <a:off x="0" y="0"/>
+          <a:ext cx="0" cy="0"/>
+          <a:chOff x="0" y="0"/>
+          <a:chExt cx="0" cy="0"/>
+        </a:xfrm>
+      </p:grpSpPr>
+      <p:pic>
+        <p:nvPicPr>
+          <p:cNvPr id="203" name="Image" descr="Image"/>
+          <p:cNvPicPr>
+            <a:picLocks noChangeAspect="1"/>
+          </p:cNvPicPr>
+          <p:nvPr/>
+        </p:nvPicPr>
+        <p:blipFill>
+          <a:blip r:embed="rId2">
+            <a:extLst/>
+          </a:blip>
+          <a:stretch>
+            <a:fillRect/>
+          </a:stretch>
+        </p:blipFill>
+        <p:spPr>
+          <a:xfrm>
+            <a:off x="9902530" y="409022"/>
+            <a:ext cx="1857209" cy="1848956"/>
+          </a:xfrm>
+          <a:prstGeom prst="rect">
+            <a:avLst/>
+          </a:prstGeom>
+          <a:ln w="12700">
+            <a:miter lim="400000"/>
+          </a:ln>
+        </p:spPr>
+      </p:pic>
+      <p:sp>
+        <p:nvSpPr>
+          <p:cNvPr id="204" name="Appendix"/>
+          <p:cNvSpPr txBox="1"/>
+          <p:nvPr/>
+        </p:nvSpPr>
+        <p:spPr>
+          <a:xfrm>
+            <a:off x="554384" y="773261"/>
+            <a:ext cx="5266632" cy="1120478"/>
+          </a:xfrm>
+          <a:prstGeom prst="rect">
+            <a:avLst/>
+          </a:prstGeom>
+          <a:ln w="12700">
+            <a:miter lim="400000"/>
+          </a:ln>
+          <a:extLst>
+            <a:ext uri="{C572A759-6A51-4108-AA02-DFA0A04FC94B}">
+              <ma14:wrappingTextBoxFlag xmlns:ma14="http://schemas.microsoft.com/office/mac/drawingml/2011/main" val="1"/>
+            </a:ext>
+          </a:extLst>
+        </p:spPr>
+        <p:txBody>
+          <a:bodyPr lIns="50800" tIns="50800" rIns="50800" bIns="50800" anchor="ctr">
+            <a:normAutofit fontScale="100000" lnSpcReduction="0"/>
+          </a:bodyPr>
+          <a:lstStyle>
+            <a:lvl1pPr algn="l" defTabSz="484886">
+              <a:defRPr b="0" sz="6640">
+                <a:latin typeface="Fira Code Regular"/>
+                <a:ea typeface="Fira Code Regular"/>
+                <a:cs typeface="Fira Code Regular"/>
+                <a:sym typeface="Fira Code Regular"/>
+              </a:defRPr>
+            </a:lvl1pPr>
+          </a:lstStyle>
+          <a:p>
+            <a:pPr/>
+            <a:r>
+              <a:t>Appendix</a:t>
+            </a:r>
+          </a:p>
+        </p:txBody>
+      </p:sp>
+      <p:sp>
+        <p:nvSpPr>
+          <p:cNvPr id="205" name="All code/artifacts are at…"/>
+          <p:cNvSpPr txBox="1"/>
+          <p:nvPr/>
+        </p:nvSpPr>
+        <p:spPr>
+          <a:xfrm>
+            <a:off x="552449" y="2565399"/>
+            <a:ext cx="6515101" cy="1397001"/>
+          </a:xfrm>
+          <a:prstGeom prst="rect">
+            <a:avLst/>
+          </a:prstGeom>
+          <a:ln w="12700">
+            <a:miter lim="400000"/>
+          </a:ln>
+          <a:extLst>
+            <a:ext uri="{C572A759-6A51-4108-AA02-DFA0A04FC94B}">
+              <ma14:wrappingTextBoxFlag xmlns:ma14="http://schemas.microsoft.com/office/mac/drawingml/2011/main" val="1"/>
+            </a:ext>
+          </a:extLst>
+        </p:spPr>
+        <p:txBody>
+          <a:bodyPr wrap="none" lIns="50800" tIns="50800" rIns="50800" bIns="50800" anchor="ctr">
+            <a:spAutoFit/>
+          </a:bodyPr>
+          <a:lstStyle/>
+          <a:p>
+            <a:pPr algn="l">
+              <a:defRPr b="0">
+                <a:latin typeface="Fira Code Bold"/>
+                <a:ea typeface="Fira Code Bold"/>
+                <a:cs typeface="Fira Code Bold"/>
+                <a:sym typeface="Fira Code Bold"/>
+              </a:defRPr>
+            </a:pPr>
+            <a:r>
+              <a:t>All code/artifacts are at</a:t>
+            </a:r>
+          </a:p>
+          <a:p>
+            <a:pPr algn="l">
+              <a:defRPr b="0">
+                <a:latin typeface="Fira Code Bold"/>
+                <a:ea typeface="Fira Code Bold"/>
+                <a:cs typeface="Fira Code Bold"/>
+                <a:sym typeface="Fira Code Bold"/>
+              </a:defRPr>
+            </a:pPr>
+          </a:p>
+          <a:p>
+            <a:pPr algn="l">
+              <a:defRPr b="0">
+                <a:latin typeface="Fira Code Bold"/>
+                <a:ea typeface="Fira Code Bold"/>
+                <a:cs typeface="Fira Code Bold"/>
+                <a:sym typeface="Fira Code Bold"/>
+              </a:defRPr>
+            </a:pPr>
+            <a:r>
+              <a:rPr u="sng">
+                <a:hlinkClick r:id="rId3" invalidUrl="" action="" tgtFrame="" tooltip="" history="1" highlightClick="0" endSnd="0"/>
+              </a:rPr>
+              <a:t>https://github.com/jamesnyika/hashi</a:t>
+            </a:r>
+          </a:p>
+        </p:txBody>
+      </p:sp>
+      <p:sp>
+        <p:nvSpPr>
+          <p:cNvPr id="206" name="Slide Number"/>
+          <p:cNvSpPr txBox="1"/>
+          <p:nvPr>
+            <p:ph type="sldNum" sz="quarter" idx="2"/>
+          </p:nvPr>
+        </p:nvSpPr>
+        <p:spPr>
+          <a:prstGeom prst="rect">
+            <a:avLst/>
+          </a:prstGeom>
+          <a:extLst>
+            <a:ext uri="{C572A759-6A51-4108-AA02-DFA0A04FC94B}">
+              <ma14:wrappingTextBoxFlag xmlns:ma14="http://schemas.microsoft.com/office/mac/drawingml/2011/main" val="1"/>
+            </a:ext>
+          </a:extLst>
+        </p:spPr>
+        <p:txBody>
+          <a:bodyPr/>
+          <a:lstStyle/>
+          <a:p>
+            <a:pPr/>
+            <a:fld id="{86CB4B4D-7CA3-9044-876B-883B54F8677D}" type="slidenum"/>
           </a:p>
         </p:txBody>
       </p:sp>
@@ -3050,7 +3294,7 @@
       </p:grpSpPr>
       <p:sp>
         <p:nvSpPr>
-          <p:cNvPr id="122" name="Agenda"/>
+          <p:cNvPr id="123" name="Agenda"/>
           <p:cNvSpPr txBox="1"/>
           <p:nvPr>
             <p:ph type="title"/>
@@ -3087,7 +3331,7 @@
       </p:sp>
       <p:sp>
         <p:nvSpPr>
-          <p:cNvPr id="123" name="Baselining - about HashiCorp and Consul…"/>
+          <p:cNvPr id="124" name="Baselining - about HashiCorp and Consul…"/>
           <p:cNvSpPr txBox="1"/>
           <p:nvPr>
             <p:ph type="body" sz="half" idx="1"/>
@@ -3182,8 +3426,39 @@
               </a:defRPr>
             </a:pPr>
             <a:r>
-              <a:t>Next Steps</a:t>
-            </a:r>
+              <a:t>Wrap up &amp; Next Steps</a:t>
+            </a:r>
+          </a:p>
+        </p:txBody>
+      </p:sp>
+      <p:sp>
+        <p:nvSpPr>
+          <p:cNvPr id="125" name="Slide Number"/>
+          <p:cNvSpPr txBox="1"/>
+          <p:nvPr>
+            <p:ph type="sldNum" sz="quarter" idx="2"/>
+          </p:nvPr>
+        </p:nvSpPr>
+        <p:spPr>
+          <a:xfrm>
+            <a:off x="6385373" y="9296400"/>
+            <a:ext cx="227280" cy="324306"/>
+          </a:xfrm>
+          <a:prstGeom prst="rect">
+            <a:avLst/>
+          </a:prstGeom>
+          <a:extLst>
+            <a:ext uri="{C572A759-6A51-4108-AA02-DFA0A04FC94B}">
+              <ma14:wrappingTextBoxFlag xmlns:ma14="http://schemas.microsoft.com/office/mac/drawingml/2011/main" val="1"/>
+            </a:ext>
+          </a:extLst>
+        </p:spPr>
+        <p:txBody>
+          <a:bodyPr/>
+          <a:lstStyle/>
+          <a:p>
+            <a:pPr/>
+            <a:fld id="{86CB4B4D-7CA3-9044-876B-883B54F8677D}" type="slidenum"/>
           </a:p>
         </p:txBody>
       </p:sp>
@@ -3215,7 +3490,7 @@
       </p:grpSpPr>
       <p:sp>
         <p:nvSpPr>
-          <p:cNvPr id="125" name="Baselining"/>
+          <p:cNvPr id="127" name="Baselining"/>
           <p:cNvSpPr txBox="1"/>
           <p:nvPr>
             <p:ph type="title"/>
@@ -3252,14 +3527,14 @@
       </p:sp>
       <p:sp>
         <p:nvSpPr>
-          <p:cNvPr id="126" name="HashiCorp is…"/>
+          <p:cNvPr id="128" name="HashiCorp is…"/>
           <p:cNvSpPr txBox="1"/>
           <p:nvPr/>
         </p:nvSpPr>
         <p:spPr>
           <a:xfrm>
             <a:off x="251659" y="3664642"/>
-            <a:ext cx="6232135" cy="3759201"/>
+            <a:ext cx="5490772" cy="3759201"/>
           </a:xfrm>
           <a:prstGeom prst="rect">
             <a:avLst/>
@@ -3404,7 +3679,7 @@
       </p:sp>
       <p:pic>
         <p:nvPicPr>
-          <p:cNvPr id="127" name="hclogo.png" descr="hclogo.png"/>
+          <p:cNvPr id="129" name="hclogo.png" descr="hclogo.png"/>
           <p:cNvPicPr>
             <a:picLocks noChangeAspect="1"/>
           </p:cNvPicPr>
@@ -3433,14 +3708,14 @@
       </p:pic>
       <p:sp>
         <p:nvSpPr>
-          <p:cNvPr id="128" name="Consul is…"/>
+          <p:cNvPr id="130" name="Consul is…"/>
           <p:cNvSpPr txBox="1"/>
           <p:nvPr/>
         </p:nvSpPr>
         <p:spPr>
           <a:xfrm>
-            <a:off x="6423859" y="3766242"/>
-            <a:ext cx="6232135" cy="4673601"/>
+            <a:off x="6797219" y="3588442"/>
+            <a:ext cx="5858775" cy="5283201"/>
           </a:xfrm>
           <a:prstGeom prst="rect">
             <a:avLst/>
@@ -3556,7 +3831,7 @@
                 <a:cs typeface="Fira Code Regular"/>
                 <a:sym typeface="Fira Code Regular"/>
               </a:rPr>
-              <a:t>It is a service networking solution that allows our customers to manage service configuration (the what), service discovery (the where) and service segmentation (the organization)</a:t>
+              <a:t>It is a service networking solution that allows our customers to manage service configuration (the what), service discovery (the where) and service segmentation (the layout) of their applications and services.</a:t>
             </a:r>
             <a:endParaRPr sz="2000">
               <a:latin typeface="Fira Code Regular"/>
@@ -3587,7 +3862,7 @@
                 <a:cs typeface="Fira Code Regular"/>
                 <a:sym typeface="Fira Code Regular"/>
               </a:rPr>
-              <a:t>It is user friendly, datacenter aware and can be used without retrofitting your applications today.</a:t>
+              <a:t>It is user friendly, datacenter-aware and can be used without the expensive retrofitting of your applications, today.</a:t>
             </a:r>
             <a:endParaRPr sz="2000">
               <a:latin typeface="Fira Code Regular"/>
@@ -3600,7 +3875,7 @@
       </p:sp>
       <p:pic>
         <p:nvPicPr>
-          <p:cNvPr id="129" name="Image" descr="Image"/>
+          <p:cNvPr id="131" name="Image" descr="Image"/>
           <p:cNvPicPr>
             <a:picLocks noChangeAspect="1"/>
           </p:cNvPicPr>
@@ -3616,7 +3891,7 @@
         </p:blipFill>
         <p:spPr>
           <a:xfrm>
-            <a:off x="8689487" y="2154781"/>
+            <a:off x="10467487" y="486840"/>
             <a:ext cx="1700879" cy="1693320"/>
           </a:xfrm>
           <a:prstGeom prst="rect">
@@ -3627,6 +3902,37 @@
           </a:ln>
         </p:spPr>
       </p:pic>
+      <p:sp>
+        <p:nvSpPr>
+          <p:cNvPr id="132" name="Slide Number"/>
+          <p:cNvSpPr txBox="1"/>
+          <p:nvPr>
+            <p:ph type="sldNum" sz="quarter" idx="2"/>
+          </p:nvPr>
+        </p:nvSpPr>
+        <p:spPr>
+          <a:xfrm>
+            <a:off x="6385373" y="9296400"/>
+            <a:ext cx="227280" cy="324306"/>
+          </a:xfrm>
+          <a:prstGeom prst="rect">
+            <a:avLst/>
+          </a:prstGeom>
+          <a:extLst>
+            <a:ext uri="{C572A759-6A51-4108-AA02-DFA0A04FC94B}">
+              <ma14:wrappingTextBoxFlag xmlns:ma14="http://schemas.microsoft.com/office/mac/drawingml/2011/main" val="1"/>
+            </a:ext>
+          </a:extLst>
+        </p:spPr>
+        <p:txBody>
+          <a:bodyPr/>
+          <a:lstStyle/>
+          <a:p>
+            <a:pPr/>
+            <a:fld id="{86CB4B4D-7CA3-9044-876B-883B54F8677D}" type="slidenum"/>
+          </a:p>
+        </p:txBody>
+      </p:sp>
     </p:spTree>
   </p:cSld>
   <p:clrMapOvr>
@@ -3655,7 +3961,7 @@
       </p:grpSpPr>
       <p:sp>
         <p:nvSpPr>
-          <p:cNvPr id="131" name="The Challenge"/>
+          <p:cNvPr id="134" name="The Challenge"/>
           <p:cNvSpPr txBox="1"/>
           <p:nvPr>
             <p:ph type="title"/>
@@ -3692,7 +3998,7 @@
       </p:sp>
       <p:sp>
         <p:nvSpPr>
-          <p:cNvPr id="132" name="Acme Today desires…"/>
+          <p:cNvPr id="135" name="Acme Today desires…"/>
           <p:cNvSpPr txBox="1"/>
           <p:nvPr/>
         </p:nvSpPr>
@@ -3873,7 +4179,7 @@
       </p:sp>
       <p:pic>
         <p:nvPicPr>
-          <p:cNvPr id="133" name="Image" descr="Image"/>
+          <p:cNvPr id="136" name="Image" descr="Image"/>
           <p:cNvPicPr>
             <a:picLocks noChangeAspect="1"/>
           </p:cNvPicPr>
@@ -3900,6 +4206,37 @@
           </a:ln>
         </p:spPr>
       </p:pic>
+      <p:sp>
+        <p:nvSpPr>
+          <p:cNvPr id="137" name="Slide Number"/>
+          <p:cNvSpPr txBox="1"/>
+          <p:nvPr>
+            <p:ph type="sldNum" sz="quarter" idx="2"/>
+          </p:nvPr>
+        </p:nvSpPr>
+        <p:spPr>
+          <a:xfrm>
+            <a:off x="6385373" y="9296400"/>
+            <a:ext cx="227280" cy="324306"/>
+          </a:xfrm>
+          <a:prstGeom prst="rect">
+            <a:avLst/>
+          </a:prstGeom>
+          <a:extLst>
+            <a:ext uri="{C572A759-6A51-4108-AA02-DFA0A04FC94B}">
+              <ma14:wrappingTextBoxFlag xmlns:ma14="http://schemas.microsoft.com/office/mac/drawingml/2011/main" val="1"/>
+            </a:ext>
+          </a:extLst>
+        </p:spPr>
+        <p:txBody>
+          <a:bodyPr/>
+          <a:lstStyle/>
+          <a:p>
+            <a:pPr/>
+            <a:fld id="{86CB4B4D-7CA3-9044-876B-883B54F8677D}" type="slidenum"/>
+          </a:p>
+        </p:txBody>
+      </p:sp>
     </p:spTree>
   </p:cSld>
   <p:clrMapOvr>
@@ -3928,7 +4265,7 @@
       </p:grpSpPr>
       <p:sp>
         <p:nvSpPr>
-          <p:cNvPr id="135" name="The Solution"/>
+          <p:cNvPr id="139" name="The Solution"/>
           <p:cNvSpPr txBox="1"/>
           <p:nvPr>
             <p:ph type="title"/>
@@ -3965,7 +4302,7 @@
       </p:sp>
       <p:sp>
         <p:nvSpPr>
-          <p:cNvPr id="136" name="The Value…"/>
+          <p:cNvPr id="140" name="What’s the Value ?…"/>
           <p:cNvSpPr txBox="1"/>
           <p:nvPr/>
         </p:nvSpPr>
@@ -3996,7 +4333,7 @@
               <a:defRPr b="0" sz="3200"/>
             </a:pPr>
             <a:r>
-              <a:t>The Value</a:t>
+              <a:t>What’s the Value ?</a:t>
             </a:r>
           </a:p>
           <a:p>
@@ -4035,7 +4372,31 @@
                 <a:cs typeface="Fira Code Regular"/>
                 <a:sym typeface="Fira Code Regular"/>
               </a:rPr>
-              <a:t> Consul will ensure secure communications through encryption between the two services without re-writing the services </a:t>
+              <a:t> </a:t>
+            </a:r>
+            <a:r>
+              <a:rPr sz="2000">
+                <a:solidFill>
+                  <a:schemeClr val="accent6">
+                    <a:satOff val="-15808"/>
+                    <a:lumOff val="-17557"/>
+                  </a:schemeClr>
+                </a:solidFill>
+                <a:latin typeface="Fira Code Regular"/>
+                <a:ea typeface="Fira Code Regular"/>
+                <a:cs typeface="Fira Code Regular"/>
+                <a:sym typeface="Fira Code Regular"/>
+              </a:rPr>
+              <a:t>Consul</a:t>
+            </a:r>
+            <a:r>
+              <a:rPr sz="2000">
+                <a:latin typeface="Fira Code Regular"/>
+                <a:ea typeface="Fira Code Regular"/>
+                <a:cs typeface="Fira Code Regular"/>
+                <a:sym typeface="Fira Code Regular"/>
+              </a:rPr>
+              <a:t> will ensure secure communications through encryption between the two services without re-writing the services </a:t>
             </a:r>
             <a:r>
               <a:rPr sz="2000">
@@ -4083,7 +4444,31 @@
                 <a:cs typeface="Fira Code Regular"/>
                 <a:sym typeface="Fira Code Regular"/>
               </a:rPr>
-              <a:t> Consul is free and your engineers can configure the basic framework of the solution in minutes </a:t>
+              <a:t> </a:t>
+            </a:r>
+            <a:r>
+              <a:rPr sz="2000">
+                <a:solidFill>
+                  <a:schemeClr val="accent6">
+                    <a:satOff val="-15808"/>
+                    <a:lumOff val="-17557"/>
+                  </a:schemeClr>
+                </a:solidFill>
+                <a:latin typeface="Fira Code Regular"/>
+                <a:ea typeface="Fira Code Regular"/>
+                <a:cs typeface="Fira Code Regular"/>
+                <a:sym typeface="Fira Code Regular"/>
+              </a:rPr>
+              <a:t>Consul</a:t>
+            </a:r>
+            <a:r>
+              <a:rPr sz="2000">
+                <a:latin typeface="Fira Code Regular"/>
+                <a:ea typeface="Fira Code Regular"/>
+                <a:cs typeface="Fira Code Regular"/>
+                <a:sym typeface="Fira Code Regular"/>
+              </a:rPr>
+              <a:t> is free and your engineers can configure the basic framework of the solution in minutes </a:t>
             </a:r>
             <a:r>
               <a:rPr sz="2000">
@@ -4167,7 +4552,31 @@
                 <a:cs typeface="Fira Code Regular"/>
                 <a:sym typeface="Fira Code Regular"/>
               </a:rPr>
-              <a:t> to these services in the Consul Web Interface </a:t>
+              <a:t> to these services in the </a:t>
+            </a:r>
+            <a:r>
+              <a:rPr sz="2000">
+                <a:solidFill>
+                  <a:schemeClr val="accent6">
+                    <a:satOff val="-15808"/>
+                    <a:lumOff val="-17557"/>
+                  </a:schemeClr>
+                </a:solidFill>
+                <a:latin typeface="Fira Code Regular"/>
+                <a:ea typeface="Fira Code Regular"/>
+                <a:cs typeface="Fira Code Regular"/>
+                <a:sym typeface="Fira Code Regular"/>
+              </a:rPr>
+              <a:t>Consul</a:t>
+            </a:r>
+            <a:r>
+              <a:rPr sz="2000">
+                <a:latin typeface="Fira Code Regular"/>
+                <a:ea typeface="Fira Code Regular"/>
+                <a:cs typeface="Fira Code Regular"/>
+                <a:sym typeface="Fira Code Regular"/>
+              </a:rPr>
+              <a:t> Web Interface </a:t>
             </a:r>
             <a:r>
               <a:rPr sz="2000">
@@ -4320,7 +4729,7 @@
       </p:sp>
       <p:pic>
         <p:nvPicPr>
-          <p:cNvPr id="137" name="Image" descr="Image"/>
+          <p:cNvPr id="141" name="Image" descr="Image"/>
           <p:cNvPicPr>
             <a:picLocks noChangeAspect="1"/>
           </p:cNvPicPr>
@@ -4336,8 +4745,8 @@
         </p:blipFill>
         <p:spPr>
           <a:xfrm>
-            <a:off x="7705543" y="766240"/>
-            <a:ext cx="2365096" cy="2354586"/>
+            <a:off x="10143943" y="18206"/>
+            <a:ext cx="2365096" cy="2354585"/>
           </a:xfrm>
           <a:prstGeom prst="rect">
             <a:avLst/>
@@ -4349,13 +4758,13 @@
       </p:pic>
       <p:sp>
         <p:nvSpPr>
-          <p:cNvPr id="138" name="Use HashiCorp Consul to build a service mesh tying the application and its database together over a secure manageable connection that can be visualized and modified in real time."/>
+          <p:cNvPr id="142" name="Use HashiCorp Consul to build a service mesh tying the application and its database together over a secure manageable connection that can be visualized and modified in real time."/>
           <p:cNvSpPr txBox="1"/>
           <p:nvPr/>
         </p:nvSpPr>
         <p:spPr>
           <a:xfrm>
-            <a:off x="822024" y="2807392"/>
+            <a:off x="809324" y="2491666"/>
             <a:ext cx="11716352" cy="1257301"/>
           </a:xfrm>
           <a:prstGeom prst="rect">
@@ -4434,7 +4843,7 @@
       </p:sp>
       <p:sp>
         <p:nvSpPr>
-          <p:cNvPr id="139" name="Line"/>
+          <p:cNvPr id="143" name="Line"/>
           <p:cNvSpPr/>
           <p:nvPr/>
         </p:nvSpPr>
@@ -4471,6 +4880,37 @@
                 <a:sym typeface="Helvetica Neue Medium"/>
               </a:defRPr>
             </a:pPr>
+          </a:p>
+        </p:txBody>
+      </p:sp>
+      <p:sp>
+        <p:nvSpPr>
+          <p:cNvPr id="144" name="Slide Number"/>
+          <p:cNvSpPr txBox="1"/>
+          <p:nvPr>
+            <p:ph type="sldNum" sz="quarter" idx="2"/>
+          </p:nvPr>
+        </p:nvSpPr>
+        <p:spPr>
+          <a:xfrm>
+            <a:off x="6385373" y="9296400"/>
+            <a:ext cx="227280" cy="324306"/>
+          </a:xfrm>
+          <a:prstGeom prst="rect">
+            <a:avLst/>
+          </a:prstGeom>
+          <a:extLst>
+            <a:ext uri="{C572A759-6A51-4108-AA02-DFA0A04FC94B}">
+              <ma14:wrappingTextBoxFlag xmlns:ma14="http://schemas.microsoft.com/office/mac/drawingml/2011/main" val="1"/>
+            </a:ext>
+          </a:extLst>
+        </p:spPr>
+        <p:txBody>
+          <a:bodyPr/>
+          <a:lstStyle/>
+          <a:p>
+            <a:pPr/>
+            <a:fld id="{86CB4B4D-7CA3-9044-876B-883B54F8677D}" type="slidenum"/>
           </a:p>
         </p:txBody>
       </p:sp>
@@ -4502,7 +4942,7 @@
       </p:grpSpPr>
       <p:sp>
         <p:nvSpPr>
-          <p:cNvPr id="141" name="⏟"/>
+          <p:cNvPr id="146" name="⏟"/>
           <p:cNvSpPr txBox="1"/>
           <p:nvPr>
             <p:ph type="title"/>
@@ -4539,7 +4979,7 @@
       </p:sp>
       <p:pic>
         <p:nvPicPr>
-          <p:cNvPr id="142" name="Image" descr="Image"/>
+          <p:cNvPr id="147" name="Image" descr="Image"/>
           <p:cNvPicPr>
             <a:picLocks noChangeAspect="1"/>
           </p:cNvPicPr>
@@ -4555,7 +4995,7 @@
         </p:blipFill>
         <p:spPr>
           <a:xfrm>
-            <a:off x="9902530" y="409022"/>
+            <a:off x="10296230" y="409022"/>
             <a:ext cx="1857209" cy="1848956"/>
           </a:xfrm>
           <a:prstGeom prst="rect">
@@ -4568,14 +5008,14 @@
       </p:pic>
       <p:sp>
         <p:nvSpPr>
-          <p:cNvPr id="143" name="Appsvr…"/>
+          <p:cNvPr id="148" name="Appsvr…"/>
           <p:cNvSpPr/>
           <p:nvPr/>
         </p:nvSpPr>
         <p:spPr>
           <a:xfrm>
-            <a:off x="2847747" y="3093516"/>
-            <a:ext cx="1301801" cy="2932610"/>
+            <a:off x="2847747" y="2049735"/>
+            <a:ext cx="1301801" cy="3976391"/>
           </a:xfrm>
           <a:prstGeom prst="rect">
             <a:avLst/>
@@ -4651,7 +5091,7 @@
       </p:sp>
       <p:sp>
         <p:nvSpPr>
-          <p:cNvPr id="144" name="Sidecar Proxy…"/>
+          <p:cNvPr id="149" name="Sidecar Proxy…"/>
           <p:cNvSpPr/>
           <p:nvPr/>
         </p:nvSpPr>
@@ -4717,7 +5157,7 @@
       </p:sp>
       <p:sp>
         <p:nvSpPr>
-          <p:cNvPr id="145" name="Sidecar Proxy…"/>
+          <p:cNvPr id="150" name="Sidecar Proxy…"/>
           <p:cNvSpPr/>
           <p:nvPr/>
         </p:nvSpPr>
@@ -4783,14 +5223,14 @@
       </p:sp>
       <p:sp>
         <p:nvSpPr>
-          <p:cNvPr id="146" name="DB Server…"/>
+          <p:cNvPr id="151" name="DB Server…"/>
           <p:cNvSpPr/>
           <p:nvPr/>
         </p:nvSpPr>
         <p:spPr>
           <a:xfrm>
-            <a:off x="8855252" y="3093516"/>
-            <a:ext cx="1301801" cy="2932610"/>
+            <a:off x="8855252" y="1957412"/>
+            <a:ext cx="1301801" cy="4068714"/>
           </a:xfrm>
           <a:prstGeom prst="rect">
             <a:avLst/>
@@ -4864,7 +5304,7 @@
       </p:sp>
       <p:sp>
         <p:nvSpPr>
-          <p:cNvPr id="147" name="TLS…"/>
+          <p:cNvPr id="152" name="Consul…"/>
           <p:cNvSpPr/>
           <p:nvPr/>
         </p:nvSpPr>
@@ -4908,7 +5348,7 @@
               </a:defRPr>
             </a:pPr>
             <a:r>
-              <a:t>TLS</a:t>
+              <a:t>Consul</a:t>
             </a:r>
           </a:p>
           <a:p>
@@ -4931,7 +5371,7 @@
       </p:sp>
       <p:sp>
         <p:nvSpPr>
-          <p:cNvPr id="148" name="TLS…"/>
+          <p:cNvPr id="153" name="Consul…"/>
           <p:cNvSpPr/>
           <p:nvPr/>
         </p:nvSpPr>
@@ -4975,7 +5415,7 @@
               </a:defRPr>
             </a:pPr>
             <a:r>
-              <a:t>TLS</a:t>
+              <a:t>Consul</a:t>
             </a:r>
           </a:p>
           <a:p>
@@ -4991,28 +5431,28 @@
               </a:defRPr>
             </a:pPr>
             <a:r>
-              <a:t>:21000</a:t>
+              <a:t>:21001</a:t>
             </a:r>
           </a:p>
         </p:txBody>
       </p:sp>
       <p:grpSp>
         <p:nvGrpSpPr>
-          <p:cNvPr id="151" name="Group"/>
+          <p:cNvPr id="156" name="Group"/>
           <p:cNvGrpSpPr/>
           <p:nvPr/>
         </p:nvGrpSpPr>
         <p:grpSpPr>
           <a:xfrm>
-            <a:off x="4217764" y="2789039"/>
-            <a:ext cx="4569272" cy="992535"/>
+            <a:off x="4190007" y="1894929"/>
+            <a:ext cx="4569273" cy="992536"/>
             <a:chOff x="0" y="0"/>
             <a:chExt cx="4569271" cy="992534"/>
           </a:xfrm>
         </p:grpSpPr>
         <p:sp>
           <p:nvSpPr>
-            <p:cNvPr id="149" name="Double Arrow"/>
+            <p:cNvPr id="154" name="Double Arrow"/>
             <p:cNvSpPr/>
             <p:nvPr/>
           </p:nvSpPr>
@@ -5058,7 +5498,7 @@
         </p:sp>
         <p:sp>
           <p:nvSpPr>
-            <p:cNvPr id="150" name="INSECURE"/>
+            <p:cNvPr id="155" name="INSECURE"/>
             <p:cNvSpPr txBox="1"/>
             <p:nvPr/>
           </p:nvSpPr>
@@ -5106,7 +5546,7 @@
       </p:grpSp>
       <p:grpSp>
         <p:nvGrpSpPr>
-          <p:cNvPr id="156" name="Group"/>
+          <p:cNvPr id="161" name="Group"/>
           <p:cNvGrpSpPr/>
           <p:nvPr/>
         </p:nvGrpSpPr>
@@ -5120,7 +5560,7 @@
         </p:grpSpPr>
         <p:sp>
           <p:nvSpPr>
-            <p:cNvPr id="152" name="Double Arrow"/>
+            <p:cNvPr id="157" name="Double Arrow"/>
             <p:cNvSpPr/>
             <p:nvPr/>
           </p:nvSpPr>
@@ -5170,7 +5610,7 @@
         </p:sp>
         <p:sp>
           <p:nvSpPr>
-            <p:cNvPr id="153" name="TLS"/>
+            <p:cNvPr id="158" name="TLS"/>
             <p:cNvSpPr txBox="1"/>
             <p:nvPr/>
           </p:nvSpPr>
@@ -5217,7 +5657,7 @@
         </p:sp>
         <p:sp>
           <p:nvSpPr>
-            <p:cNvPr id="154" name="Lock"/>
+            <p:cNvPr id="159" name="Lock"/>
             <p:cNvSpPr/>
             <p:nvPr/>
           </p:nvSpPr>
@@ -5404,7 +5844,7 @@
         </p:sp>
         <p:sp>
           <p:nvSpPr>
-            <p:cNvPr id="155" name="Lock"/>
+            <p:cNvPr id="160" name="Lock"/>
             <p:cNvSpPr/>
             <p:nvPr/>
           </p:nvSpPr>
@@ -5592,7 +6032,7 @@
       </p:grpSp>
       <p:sp>
         <p:nvSpPr>
-          <p:cNvPr id="157" name="Secure Access"/>
+          <p:cNvPr id="162" name="Secure Access"/>
           <p:cNvSpPr/>
           <p:nvPr/>
         </p:nvSpPr>
@@ -5727,7 +6167,7 @@
       </p:sp>
       <p:sp>
         <p:nvSpPr>
-          <p:cNvPr id="158" name="Thunderbolt"/>
+          <p:cNvPr id="163" name="Thunderbolt"/>
           <p:cNvSpPr/>
           <p:nvPr/>
         </p:nvSpPr>
@@ -5813,7 +6253,7 @@
       </p:sp>
       <p:sp>
         <p:nvSpPr>
-          <p:cNvPr id="159" name="InSecure Access"/>
+          <p:cNvPr id="164" name="InSecure Access"/>
           <p:cNvSpPr/>
           <p:nvPr/>
         </p:nvSpPr>
@@ -5948,7 +6388,7 @@
       </p:sp>
       <p:sp>
         <p:nvSpPr>
-          <p:cNvPr id="160" name="Thunderbolt"/>
+          <p:cNvPr id="165" name="Thunderbolt"/>
           <p:cNvSpPr/>
           <p:nvPr/>
         </p:nvSpPr>
@@ -6034,7 +6474,7 @@
       </p:sp>
       <p:sp>
         <p:nvSpPr>
-          <p:cNvPr id="161" name="Consul"/>
+          <p:cNvPr id="166" name="Consul"/>
           <p:cNvSpPr txBox="1"/>
           <p:nvPr/>
         </p:nvSpPr>
@@ -6085,7 +6525,7 @@
       </p:sp>
       <p:sp>
         <p:nvSpPr>
-          <p:cNvPr id="162" name="The Solution 2"/>
+          <p:cNvPr id="167" name="The Solution 2"/>
           <p:cNvSpPr txBox="1"/>
           <p:nvPr/>
         </p:nvSpPr>
@@ -6124,6 +6564,225 @@
             <a:pPr/>
             <a:r>
               <a:t>The Solution 2</a:t>
+            </a:r>
+          </a:p>
+        </p:txBody>
+      </p:sp>
+      <p:sp>
+        <p:nvSpPr>
+          <p:cNvPr id="168" name="Slide Number"/>
+          <p:cNvSpPr txBox="1"/>
+          <p:nvPr>
+            <p:ph type="sldNum" sz="quarter" idx="2"/>
+          </p:nvPr>
+        </p:nvSpPr>
+        <p:spPr>
+          <a:xfrm>
+            <a:off x="6385373" y="9296400"/>
+            <a:ext cx="227280" cy="324306"/>
+          </a:xfrm>
+          <a:prstGeom prst="rect">
+            <a:avLst/>
+          </a:prstGeom>
+          <a:extLst>
+            <a:ext uri="{C572A759-6A51-4108-AA02-DFA0A04FC94B}">
+              <ma14:wrappingTextBoxFlag xmlns:ma14="http://schemas.microsoft.com/office/mac/drawingml/2011/main" val="1"/>
+            </a:ext>
+          </a:extLst>
+        </p:spPr>
+        <p:txBody>
+          <a:bodyPr/>
+          <a:lstStyle/>
+          <a:p>
+            <a:pPr/>
+            <a:fld id="{86CB4B4D-7CA3-9044-876B-883B54F8677D}" type="slidenum"/>
+          </a:p>
+        </p:txBody>
+      </p:sp>
+      <p:sp>
+        <p:nvSpPr>
+          <p:cNvPr id="169" name="Double Arrow"/>
+          <p:cNvSpPr/>
+          <p:nvPr/>
+        </p:nvSpPr>
+        <p:spPr>
+          <a:xfrm>
+            <a:off x="4190007" y="5238294"/>
+            <a:ext cx="363733" cy="324306"/>
+          </a:xfrm>
+          <a:prstGeom prst="leftRightArrow">
+            <a:avLst>
+              <a:gd name="adj1" fmla="val 19149"/>
+              <a:gd name="adj2" fmla="val 35501"/>
+            </a:avLst>
+          </a:prstGeom>
+          <a:solidFill>
+            <a:schemeClr val="accent5">
+              <a:hueOff val="-82419"/>
+              <a:satOff val="-9513"/>
+              <a:lumOff val="-16343"/>
+            </a:schemeClr>
+          </a:solidFill>
+          <a:ln w="12700">
+            <a:miter lim="400000"/>
+          </a:ln>
+        </p:spPr>
+        <p:txBody>
+          <a:bodyPr lIns="50800" tIns="50800" rIns="50800" bIns="50800" anchor="ctr"/>
+          <a:lstStyle/>
+          <a:p>
+            <a:pPr>
+              <a:defRPr b="0" sz="2200">
+                <a:solidFill>
+                  <a:srgbClr val="FFFFFF"/>
+                </a:solidFill>
+                <a:latin typeface="+mn-lt"/>
+                <a:ea typeface="+mn-ea"/>
+                <a:cs typeface="+mn-cs"/>
+                <a:sym typeface="Helvetica Neue Medium"/>
+              </a:defRPr>
+            </a:pPr>
+          </a:p>
+        </p:txBody>
+      </p:sp>
+      <p:sp>
+        <p:nvSpPr>
+          <p:cNvPr id="170" name="Double Arrow"/>
+          <p:cNvSpPr/>
+          <p:nvPr/>
+        </p:nvSpPr>
+        <p:spPr>
+          <a:xfrm>
+            <a:off x="8423303" y="5238294"/>
+            <a:ext cx="363733" cy="324306"/>
+          </a:xfrm>
+          <a:prstGeom prst="leftRightArrow">
+            <a:avLst>
+              <a:gd name="adj1" fmla="val 19149"/>
+              <a:gd name="adj2" fmla="val 35501"/>
+            </a:avLst>
+          </a:prstGeom>
+          <a:solidFill>
+            <a:schemeClr val="accent5">
+              <a:hueOff val="-82419"/>
+              <a:satOff val="-9513"/>
+              <a:lumOff val="-16343"/>
+            </a:schemeClr>
+          </a:solidFill>
+          <a:ln w="12700">
+            <a:miter lim="400000"/>
+          </a:ln>
+        </p:spPr>
+        <p:txBody>
+          <a:bodyPr lIns="50800" tIns="50800" rIns="50800" bIns="50800" anchor="ctr"/>
+          <a:lstStyle/>
+          <a:p>
+            <a:pPr>
+              <a:defRPr b="0" sz="2200">
+                <a:solidFill>
+                  <a:srgbClr val="FFFFFF"/>
+                </a:solidFill>
+                <a:latin typeface="+mn-lt"/>
+                <a:ea typeface="+mn-ea"/>
+                <a:cs typeface="+mn-cs"/>
+                <a:sym typeface="Helvetica Neue Medium"/>
+              </a:defRPr>
+            </a:pPr>
+          </a:p>
+        </p:txBody>
+      </p:sp>
+      <p:sp>
+        <p:nvSpPr>
+          <p:cNvPr id="171" name="The old way of interacting"/>
+          <p:cNvSpPr txBox="1"/>
+          <p:nvPr/>
+        </p:nvSpPr>
+        <p:spPr>
+          <a:xfrm>
+            <a:off x="4442234" y="1769864"/>
+            <a:ext cx="4120332" cy="406401"/>
+          </a:xfrm>
+          <a:prstGeom prst="rect">
+            <a:avLst/>
+          </a:prstGeom>
+          <a:ln w="12700">
+            <a:miter lim="400000"/>
+          </a:ln>
+          <a:extLst>
+            <a:ext uri="{C572A759-6A51-4108-AA02-DFA0A04FC94B}">
+              <ma14:wrappingTextBoxFlag xmlns:ma14="http://schemas.microsoft.com/office/mac/drawingml/2011/main" val="1"/>
+            </a:ext>
+          </a:extLst>
+        </p:spPr>
+        <p:txBody>
+          <a:bodyPr lIns="50800" tIns="50800" rIns="50800" bIns="50800" anchor="ctr">
+            <a:spAutoFit/>
+          </a:bodyPr>
+          <a:lstStyle>
+            <a:lvl1pPr algn="l">
+              <a:spcBef>
+                <a:spcPts val="4200"/>
+              </a:spcBef>
+              <a:defRPr b="0" sz="2000">
+                <a:latin typeface="Fira Code Regular"/>
+                <a:ea typeface="Fira Code Regular"/>
+                <a:cs typeface="Fira Code Regular"/>
+                <a:sym typeface="Fira Code Regular"/>
+              </a:defRPr>
+            </a:lvl1pPr>
+          </a:lstStyle>
+          <a:p>
+            <a:pPr/>
+            <a:r>
+              <a:t>The old way of interacting </a:t>
+            </a:r>
+          </a:p>
+        </p:txBody>
+      </p:sp>
+      <p:sp>
+        <p:nvSpPr>
+          <p:cNvPr id="172" name="The better way of interacting"/>
+          <p:cNvSpPr txBox="1"/>
+          <p:nvPr/>
+        </p:nvSpPr>
+        <p:spPr>
+          <a:xfrm>
+            <a:off x="4359237" y="3359150"/>
+            <a:ext cx="4569272" cy="406401"/>
+          </a:xfrm>
+          <a:prstGeom prst="rect">
+            <a:avLst/>
+          </a:prstGeom>
+          <a:ln w="12700">
+            <a:miter lim="400000"/>
+          </a:ln>
+          <a:extLst>
+            <a:ext uri="{C572A759-6A51-4108-AA02-DFA0A04FC94B}">
+              <ma14:wrappingTextBoxFlag xmlns:ma14="http://schemas.microsoft.com/office/mac/drawingml/2011/main" val="1"/>
+            </a:ext>
+          </a:extLst>
+        </p:spPr>
+        <p:txBody>
+          <a:bodyPr lIns="50800" tIns="50800" rIns="50800" bIns="50800" anchor="ctr">
+            <a:spAutoFit/>
+          </a:bodyPr>
+          <a:lstStyle>
+            <a:lvl1pPr algn="l">
+              <a:spcBef>
+                <a:spcPts val="4200"/>
+              </a:spcBef>
+              <a:defRPr b="0" sz="2000">
+                <a:latin typeface="Fira Code Regular"/>
+                <a:ea typeface="Fira Code Regular"/>
+                <a:cs typeface="Fira Code Regular"/>
+                <a:sym typeface="Fira Code Regular"/>
+              </a:defRPr>
+            </a:lvl1pPr>
+          </a:lstStyle>
+          <a:p>
+            <a:pPr/>
+            <a:r>
+              <a:t>The better way of interacting </a:t>
             </a:r>
           </a:p>
         </p:txBody>
@@ -6156,7 +6815,7 @@
       </p:grpSpPr>
       <p:pic>
         <p:nvPicPr>
-          <p:cNvPr id="164" name="Image" descr="Image"/>
+          <p:cNvPr id="174" name="Image" descr="Image"/>
           <p:cNvPicPr>
             <a:picLocks noChangeAspect="1"/>
           </p:cNvPicPr>
@@ -6185,13 +6844,13 @@
       </p:pic>
       <p:sp>
         <p:nvSpPr>
-          <p:cNvPr id="165" name="Demo time"/>
+          <p:cNvPr id="175" name="Demo time"/>
           <p:cNvSpPr txBox="1"/>
           <p:nvPr/>
         </p:nvSpPr>
         <p:spPr>
           <a:xfrm>
-            <a:off x="3869084" y="4316561"/>
+            <a:off x="3869084" y="3249761"/>
             <a:ext cx="5266632" cy="1120478"/>
           </a:xfrm>
           <a:prstGeom prst="rect">
@@ -6210,20 +6869,143 @@
           <a:bodyPr lIns="50800" tIns="50800" rIns="50800" bIns="50800" anchor="ctr">
             <a:normAutofit fontScale="100000" lnSpcReduction="0"/>
           </a:bodyPr>
-          <a:lstStyle>
-            <a:lvl1pPr algn="l" defTabSz="484886">
+          <a:lstStyle/>
+          <a:p>
+            <a:pPr algn="l" defTabSz="484886">
               <a:defRPr b="0" sz="6640">
                 <a:latin typeface="Fira Code Regular"/>
                 <a:ea typeface="Fira Code Regular"/>
                 <a:cs typeface="Fira Code Regular"/>
                 <a:sym typeface="Fira Code Regular"/>
               </a:defRPr>
-            </a:lvl1pPr>
-          </a:lstStyle>
+            </a:pPr>
+            <a:r>
+              <a:rPr>
+                <a:solidFill>
+                  <a:schemeClr val="accent6">
+                    <a:satOff val="-15808"/>
+                    <a:lumOff val="-17557"/>
+                  </a:schemeClr>
+                </a:solidFill>
+              </a:rPr>
+              <a:t>Demo</a:t>
+            </a:r>
+            <a:r>
+              <a:t> time</a:t>
+            </a:r>
+          </a:p>
+        </p:txBody>
+      </p:sp>
+      <p:sp>
+        <p:nvSpPr>
+          <p:cNvPr id="176" name="Slide Number"/>
+          <p:cNvSpPr txBox="1"/>
+          <p:nvPr>
+            <p:ph type="sldNum" sz="quarter" idx="2"/>
+          </p:nvPr>
+        </p:nvSpPr>
+        <p:spPr>
+          <a:xfrm>
+            <a:off x="6385373" y="9296400"/>
+            <a:ext cx="227280" cy="324306"/>
+          </a:xfrm>
+          <a:prstGeom prst="rect">
+            <a:avLst/>
+          </a:prstGeom>
+          <a:extLst>
+            <a:ext uri="{C572A759-6A51-4108-AA02-DFA0A04FC94B}">
+              <ma14:wrappingTextBoxFlag xmlns:ma14="http://schemas.microsoft.com/office/mac/drawingml/2011/main" val="1"/>
+            </a:ext>
+          </a:extLst>
+        </p:spPr>
+        <p:txBody>
+          <a:bodyPr/>
+          <a:lstStyle/>
           <a:p>
             <a:pPr/>
-            <a:r>
-              <a:t>Demo time</a:t>
+            <a:fld id="{86CB4B4D-7CA3-9044-876B-883B54F8677D}" type="slidenum"/>
+          </a:p>
+        </p:txBody>
+      </p:sp>
+      <p:sp>
+        <p:nvSpPr>
+          <p:cNvPr id="177" name="Available for download at…"/>
+          <p:cNvSpPr txBox="1"/>
+          <p:nvPr/>
+        </p:nvSpPr>
+        <p:spPr>
+          <a:xfrm>
+            <a:off x="2952700" y="5662761"/>
+            <a:ext cx="6628954" cy="1120478"/>
+          </a:xfrm>
+          <a:prstGeom prst="rect">
+            <a:avLst/>
+          </a:prstGeom>
+          <a:ln w="12700">
+            <a:miter lim="400000"/>
+          </a:ln>
+          <a:extLst>
+            <a:ext uri="{C572A759-6A51-4108-AA02-DFA0A04FC94B}">
+              <ma14:wrappingTextBoxFlag xmlns:ma14="http://schemas.microsoft.com/office/mac/drawingml/2011/main" val="1"/>
+            </a:ext>
+          </a:extLst>
+        </p:spPr>
+        <p:txBody>
+          <a:bodyPr lIns="50800" tIns="50800" rIns="50800" bIns="50800" anchor="ctr">
+            <a:normAutofit fontScale="100000" lnSpcReduction="0"/>
+          </a:bodyPr>
+          <a:lstStyle/>
+          <a:p>
+            <a:pPr defTabSz="449833">
+              <a:defRPr b="0" sz="1848">
+                <a:latin typeface="Fira Code Bold"/>
+                <a:ea typeface="Fira Code Bold"/>
+                <a:cs typeface="Fira Code Bold"/>
+                <a:sym typeface="Fira Code Bold"/>
+              </a:defRPr>
+            </a:pPr>
+            <a:r>
+              <a:t>Available for </a:t>
+            </a:r>
+            <a:r>
+              <a:rPr>
+                <a:solidFill>
+                  <a:schemeClr val="accent6">
+                    <a:satOff val="-15808"/>
+                    <a:lumOff val="-17557"/>
+                  </a:schemeClr>
+                </a:solidFill>
+              </a:rPr>
+              <a:t>download</a:t>
+            </a:r>
+            <a:r>
+              <a:t> at </a:t>
+            </a:r>
+          </a:p>
+          <a:p>
+            <a:pPr defTabSz="449833">
+              <a:defRPr b="0" sz="1848">
+                <a:latin typeface="Fira Code Bold"/>
+                <a:ea typeface="Fira Code Bold"/>
+                <a:cs typeface="Fira Code Bold"/>
+                <a:sym typeface="Fira Code Bold"/>
+              </a:defRPr>
+            </a:pPr>
+          </a:p>
+          <a:p>
+            <a:pPr defTabSz="449833">
+              <a:defRPr b="0" sz="1848">
+                <a:latin typeface="Fira Code Bold"/>
+                <a:ea typeface="Fira Code Bold"/>
+                <a:cs typeface="Fira Code Bold"/>
+                <a:sym typeface="Fira Code Bold"/>
+              </a:defRPr>
+            </a:pPr>
+            <a:r>
+              <a:rPr u="sng">
+                <a:hlinkClick r:id="rId3" invalidUrl="" action="" tgtFrame="" tooltip="" history="1" highlightClick="0" endSnd="0"/>
+              </a:rPr>
+              <a:t>https://github.com/jamesnyika/hashi</a:t>
             </a:r>
           </a:p>
         </p:txBody>
@@ -6256,7 +7038,7 @@
       </p:grpSpPr>
       <p:sp>
         <p:nvSpPr>
-          <p:cNvPr id="167" name="Wrapup &amp; Next Steps"/>
+          <p:cNvPr id="179" name="Wrapup &amp; Next Steps"/>
           <p:cNvSpPr txBox="1"/>
           <p:nvPr>
             <p:ph type="title"/>
@@ -6293,7 +7075,7 @@
       </p:sp>
       <p:sp>
         <p:nvSpPr>
-          <p:cNvPr id="168" name="In the demo we saw…"/>
+          <p:cNvPr id="180" name="In the demo we saw…"/>
           <p:cNvSpPr txBox="1"/>
           <p:nvPr/>
         </p:nvSpPr>
@@ -6788,7 +7570,7 @@
       </p:sp>
       <p:pic>
         <p:nvPicPr>
-          <p:cNvPr id="169" name="Image" descr="Image"/>
+          <p:cNvPr id="181" name="Image" descr="Image"/>
           <p:cNvPicPr>
             <a:picLocks noChangeAspect="1"/>
           </p:cNvPicPr>
@@ -6817,7 +7599,7 @@
       </p:pic>
       <p:sp>
         <p:nvSpPr>
-          <p:cNvPr id="170" name="Line"/>
+          <p:cNvPr id="182" name="Line"/>
           <p:cNvSpPr/>
           <p:nvPr/>
         </p:nvSpPr>
@@ -6859,7 +7641,7 @@
       </p:sp>
       <p:sp>
         <p:nvSpPr>
-          <p:cNvPr id="171" name="Identify…"/>
+          <p:cNvPr id="183" name="Identify…"/>
           <p:cNvSpPr txBox="1"/>
           <p:nvPr/>
         </p:nvSpPr>
@@ -6915,7 +7697,7 @@
       </p:sp>
       <p:sp>
         <p:nvSpPr>
-          <p:cNvPr id="172" name="Capture…"/>
+          <p:cNvPr id="184" name="Capture…"/>
           <p:cNvSpPr txBox="1"/>
           <p:nvPr/>
         </p:nvSpPr>
@@ -6971,7 +7753,7 @@
       </p:sp>
       <p:sp>
         <p:nvSpPr>
-          <p:cNvPr id="173" name="Document Success…"/>
+          <p:cNvPr id="185" name="Document Success…"/>
           <p:cNvSpPr txBox="1"/>
           <p:nvPr/>
         </p:nvSpPr>
@@ -7027,7 +7809,7 @@
       </p:sp>
       <p:sp>
         <p:nvSpPr>
-          <p:cNvPr id="174" name="Procure…"/>
+          <p:cNvPr id="186" name="Procure…"/>
           <p:cNvSpPr txBox="1"/>
           <p:nvPr/>
         </p:nvSpPr>
@@ -7096,7 +7878,7 @@
       </p:sp>
       <p:sp>
         <p:nvSpPr>
-          <p:cNvPr id="175" name="Demonstrate…"/>
+          <p:cNvPr id="187" name="Demonstrate…"/>
           <p:cNvSpPr txBox="1"/>
           <p:nvPr/>
         </p:nvSpPr>
@@ -7152,7 +7934,7 @@
       </p:sp>
       <p:sp>
         <p:nvSpPr>
-          <p:cNvPr id="176" name="Initial Operating Capability (IOC)"/>
+          <p:cNvPr id="188" name="Initial Operating Capability (IOC)"/>
           <p:cNvSpPr txBox="1"/>
           <p:nvPr/>
         </p:nvSpPr>
@@ -7197,7 +7979,7 @@
       </p:sp>
       <p:sp>
         <p:nvSpPr>
-          <p:cNvPr id="177" name="Oval"/>
+          <p:cNvPr id="189" name="Oval"/>
           <p:cNvSpPr/>
           <p:nvPr/>
         </p:nvSpPr>
@@ -7239,7 +8021,7 @@
       </p:sp>
       <p:sp>
         <p:nvSpPr>
-          <p:cNvPr id="178" name="Oval"/>
+          <p:cNvPr id="190" name="Oval"/>
           <p:cNvSpPr/>
           <p:nvPr/>
         </p:nvSpPr>
@@ -7281,7 +8063,7 @@
       </p:sp>
       <p:sp>
         <p:nvSpPr>
-          <p:cNvPr id="179" name="Oval"/>
+          <p:cNvPr id="191" name="Oval"/>
           <p:cNvSpPr/>
           <p:nvPr/>
         </p:nvSpPr>
@@ -7323,7 +8105,7 @@
       </p:sp>
       <p:sp>
         <p:nvSpPr>
-          <p:cNvPr id="180" name="Oval"/>
+          <p:cNvPr id="192" name="Oval"/>
           <p:cNvSpPr/>
           <p:nvPr/>
         </p:nvSpPr>
@@ -7365,7 +8147,7 @@
       </p:sp>
       <p:sp>
         <p:nvSpPr>
-          <p:cNvPr id="181" name="Oval"/>
+          <p:cNvPr id="193" name="Oval"/>
           <p:cNvSpPr/>
           <p:nvPr/>
         </p:nvSpPr>
@@ -7407,7 +8189,7 @@
       </p:sp>
       <p:sp>
         <p:nvSpPr>
-          <p:cNvPr id="182" name="Oval"/>
+          <p:cNvPr id="194" name="Oval"/>
           <p:cNvSpPr/>
           <p:nvPr/>
         </p:nvSpPr>
@@ -7449,7 +8231,7 @@
       </p:sp>
       <p:sp>
         <p:nvSpPr>
-          <p:cNvPr id="183" name="Arrow"/>
+          <p:cNvPr id="195" name="Arrow"/>
           <p:cNvSpPr/>
           <p:nvPr/>
         </p:nvSpPr>
@@ -7491,7 +8273,7 @@
       </p:sp>
       <p:sp>
         <p:nvSpPr>
-          <p:cNvPr id="184" name="3 weeks"/>
+          <p:cNvPr id="196" name="3 weeks"/>
           <p:cNvSpPr txBox="1"/>
           <p:nvPr/>
         </p:nvSpPr>
@@ -7522,6 +8304,37 @@
             <a:r>
               <a:t>3 weeks</a:t>
             </a:r>
+          </a:p>
+        </p:txBody>
+      </p:sp>
+      <p:sp>
+        <p:nvSpPr>
+          <p:cNvPr id="197" name="Slide Number"/>
+          <p:cNvSpPr txBox="1"/>
+          <p:nvPr>
+            <p:ph type="sldNum" sz="quarter" idx="2"/>
+          </p:nvPr>
+        </p:nvSpPr>
+        <p:spPr>
+          <a:xfrm>
+            <a:off x="6385373" y="9296400"/>
+            <a:ext cx="227280" cy="324306"/>
+          </a:xfrm>
+          <a:prstGeom prst="rect">
+            <a:avLst/>
+          </a:prstGeom>
+          <a:extLst>
+            <a:ext uri="{C572A759-6A51-4108-AA02-DFA0A04FC94B}">
+              <ma14:wrappingTextBoxFlag xmlns:ma14="http://schemas.microsoft.com/office/mac/drawingml/2011/main" val="1"/>
+            </a:ext>
+          </a:extLst>
+        </p:spPr>
+        <p:txBody>
+          <a:bodyPr/>
+          <a:lstStyle/>
+          <a:p>
+            <a:pPr/>
+            <a:fld id="{86CB4B4D-7CA3-9044-876B-883B54F8677D}" type="slidenum"/>
           </a:p>
         </p:txBody>
       </p:sp>
@@ -7553,7 +8366,7 @@
       </p:grpSpPr>
       <p:pic>
         <p:nvPicPr>
-          <p:cNvPr id="186" name="Image" descr="Image"/>
+          <p:cNvPr id="199" name="Image" descr="Image"/>
           <p:cNvPicPr>
             <a:picLocks noChangeAspect="1"/>
           </p:cNvPicPr>
@@ -7582,7 +8395,7 @@
       </p:pic>
       <p:sp>
         <p:nvSpPr>
-          <p:cNvPr id="187" name="Thank You"/>
+          <p:cNvPr id="200" name="Thank You"/>
           <p:cNvSpPr txBox="1"/>
           <p:nvPr/>
         </p:nvSpPr>
@@ -7622,6 +8435,37 @@
             <a:r>
               <a:t>Thank You</a:t>
             </a:r>
+          </a:p>
+        </p:txBody>
+      </p:sp>
+      <p:sp>
+        <p:nvSpPr>
+          <p:cNvPr id="201" name="Slide Number"/>
+          <p:cNvSpPr txBox="1"/>
+          <p:nvPr>
+            <p:ph type="sldNum" sz="quarter" idx="2"/>
+          </p:nvPr>
+        </p:nvSpPr>
+        <p:spPr>
+          <a:xfrm>
+            <a:off x="6385373" y="9296400"/>
+            <a:ext cx="227280" cy="324306"/>
+          </a:xfrm>
+          <a:prstGeom prst="rect">
+            <a:avLst/>
+          </a:prstGeom>
+          <a:extLst>
+            <a:ext uri="{C572A759-6A51-4108-AA02-DFA0A04FC94B}">
+              <ma14:wrappingTextBoxFlag xmlns:ma14="http://schemas.microsoft.com/office/mac/drawingml/2011/main" val="1"/>
+            </a:ext>
+          </a:extLst>
+        </p:spPr>
+        <p:txBody>
+          <a:bodyPr/>
+          <a:lstStyle/>
+          <a:p>
+            <a:pPr/>
+            <a:fld id="{86CB4B4D-7CA3-9044-876B-883B54F8677D}" type="slidenum"/>
           </a:p>
         </p:txBody>
       </p:sp>

--- a/presentation/RapidConsul.pptx
+++ b/presentation/RapidConsul.pptx
@@ -3070,6 +3070,35 @@
           </a:p>
         </p:txBody>
       </p:sp>
+      <p:pic>
+        <p:nvPicPr>
+          <p:cNvPr id="122" name="QRCode.png" descr="QRCode.png"/>
+          <p:cNvPicPr>
+            <a:picLocks noChangeAspect="1"/>
+          </p:cNvPicPr>
+          <p:nvPr/>
+        </p:nvPicPr>
+        <p:blipFill>
+          <a:blip r:embed="rId2">
+            <a:extLst/>
+          </a:blip>
+          <a:stretch>
+            <a:fillRect/>
+          </a:stretch>
+        </p:blipFill>
+        <p:spPr>
+          <a:xfrm>
+            <a:off x="546100" y="5721657"/>
+            <a:ext cx="2000795" cy="2874476"/>
+          </a:xfrm>
+          <a:prstGeom prst="rect">
+            <a:avLst/>
+          </a:prstGeom>
+          <a:ln w="12700">
+            <a:miter lim="400000"/>
+          </a:ln>
+        </p:spPr>
+      </p:pic>
     </p:spTree>
   </p:cSld>
   <p:clrMapOvr>
@@ -3098,7 +3127,7 @@
       </p:grpSpPr>
       <p:pic>
         <p:nvPicPr>
-          <p:cNvPr id="203" name="Image" descr="Image"/>
+          <p:cNvPr id="205" name="Image" descr="Image"/>
           <p:cNvPicPr>
             <a:picLocks noChangeAspect="1"/>
           </p:cNvPicPr>
@@ -3127,7 +3156,7 @@
       </p:pic>
       <p:sp>
         <p:nvSpPr>
-          <p:cNvPr id="204" name="Appendix"/>
+          <p:cNvPr id="206" name="Appendix"/>
           <p:cNvSpPr txBox="1"/>
           <p:nvPr/>
         </p:nvSpPr>
@@ -3172,7 +3201,7 @@
       </p:sp>
       <p:sp>
         <p:nvSpPr>
-          <p:cNvPr id="205" name="All code/artifacts are at…"/>
+          <p:cNvPr id="207" name="All code/artifacts are at…"/>
           <p:cNvSpPr txBox="1"/>
           <p:nvPr/>
         </p:nvSpPr>
@@ -3241,7 +3270,7 @@
       </p:sp>
       <p:sp>
         <p:nvSpPr>
-          <p:cNvPr id="206" name="Slide Number"/>
+          <p:cNvPr id="208" name="Slide Number"/>
           <p:cNvSpPr txBox="1"/>
           <p:nvPr>
             <p:ph type="sldNum" sz="quarter" idx="2"/>
@@ -3294,7 +3323,7 @@
       </p:grpSpPr>
       <p:sp>
         <p:nvSpPr>
-          <p:cNvPr id="123" name="Agenda"/>
+          <p:cNvPr id="124" name="Agenda"/>
           <p:cNvSpPr txBox="1"/>
           <p:nvPr>
             <p:ph type="title"/>
@@ -3331,7 +3360,7 @@
       </p:sp>
       <p:sp>
         <p:nvSpPr>
-          <p:cNvPr id="124" name="Baselining - about HashiCorp and Consul…"/>
+          <p:cNvPr id="125" name="Baselining - about HashiCorp and Consul…"/>
           <p:cNvSpPr txBox="1"/>
           <p:nvPr>
             <p:ph type="body" sz="half" idx="1"/>
@@ -3433,7 +3462,7 @@
       </p:sp>
       <p:sp>
         <p:nvSpPr>
-          <p:cNvPr id="125" name="Slide Number"/>
+          <p:cNvPr id="126" name="Slide Number"/>
           <p:cNvSpPr txBox="1"/>
           <p:nvPr>
             <p:ph type="sldNum" sz="quarter" idx="2"/>
@@ -3490,7 +3519,7 @@
       </p:grpSpPr>
       <p:sp>
         <p:nvSpPr>
-          <p:cNvPr id="127" name="Baselining"/>
+          <p:cNvPr id="128" name="Baselining"/>
           <p:cNvSpPr txBox="1"/>
           <p:nvPr>
             <p:ph type="title"/>
@@ -3527,7 +3556,7 @@
       </p:sp>
       <p:sp>
         <p:nvSpPr>
-          <p:cNvPr id="128" name="HashiCorp is…"/>
+          <p:cNvPr id="129" name="HashiCorp is…"/>
           <p:cNvSpPr txBox="1"/>
           <p:nvPr/>
         </p:nvSpPr>
@@ -3679,7 +3708,7 @@
       </p:sp>
       <p:pic>
         <p:nvPicPr>
-          <p:cNvPr id="129" name="hclogo.png" descr="hclogo.png"/>
+          <p:cNvPr id="130" name="hclogo.png" descr="hclogo.png"/>
           <p:cNvPicPr>
             <a:picLocks noChangeAspect="1"/>
           </p:cNvPicPr>
@@ -3708,7 +3737,7 @@
       </p:pic>
       <p:sp>
         <p:nvSpPr>
-          <p:cNvPr id="130" name="Consul is…"/>
+          <p:cNvPr id="131" name="Consul is…"/>
           <p:cNvSpPr txBox="1"/>
           <p:nvPr/>
         </p:nvSpPr>
@@ -3875,7 +3904,7 @@
       </p:sp>
       <p:pic>
         <p:nvPicPr>
-          <p:cNvPr id="131" name="Image" descr="Image"/>
+          <p:cNvPr id="132" name="Image" descr="Image"/>
           <p:cNvPicPr>
             <a:picLocks noChangeAspect="1"/>
           </p:cNvPicPr>
@@ -3904,7 +3933,7 @@
       </p:pic>
       <p:sp>
         <p:nvSpPr>
-          <p:cNvPr id="132" name="Slide Number"/>
+          <p:cNvPr id="133" name="Slide Number"/>
           <p:cNvSpPr txBox="1"/>
           <p:nvPr>
             <p:ph type="sldNum" sz="quarter" idx="2"/>
@@ -3961,7 +3990,7 @@
       </p:grpSpPr>
       <p:sp>
         <p:nvSpPr>
-          <p:cNvPr id="134" name="The Challenge"/>
+          <p:cNvPr id="135" name="The Challenge"/>
           <p:cNvSpPr txBox="1"/>
           <p:nvPr>
             <p:ph type="title"/>
@@ -3998,7 +4027,7 @@
       </p:sp>
       <p:sp>
         <p:nvSpPr>
-          <p:cNvPr id="135" name="Acme Today desires…"/>
+          <p:cNvPr id="136" name="Acme Today desires…"/>
           <p:cNvSpPr txBox="1"/>
           <p:nvPr/>
         </p:nvSpPr>
@@ -4179,7 +4208,7 @@
       </p:sp>
       <p:pic>
         <p:nvPicPr>
-          <p:cNvPr id="136" name="Image" descr="Image"/>
+          <p:cNvPr id="137" name="Image" descr="Image"/>
           <p:cNvPicPr>
             <a:picLocks noChangeAspect="1"/>
           </p:cNvPicPr>
@@ -4208,7 +4237,7 @@
       </p:pic>
       <p:sp>
         <p:nvSpPr>
-          <p:cNvPr id="137" name="Slide Number"/>
+          <p:cNvPr id="138" name="Slide Number"/>
           <p:cNvSpPr txBox="1"/>
           <p:nvPr>
             <p:ph type="sldNum" sz="quarter" idx="2"/>
@@ -4265,7 +4294,7 @@
       </p:grpSpPr>
       <p:sp>
         <p:nvSpPr>
-          <p:cNvPr id="139" name="The Solution"/>
+          <p:cNvPr id="140" name="The Solution"/>
           <p:cNvSpPr txBox="1"/>
           <p:nvPr>
             <p:ph type="title"/>
@@ -4302,7 +4331,7 @@
       </p:sp>
       <p:sp>
         <p:nvSpPr>
-          <p:cNvPr id="140" name="What’s the Value ?…"/>
+          <p:cNvPr id="141" name="What’s the Value ?…"/>
           <p:cNvSpPr txBox="1"/>
           <p:nvPr/>
         </p:nvSpPr>
@@ -4729,7 +4758,7 @@
       </p:sp>
       <p:pic>
         <p:nvPicPr>
-          <p:cNvPr id="141" name="Image" descr="Image"/>
+          <p:cNvPr id="142" name="Image" descr="Image"/>
           <p:cNvPicPr>
             <a:picLocks noChangeAspect="1"/>
           </p:cNvPicPr>
@@ -4758,7 +4787,7 @@
       </p:pic>
       <p:sp>
         <p:nvSpPr>
-          <p:cNvPr id="142" name="Use HashiCorp Consul to build a service mesh tying the application and its database together over a secure manageable connection that can be visualized and modified in real time."/>
+          <p:cNvPr id="143" name="Use HashiCorp Consul to build a service mesh tying the application and its database together over a secure manageable connection that can be visualized and modified in real time."/>
           <p:cNvSpPr txBox="1"/>
           <p:nvPr/>
         </p:nvSpPr>
@@ -4843,7 +4872,7 @@
       </p:sp>
       <p:sp>
         <p:nvSpPr>
-          <p:cNvPr id="143" name="Line"/>
+          <p:cNvPr id="144" name="Line"/>
           <p:cNvSpPr/>
           <p:nvPr/>
         </p:nvSpPr>
@@ -4885,7 +4914,7 @@
       </p:sp>
       <p:sp>
         <p:nvSpPr>
-          <p:cNvPr id="144" name="Slide Number"/>
+          <p:cNvPr id="145" name="Slide Number"/>
           <p:cNvSpPr txBox="1"/>
           <p:nvPr>
             <p:ph type="sldNum" sz="quarter" idx="2"/>
@@ -4942,7 +4971,7 @@
       </p:grpSpPr>
       <p:sp>
         <p:nvSpPr>
-          <p:cNvPr id="146" name="⏟"/>
+          <p:cNvPr id="147" name="⏟"/>
           <p:cNvSpPr txBox="1"/>
           <p:nvPr>
             <p:ph type="title"/>
@@ -4979,7 +5008,7 @@
       </p:sp>
       <p:pic>
         <p:nvPicPr>
-          <p:cNvPr id="147" name="Image" descr="Image"/>
+          <p:cNvPr id="148" name="Image" descr="Image"/>
           <p:cNvPicPr>
             <a:picLocks noChangeAspect="1"/>
           </p:cNvPicPr>
@@ -5008,7 +5037,7 @@
       </p:pic>
       <p:sp>
         <p:nvSpPr>
-          <p:cNvPr id="148" name="Appsvr…"/>
+          <p:cNvPr id="149" name="Appsvr…"/>
           <p:cNvSpPr/>
           <p:nvPr/>
         </p:nvSpPr>
@@ -5091,7 +5120,7 @@
       </p:sp>
       <p:sp>
         <p:nvSpPr>
-          <p:cNvPr id="149" name="Sidecar Proxy…"/>
+          <p:cNvPr id="150" name="Sidecar Proxy…"/>
           <p:cNvSpPr/>
           <p:nvPr/>
         </p:nvSpPr>
@@ -5157,7 +5186,7 @@
       </p:sp>
       <p:sp>
         <p:nvSpPr>
-          <p:cNvPr id="150" name="Sidecar Proxy…"/>
+          <p:cNvPr id="151" name="Sidecar Proxy…"/>
           <p:cNvSpPr/>
           <p:nvPr/>
         </p:nvSpPr>
@@ -5223,7 +5252,7 @@
       </p:sp>
       <p:sp>
         <p:nvSpPr>
-          <p:cNvPr id="151" name="DB Server…"/>
+          <p:cNvPr id="152" name="DB Server…"/>
           <p:cNvSpPr/>
           <p:nvPr/>
         </p:nvSpPr>
@@ -5304,7 +5333,7 @@
       </p:sp>
       <p:sp>
         <p:nvSpPr>
-          <p:cNvPr id="152" name="Consul…"/>
+          <p:cNvPr id="153" name="Consul…"/>
           <p:cNvSpPr/>
           <p:nvPr/>
         </p:nvSpPr>
@@ -5371,7 +5400,7 @@
       </p:sp>
       <p:sp>
         <p:nvSpPr>
-          <p:cNvPr id="153" name="Consul…"/>
+          <p:cNvPr id="154" name="Consul…"/>
           <p:cNvSpPr/>
           <p:nvPr/>
         </p:nvSpPr>
@@ -5438,7 +5467,7 @@
       </p:sp>
       <p:grpSp>
         <p:nvGrpSpPr>
-          <p:cNvPr id="156" name="Group"/>
+          <p:cNvPr id="157" name="Group"/>
           <p:cNvGrpSpPr/>
           <p:nvPr/>
         </p:nvGrpSpPr>
@@ -5452,7 +5481,7 @@
         </p:grpSpPr>
         <p:sp>
           <p:nvSpPr>
-            <p:cNvPr id="154" name="Double Arrow"/>
+            <p:cNvPr id="155" name="Double Arrow"/>
             <p:cNvSpPr/>
             <p:nvPr/>
           </p:nvSpPr>
@@ -5498,7 +5527,7 @@
         </p:sp>
         <p:sp>
           <p:nvSpPr>
-            <p:cNvPr id="155" name="INSECURE"/>
+            <p:cNvPr id="156" name="INSECURE"/>
             <p:cNvSpPr txBox="1"/>
             <p:nvPr/>
           </p:nvSpPr>
@@ -5546,7 +5575,7 @@
       </p:grpSp>
       <p:grpSp>
         <p:nvGrpSpPr>
-          <p:cNvPr id="161" name="Group"/>
+          <p:cNvPr id="162" name="Group"/>
           <p:cNvGrpSpPr/>
           <p:nvPr/>
         </p:nvGrpSpPr>
@@ -5560,7 +5589,7 @@
         </p:grpSpPr>
         <p:sp>
           <p:nvSpPr>
-            <p:cNvPr id="157" name="Double Arrow"/>
+            <p:cNvPr id="158" name="Double Arrow"/>
             <p:cNvSpPr/>
             <p:nvPr/>
           </p:nvSpPr>
@@ -5610,7 +5639,7 @@
         </p:sp>
         <p:sp>
           <p:nvSpPr>
-            <p:cNvPr id="158" name="TLS"/>
+            <p:cNvPr id="159" name="TLS"/>
             <p:cNvSpPr txBox="1"/>
             <p:nvPr/>
           </p:nvSpPr>
@@ -5657,7 +5686,7 @@
         </p:sp>
         <p:sp>
           <p:nvSpPr>
-            <p:cNvPr id="159" name="Lock"/>
+            <p:cNvPr id="160" name="Lock"/>
             <p:cNvSpPr/>
             <p:nvPr/>
           </p:nvSpPr>
@@ -5844,7 +5873,7 @@
         </p:sp>
         <p:sp>
           <p:nvSpPr>
-            <p:cNvPr id="160" name="Lock"/>
+            <p:cNvPr id="161" name="Lock"/>
             <p:cNvSpPr/>
             <p:nvPr/>
           </p:nvSpPr>
@@ -6032,7 +6061,7 @@
       </p:grpSp>
       <p:sp>
         <p:nvSpPr>
-          <p:cNvPr id="162" name="Secure Access"/>
+          <p:cNvPr id="163" name="Secure Access"/>
           <p:cNvSpPr/>
           <p:nvPr/>
         </p:nvSpPr>
@@ -6167,7 +6196,7 @@
       </p:sp>
       <p:sp>
         <p:nvSpPr>
-          <p:cNvPr id="163" name="Thunderbolt"/>
+          <p:cNvPr id="164" name="Thunderbolt"/>
           <p:cNvSpPr/>
           <p:nvPr/>
         </p:nvSpPr>
@@ -6253,7 +6282,7 @@
       </p:sp>
       <p:sp>
         <p:nvSpPr>
-          <p:cNvPr id="164" name="InSecure Access"/>
+          <p:cNvPr id="165" name="InSecure Access"/>
           <p:cNvSpPr/>
           <p:nvPr/>
         </p:nvSpPr>
@@ -6388,7 +6417,7 @@
       </p:sp>
       <p:sp>
         <p:nvSpPr>
-          <p:cNvPr id="165" name="Thunderbolt"/>
+          <p:cNvPr id="166" name="Thunderbolt"/>
           <p:cNvSpPr/>
           <p:nvPr/>
         </p:nvSpPr>
@@ -6474,7 +6503,7 @@
       </p:sp>
       <p:sp>
         <p:nvSpPr>
-          <p:cNvPr id="166" name="Consul"/>
+          <p:cNvPr id="167" name="Consul"/>
           <p:cNvSpPr txBox="1"/>
           <p:nvPr/>
         </p:nvSpPr>
@@ -6525,7 +6554,7 @@
       </p:sp>
       <p:sp>
         <p:nvSpPr>
-          <p:cNvPr id="167" name="The Solution 2"/>
+          <p:cNvPr id="168" name="The Solution 2"/>
           <p:cNvSpPr txBox="1"/>
           <p:nvPr/>
         </p:nvSpPr>
@@ -6570,7 +6599,7 @@
       </p:sp>
       <p:sp>
         <p:nvSpPr>
-          <p:cNvPr id="168" name="Slide Number"/>
+          <p:cNvPr id="169" name="Slide Number"/>
           <p:cNvSpPr txBox="1"/>
           <p:nvPr>
             <p:ph type="sldNum" sz="quarter" idx="2"/>
@@ -6601,7 +6630,7 @@
       </p:sp>
       <p:sp>
         <p:nvSpPr>
-          <p:cNvPr id="169" name="Double Arrow"/>
+          <p:cNvPr id="170" name="Double Arrow"/>
           <p:cNvSpPr/>
           <p:nvPr/>
         </p:nvSpPr>
@@ -6647,7 +6676,7 @@
       </p:sp>
       <p:sp>
         <p:nvSpPr>
-          <p:cNvPr id="170" name="Double Arrow"/>
+          <p:cNvPr id="171" name="Double Arrow"/>
           <p:cNvSpPr/>
           <p:nvPr/>
         </p:nvSpPr>
@@ -6693,7 +6722,7 @@
       </p:sp>
       <p:sp>
         <p:nvSpPr>
-          <p:cNvPr id="171" name="The old way of interacting"/>
+          <p:cNvPr id="172" name="The old way of interacting"/>
           <p:cNvSpPr txBox="1"/>
           <p:nvPr/>
         </p:nvSpPr>
@@ -6741,7 +6770,7 @@
       </p:sp>
       <p:sp>
         <p:nvSpPr>
-          <p:cNvPr id="172" name="The better way of interacting"/>
+          <p:cNvPr id="173" name="The better way of interacting"/>
           <p:cNvSpPr txBox="1"/>
           <p:nvPr/>
         </p:nvSpPr>
@@ -6815,7 +6844,7 @@
       </p:grpSpPr>
       <p:pic>
         <p:nvPicPr>
-          <p:cNvPr id="174" name="Image" descr="Image"/>
+          <p:cNvPr id="175" name="Image" descr="Image"/>
           <p:cNvPicPr>
             <a:picLocks noChangeAspect="1"/>
           </p:cNvPicPr>
@@ -6844,13 +6873,13 @@
       </p:pic>
       <p:sp>
         <p:nvSpPr>
-          <p:cNvPr id="175" name="Demo time"/>
+          <p:cNvPr id="176" name="Demo time"/>
           <p:cNvSpPr txBox="1"/>
           <p:nvPr/>
         </p:nvSpPr>
         <p:spPr>
           <a:xfrm>
-            <a:off x="3869084" y="3249761"/>
+            <a:off x="3869084" y="1154261"/>
             <a:ext cx="5266632" cy="1120478"/>
           </a:xfrm>
           <a:prstGeom prst="rect">
@@ -6898,7 +6927,7 @@
       </p:sp>
       <p:sp>
         <p:nvSpPr>
-          <p:cNvPr id="176" name="Slide Number"/>
+          <p:cNvPr id="177" name="Slide Number"/>
           <p:cNvSpPr txBox="1"/>
           <p:nvPr>
             <p:ph type="sldNum" sz="quarter" idx="2"/>
@@ -6929,13 +6958,13 @@
       </p:sp>
       <p:sp>
         <p:nvSpPr>
-          <p:cNvPr id="177" name="Available for download at…"/>
+          <p:cNvPr id="178" name="Available for download at…"/>
           <p:cNvSpPr txBox="1"/>
           <p:nvPr/>
         </p:nvSpPr>
         <p:spPr>
           <a:xfrm>
-            <a:off x="2952700" y="5662761"/>
+            <a:off x="2952700" y="7555061"/>
             <a:ext cx="6628954" cy="1120478"/>
           </a:xfrm>
           <a:prstGeom prst="rect">
@@ -7010,6 +7039,35 @@
           </a:p>
         </p:txBody>
       </p:sp>
+      <p:pic>
+        <p:nvPicPr>
+          <p:cNvPr id="179" name="QRCode.png" descr="QRCode.png"/>
+          <p:cNvPicPr>
+            <a:picLocks noChangeAspect="1"/>
+          </p:cNvPicPr>
+          <p:nvPr/>
+        </p:nvPicPr>
+        <p:blipFill>
+          <a:blip r:embed="rId4">
+            <a:extLst/>
+          </a:blip>
+          <a:stretch>
+            <a:fillRect/>
+          </a:stretch>
+        </p:blipFill>
+        <p:spPr>
+          <a:xfrm>
+            <a:off x="5092700" y="3227567"/>
+            <a:ext cx="2348955" cy="3374666"/>
+          </a:xfrm>
+          <a:prstGeom prst="rect">
+            <a:avLst/>
+          </a:prstGeom>
+          <a:ln w="12700">
+            <a:miter lim="400000"/>
+          </a:ln>
+        </p:spPr>
+      </p:pic>
     </p:spTree>
   </p:cSld>
   <p:clrMapOvr>
@@ -7038,7 +7096,7 @@
       </p:grpSpPr>
       <p:sp>
         <p:nvSpPr>
-          <p:cNvPr id="179" name="Wrapup &amp; Next Steps"/>
+          <p:cNvPr id="181" name="Wrapup &amp; Next Steps"/>
           <p:cNvSpPr txBox="1"/>
           <p:nvPr>
             <p:ph type="title"/>
@@ -7075,7 +7133,7 @@
       </p:sp>
       <p:sp>
         <p:nvSpPr>
-          <p:cNvPr id="180" name="In the demo we saw…"/>
+          <p:cNvPr id="182" name="In the demo we saw…"/>
           <p:cNvSpPr txBox="1"/>
           <p:nvPr/>
         </p:nvSpPr>
@@ -7570,7 +7628,7 @@
       </p:sp>
       <p:pic>
         <p:nvPicPr>
-          <p:cNvPr id="181" name="Image" descr="Image"/>
+          <p:cNvPr id="183" name="Image" descr="Image"/>
           <p:cNvPicPr>
             <a:picLocks noChangeAspect="1"/>
           </p:cNvPicPr>
@@ -7599,7 +7657,7 @@
       </p:pic>
       <p:sp>
         <p:nvSpPr>
-          <p:cNvPr id="182" name="Line"/>
+          <p:cNvPr id="184" name="Line"/>
           <p:cNvSpPr/>
           <p:nvPr/>
         </p:nvSpPr>
@@ -7641,7 +7699,7 @@
       </p:sp>
       <p:sp>
         <p:nvSpPr>
-          <p:cNvPr id="183" name="Identify…"/>
+          <p:cNvPr id="185" name="Identify…"/>
           <p:cNvSpPr txBox="1"/>
           <p:nvPr/>
         </p:nvSpPr>
@@ -7697,7 +7755,7 @@
       </p:sp>
       <p:sp>
         <p:nvSpPr>
-          <p:cNvPr id="184" name="Capture…"/>
+          <p:cNvPr id="186" name="Capture…"/>
           <p:cNvSpPr txBox="1"/>
           <p:nvPr/>
         </p:nvSpPr>
@@ -7753,7 +7811,7 @@
       </p:sp>
       <p:sp>
         <p:nvSpPr>
-          <p:cNvPr id="185" name="Document Success…"/>
+          <p:cNvPr id="187" name="Document Success…"/>
           <p:cNvSpPr txBox="1"/>
           <p:nvPr/>
         </p:nvSpPr>
@@ -7809,7 +7867,7 @@
       </p:sp>
       <p:sp>
         <p:nvSpPr>
-          <p:cNvPr id="186" name="Procure…"/>
+          <p:cNvPr id="188" name="Procure…"/>
           <p:cNvSpPr txBox="1"/>
           <p:nvPr/>
         </p:nvSpPr>
@@ -7878,7 +7936,7 @@
       </p:sp>
       <p:sp>
         <p:nvSpPr>
-          <p:cNvPr id="187" name="Demonstrate…"/>
+          <p:cNvPr id="189" name="Demonstrate…"/>
           <p:cNvSpPr txBox="1"/>
           <p:nvPr/>
         </p:nvSpPr>
@@ -7934,7 +7992,7 @@
       </p:sp>
       <p:sp>
         <p:nvSpPr>
-          <p:cNvPr id="188" name="Initial Operating Capability (IOC)"/>
+          <p:cNvPr id="190" name="Initial Operating Capability (IOC)"/>
           <p:cNvSpPr txBox="1"/>
           <p:nvPr/>
         </p:nvSpPr>
@@ -7979,7 +8037,7 @@
       </p:sp>
       <p:sp>
         <p:nvSpPr>
-          <p:cNvPr id="189" name="Oval"/>
+          <p:cNvPr id="191" name="Oval"/>
           <p:cNvSpPr/>
           <p:nvPr/>
         </p:nvSpPr>
@@ -8021,7 +8079,7 @@
       </p:sp>
       <p:sp>
         <p:nvSpPr>
-          <p:cNvPr id="190" name="Oval"/>
+          <p:cNvPr id="192" name="Oval"/>
           <p:cNvSpPr/>
           <p:nvPr/>
         </p:nvSpPr>
@@ -8063,7 +8121,7 @@
       </p:sp>
       <p:sp>
         <p:nvSpPr>
-          <p:cNvPr id="191" name="Oval"/>
+          <p:cNvPr id="193" name="Oval"/>
           <p:cNvSpPr/>
           <p:nvPr/>
         </p:nvSpPr>
@@ -8105,7 +8163,7 @@
       </p:sp>
       <p:sp>
         <p:nvSpPr>
-          <p:cNvPr id="192" name="Oval"/>
+          <p:cNvPr id="194" name="Oval"/>
           <p:cNvSpPr/>
           <p:nvPr/>
         </p:nvSpPr>
@@ -8147,7 +8205,7 @@
       </p:sp>
       <p:sp>
         <p:nvSpPr>
-          <p:cNvPr id="193" name="Oval"/>
+          <p:cNvPr id="195" name="Oval"/>
           <p:cNvSpPr/>
           <p:nvPr/>
         </p:nvSpPr>
@@ -8189,7 +8247,7 @@
       </p:sp>
       <p:sp>
         <p:nvSpPr>
-          <p:cNvPr id="194" name="Oval"/>
+          <p:cNvPr id="196" name="Oval"/>
           <p:cNvSpPr/>
           <p:nvPr/>
         </p:nvSpPr>
@@ -8231,7 +8289,7 @@
       </p:sp>
       <p:sp>
         <p:nvSpPr>
-          <p:cNvPr id="195" name="Arrow"/>
+          <p:cNvPr id="197" name="Arrow"/>
           <p:cNvSpPr/>
           <p:nvPr/>
         </p:nvSpPr>
@@ -8273,7 +8331,7 @@
       </p:sp>
       <p:sp>
         <p:nvSpPr>
-          <p:cNvPr id="196" name="3 weeks"/>
+          <p:cNvPr id="198" name="3 weeks"/>
           <p:cNvSpPr txBox="1"/>
           <p:nvPr/>
         </p:nvSpPr>
@@ -8309,7 +8367,7 @@
       </p:sp>
       <p:sp>
         <p:nvSpPr>
-          <p:cNvPr id="197" name="Slide Number"/>
+          <p:cNvPr id="199" name="Slide Number"/>
           <p:cNvSpPr txBox="1"/>
           <p:nvPr>
             <p:ph type="sldNum" sz="quarter" idx="2"/>
@@ -8366,7 +8424,7 @@
       </p:grpSpPr>
       <p:pic>
         <p:nvPicPr>
-          <p:cNvPr id="199" name="Image" descr="Image"/>
+          <p:cNvPr id="201" name="Image" descr="Image"/>
           <p:cNvPicPr>
             <a:picLocks noChangeAspect="1"/>
           </p:cNvPicPr>
@@ -8395,7 +8453,7 @@
       </p:pic>
       <p:sp>
         <p:nvSpPr>
-          <p:cNvPr id="200" name="Thank You"/>
+          <p:cNvPr id="202" name="Thank You"/>
           <p:cNvSpPr txBox="1"/>
           <p:nvPr/>
         </p:nvSpPr>
@@ -8440,7 +8498,7 @@
       </p:sp>
       <p:sp>
         <p:nvSpPr>
-          <p:cNvPr id="201" name="Slide Number"/>
+          <p:cNvPr id="203" name="Slide Number"/>
           <p:cNvSpPr txBox="1"/>
           <p:nvPr>
             <p:ph type="sldNum" sz="quarter" idx="2"/>

--- a/presentation/RapidConsul.pptx
+++ b/presentation/RapidConsul.pptx
@@ -18,6 +18,7 @@
     <p:sldId id="263" r:id="rId15"/>
     <p:sldId id="264" r:id="rId16"/>
     <p:sldId id="265" r:id="rId17"/>
+    <p:sldId id="266" r:id="rId18"/>
   </p:sldIdLst>
   <p:sldSz cx="13004800" cy="9753600"/>
   <p:notesSz cx="6858000" cy="9144000"/>
@@ -345,7 +346,7 @@
       </p:grpSpPr>
       <p:sp>
         <p:nvSpPr>
-          <p:cNvPr id="116" name="Shape 116"/>
+          <p:cNvPr id="124" name="Shape 124"/>
           <p:cNvSpPr/>
           <p:nvPr>
             <p:ph type="sldImg"/>
@@ -370,7 +371,7 @@
       </p:sp>
       <p:sp>
         <p:nvSpPr>
-          <p:cNvPr id="117" name="Shape 117"/>
+          <p:cNvPr id="125" name="Shape 125"/>
           <p:cNvSpPr/>
           <p:nvPr>
             <p:ph type="body" sz="quarter" idx="1"/>
@@ -932,6 +933,110 @@
 </p:sldLayout>
 </file>
 
+<file path=ppt/slideLayouts/slideLayout13.xml><?xml version="1.0" encoding="utf-8"?>
+<p:sldLayout xmlns:a="http://schemas.openxmlformats.org/drawingml/2006/main" xmlns:r="http://schemas.openxmlformats.org/officeDocument/2006/relationships" xmlns:p="http://schemas.openxmlformats.org/presentationml/2006/main" xmlns:m="http://schemas.openxmlformats.org/officeDocument/2006/math" xmlns:a14="http://schemas.microsoft.com/office/drawing/2010/main" type="tx" showMasterSp="1" showMasterPhAnim="1">
+  <p:cSld name="Title Only">
+    <p:spTree>
+      <p:nvGrpSpPr>
+        <p:cNvPr id="1" name=""/>
+        <p:cNvGrpSpPr/>
+        <p:nvPr/>
+      </p:nvGrpSpPr>
+      <p:grpSpPr>
+        <a:xfrm>
+          <a:off x="0" y="0"/>
+          <a:ext cx="0" cy="0"/>
+          <a:chOff x="0" y="0"/>
+          <a:chExt cx="0" cy="0"/>
+        </a:xfrm>
+      </p:grpSpPr>
+      <p:sp>
+        <p:nvSpPr>
+          <p:cNvPr id="117" name="Title Text"/>
+          <p:cNvSpPr txBox="1"/>
+          <p:nvPr>
+            <p:ph type="title"/>
+          </p:nvPr>
+        </p:nvSpPr>
+        <p:spPr>
+          <a:xfrm>
+            <a:off x="894079" y="1608666"/>
+            <a:ext cx="11216642" cy="1413935"/>
+          </a:xfrm>
+          <a:prstGeom prst="rect">
+            <a:avLst/>
+          </a:prstGeom>
+        </p:spPr>
+        <p:txBody>
+          <a:bodyPr lIns="48767" tIns="48767" rIns="48767" bIns="48767"/>
+          <a:lstStyle>
+            <a:lvl1pPr algn="l" defTabSz="1300480">
+              <a:lnSpc>
+                <a:spcPct val="90000"/>
+              </a:lnSpc>
+              <a:defRPr sz="6200">
+                <a:latin typeface="Calibri Light"/>
+                <a:ea typeface="Calibri Light"/>
+                <a:cs typeface="Calibri Light"/>
+                <a:sym typeface="Calibri Light"/>
+              </a:defRPr>
+            </a:lvl1pPr>
+          </a:lstStyle>
+          <a:p>
+            <a:pPr/>
+            <a:r>
+              <a:t>Title Text</a:t>
+            </a:r>
+          </a:p>
+        </p:txBody>
+      </p:sp>
+      <p:sp>
+        <p:nvSpPr>
+          <p:cNvPr id="118" name="Slide Number"/>
+          <p:cNvSpPr txBox="1"/>
+          <p:nvPr>
+            <p:ph type="sldNum" sz="quarter" idx="2"/>
+          </p:nvPr>
+        </p:nvSpPr>
+        <p:spPr>
+          <a:xfrm>
+            <a:off x="11774464" y="8024622"/>
+            <a:ext cx="336257" cy="338837"/>
+          </a:xfrm>
+          <a:prstGeom prst="rect">
+            <a:avLst/>
+          </a:prstGeom>
+        </p:spPr>
+        <p:txBody>
+          <a:bodyPr lIns="48767" tIns="48767" rIns="48767" bIns="48767" anchor="ctr"/>
+          <a:lstStyle>
+            <a:lvl1pPr algn="r" defTabSz="1300480">
+              <a:defRPr>
+                <a:solidFill>
+                  <a:srgbClr val="888888"/>
+                </a:solidFill>
+                <a:latin typeface="Calibri"/>
+                <a:ea typeface="Calibri"/>
+                <a:cs typeface="Calibri"/>
+                <a:sym typeface="Calibri"/>
+              </a:defRPr>
+            </a:lvl1pPr>
+          </a:lstStyle>
+          <a:p>
+            <a:pPr/>
+            <a:fld id="{86CB4B4D-7CA3-9044-876B-883B54F8677D}" type="slidenum"/>
+          </a:p>
+        </p:txBody>
+      </p:sp>
+    </p:spTree>
+  </p:cSld>
+  <p:clrMapOvr>
+    <a:masterClrMapping/>
+  </p:clrMapOvr>
+  <p:transition xmlns:p14="http://schemas.microsoft.com/office/powerpoint/2010/main" spd="med" advClick="1"/>
+</p:sldLayout>
+</file>
+
 <file path=ppt/slideLayouts/slideLayout2.xml><?xml version="1.0" encoding="utf-8"?>
 <p:sldLayout xmlns:a="http://schemas.openxmlformats.org/drawingml/2006/main" xmlns:r="http://schemas.openxmlformats.org/officeDocument/2006/relationships" xmlns:p="http://schemas.openxmlformats.org/presentationml/2006/main" xmlns:m="http://schemas.openxmlformats.org/officeDocument/2006/math" xmlns:a14="http://schemas.microsoft.com/office/drawing/2010/main" type="tx" showMasterSp="1" showMasterPhAnim="1">
   <p:cSld name="Photo - Horizontal">
@@ -2200,6 +2305,7 @@
     <p:sldLayoutId id="2147483658" r:id="rId11"/>
     <p:sldLayoutId id="2147483659" r:id="rId12"/>
     <p:sldLayoutId id="2147483660" r:id="rId13"/>
+    <p:sldLayoutId id="2147483661" r:id="rId14"/>
   </p:sldLayoutIdLst>
   <p:transition xmlns:p14="http://schemas.microsoft.com/office/powerpoint/2010/main" spd="med" advClick="1"/>
   <p:txStyles>
@@ -2934,7 +3040,7 @@
       </p:grpSpPr>
       <p:sp>
         <p:nvSpPr>
-          <p:cNvPr id="119" name="Rapid Consul"/>
+          <p:cNvPr id="127" name="Rapid Consul"/>
           <p:cNvSpPr txBox="1"/>
           <p:nvPr>
             <p:ph type="ctrTitle"/>
@@ -2974,7 +3080,7 @@
       </p:sp>
       <p:sp>
         <p:nvSpPr>
-          <p:cNvPr id="120" name="A presentation…"/>
+          <p:cNvPr id="128" name="A presentation…"/>
           <p:cNvSpPr txBox="1"/>
           <p:nvPr>
             <p:ph type="subTitle" sz="quarter" idx="1"/>
@@ -2983,7 +3089,7 @@
         <p:spPr>
           <a:xfrm>
             <a:off x="9042400" y="6337300"/>
-            <a:ext cx="3476179" cy="1130301"/>
+            <a:ext cx="3476179" cy="1130300"/>
           </a:xfrm>
           <a:prstGeom prst="rect">
             <a:avLst/>
@@ -3041,7 +3147,7 @@
       </p:sp>
       <p:sp>
         <p:nvSpPr>
-          <p:cNvPr id="121" name="Slide Number"/>
+          <p:cNvPr id="129" name="Slide Number"/>
           <p:cNvSpPr txBox="1"/>
           <p:nvPr>
             <p:ph type="sldNum" sz="quarter" idx="2"/>
@@ -3072,7 +3178,7 @@
       </p:sp>
       <p:pic>
         <p:nvPicPr>
-          <p:cNvPr id="122" name="QRCode.png" descr="QRCode.png"/>
+          <p:cNvPr id="130" name="QRCode.png" descr="QRCode.png"/>
           <p:cNvPicPr>
             <a:picLocks noChangeAspect="1"/>
           </p:cNvPicPr>
@@ -3125,9 +3231,2343 @@
           <a:chExt cx="0" cy="0"/>
         </a:xfrm>
       </p:grpSpPr>
+      <p:sp>
+        <p:nvSpPr>
+          <p:cNvPr id="213" name="Chevron 25"/>
+          <p:cNvSpPr/>
+          <p:nvPr/>
+        </p:nvSpPr>
+        <p:spPr>
+          <a:xfrm>
+            <a:off x="86996" y="3788105"/>
+            <a:ext cx="9671619" cy="3839961"/>
+          </a:xfrm>
+          <a:prstGeom prst="chevron">
+            <a:avLst>
+              <a:gd name="adj" fmla="val 13152"/>
+            </a:avLst>
+          </a:prstGeom>
+          <a:gradFill>
+            <a:gsLst>
+              <a:gs pos="0">
+                <a:srgbClr val="A6A6A6">
+                  <a:alpha val="9000"/>
+                </a:srgbClr>
+              </a:gs>
+              <a:gs pos="99000">
+                <a:srgbClr val="D9D9D9">
+                  <a:alpha val="13000"/>
+                </a:srgbClr>
+              </a:gs>
+            </a:gsLst>
+            <a:lin ang="10800000"/>
+          </a:gradFill>
+          <a:ln w="12700">
+            <a:miter lim="400000"/>
+          </a:ln>
+        </p:spPr>
+        <p:txBody>
+          <a:bodyPr lIns="48767" tIns="48767" rIns="48767" bIns="48767" anchor="ctr"/>
+          <a:lstStyle/>
+          <a:p>
+            <a:pPr defTabSz="1300480">
+              <a:defRPr b="0">
+                <a:latin typeface="Calibri"/>
+                <a:ea typeface="Calibri"/>
+                <a:cs typeface="Calibri"/>
+                <a:sym typeface="Calibri"/>
+              </a:defRPr>
+            </a:pPr>
+          </a:p>
+        </p:txBody>
+      </p:sp>
+      <p:sp>
+        <p:nvSpPr>
+          <p:cNvPr id="214" name="Title 1"/>
+          <p:cNvSpPr txBox="1"/>
+          <p:nvPr>
+            <p:ph type="title"/>
+          </p:nvPr>
+        </p:nvSpPr>
+        <p:spPr>
+          <a:xfrm>
+            <a:off x="455031" y="1701309"/>
+            <a:ext cx="7335805" cy="534464"/>
+          </a:xfrm>
+          <a:prstGeom prst="rect">
+            <a:avLst/>
+          </a:prstGeom>
+        </p:spPr>
+        <p:txBody>
+          <a:bodyPr/>
+          <a:lstStyle>
+            <a:lvl1pPr defTabSz="975360">
+              <a:defRPr sz="2550">
+                <a:latin typeface="Fira Code Regular"/>
+                <a:ea typeface="Fira Code Regular"/>
+                <a:cs typeface="Fira Code Regular"/>
+                <a:sym typeface="Fira Code Regular"/>
+              </a:defRPr>
+            </a:lvl1pPr>
+          </a:lstStyle>
+          <a:p>
+            <a:pPr/>
+            <a:r>
+              <a:t>What It took – Anatomy of An Exercise</a:t>
+            </a:r>
+          </a:p>
+        </p:txBody>
+      </p:sp>
+      <p:sp>
+        <p:nvSpPr>
+          <p:cNvPr id="215" name="OTLSHAPE_TB_00000000000000000000000000000000_ScaleContainer"/>
+          <p:cNvSpPr/>
+          <p:nvPr/>
+        </p:nvSpPr>
+        <p:spPr>
+          <a:xfrm>
+            <a:off x="992483" y="4814982"/>
+            <a:ext cx="651587" cy="425446"/>
+          </a:xfrm>
+          <a:prstGeom prst="rect">
+            <a:avLst/>
+          </a:prstGeom>
+          <a:gradFill>
+            <a:gsLst>
+              <a:gs pos="32000">
+                <a:srgbClr val="7A3B9C"/>
+              </a:gs>
+              <a:gs pos="99000">
+                <a:srgbClr val="004CDA"/>
+              </a:gs>
+            </a:gsLst>
+            <a:lin ang="5400000"/>
+          </a:gradFill>
+          <a:ln w="12700">
+            <a:miter lim="400000"/>
+          </a:ln>
+          <a:effectLst>
+            <a:reflection blurRad="0" stA="50000" stPos="0" endA="0" endPos="40000" dist="0" dir="5400000" fadeDir="5400000" sx="100000" sy="-100000" kx="0" ky="0" algn="bl" rotWithShape="0"/>
+          </a:effectLst>
+        </p:spPr>
+        <p:txBody>
+          <a:bodyPr lIns="48767" tIns="48767" rIns="48767" bIns="48767" anchor="ctr"/>
+          <a:lstStyle/>
+          <a:p>
+            <a:pPr defTabSz="1300480">
+              <a:defRPr b="0">
+                <a:solidFill>
+                  <a:srgbClr val="FFFFFF"/>
+                </a:solidFill>
+                <a:latin typeface="Calibri"/>
+                <a:ea typeface="Calibri"/>
+                <a:cs typeface="Calibri"/>
+                <a:sym typeface="Calibri"/>
+              </a:defRPr>
+            </a:pPr>
+          </a:p>
+        </p:txBody>
+      </p:sp>
+      <p:sp>
+        <p:nvSpPr>
+          <p:cNvPr id="216" name="OTLSHAPE_T_a8615542293a4cdfb5e99580d663d5c3_Title"/>
+          <p:cNvSpPr txBox="1"/>
+          <p:nvPr/>
+        </p:nvSpPr>
+        <p:spPr>
+          <a:xfrm>
+            <a:off x="562053" y="3974466"/>
+            <a:ext cx="1512447" cy="558801"/>
+          </a:xfrm>
+          <a:prstGeom prst="rect">
+            <a:avLst/>
+          </a:prstGeom>
+          <a:ln w="12700">
+            <a:miter lim="400000"/>
+          </a:ln>
+          <a:extLst>
+            <a:ext uri="{C572A759-6A51-4108-AA02-DFA0A04FC94B}">
+              <ma14:wrappingTextBoxFlag xmlns:ma14="http://schemas.microsoft.com/office/mac/drawingml/2011/main" val="1"/>
+            </a:ext>
+          </a:extLst>
+        </p:spPr>
+        <p:txBody>
+          <a:bodyPr lIns="0" tIns="0" rIns="0" bIns="0" anchor="ctr">
+            <a:spAutoFit/>
+          </a:bodyPr>
+          <a:lstStyle/>
+          <a:p>
+            <a:pPr defTabSz="1300480">
+              <a:defRPr spc="-2" sz="1800">
+                <a:latin typeface="Century Gothic"/>
+                <a:ea typeface="Century Gothic"/>
+                <a:cs typeface="Century Gothic"/>
+                <a:sym typeface="Century Gothic"/>
+              </a:defRPr>
+            </a:pPr>
+            <a:r>
+              <a:t>App Design</a:t>
+            </a:r>
+          </a:p>
+          <a:p>
+            <a:pPr defTabSz="1300480">
+              <a:defRPr b="0" spc="-2" sz="1800">
+                <a:latin typeface="Century Gothic"/>
+                <a:ea typeface="Century Gothic"/>
+                <a:cs typeface="Century Gothic"/>
+                <a:sym typeface="Century Gothic"/>
+              </a:defRPr>
+            </a:pPr>
+            <a:r>
+              <a:t>3 Hrs</a:t>
+            </a:r>
+          </a:p>
+        </p:txBody>
+      </p:sp>
+      <p:grpSp>
+        <p:nvGrpSpPr>
+          <p:cNvPr id="219" name="Group 16"/>
+          <p:cNvGrpSpPr/>
+          <p:nvPr/>
+        </p:nvGrpSpPr>
+        <p:grpSpPr>
+          <a:xfrm>
+            <a:off x="2387275" y="4284704"/>
+            <a:ext cx="2257581" cy="901485"/>
+            <a:chOff x="0" y="279399"/>
+            <a:chExt cx="2257579" cy="901484"/>
+          </a:xfrm>
+        </p:grpSpPr>
+        <p:sp>
+          <p:nvSpPr>
+            <p:cNvPr id="217" name="OTLSHAPE_TB_00000000000000000000000000000000_ScaleContainer"/>
+            <p:cNvSpPr/>
+            <p:nvPr/>
+          </p:nvSpPr>
+          <p:spPr>
+            <a:xfrm>
+              <a:off x="379903" y="774589"/>
+              <a:ext cx="1460568" cy="406296"/>
+            </a:xfrm>
+            <a:prstGeom prst="rect">
+              <a:avLst/>
+            </a:prstGeom>
+            <a:gradFill flip="none" rotWithShape="1">
+              <a:gsLst>
+                <a:gs pos="32000">
+                  <a:srgbClr val="2E75B6"/>
+                </a:gs>
+                <a:gs pos="99000">
+                  <a:srgbClr val="88481D"/>
+                </a:gs>
+              </a:gsLst>
+              <a:lin ang="5400000" scaled="0"/>
+            </a:gradFill>
+            <a:ln w="12700" cap="flat">
+              <a:noFill/>
+              <a:miter lim="400000"/>
+            </a:ln>
+            <a:effectLst>
+              <a:reflection blurRad="0" stA="50000" stPos="0" endA="0" endPos="40000" dist="0" dir="5400000" fadeDir="5400000" sx="100000" sy="-100000" kx="0" ky="0" algn="bl" rotWithShape="0"/>
+            </a:effectLst>
+          </p:spPr>
+          <p:txBody>
+            <a:bodyPr wrap="square" lIns="48767" tIns="48767" rIns="48767" bIns="48767" numCol="1" anchor="ctr">
+              <a:noAutofit/>
+            </a:bodyPr>
+            <a:lstStyle/>
+            <a:p>
+              <a:pPr defTabSz="1300480">
+                <a:defRPr b="0">
+                  <a:solidFill>
+                    <a:srgbClr val="FFFFFF"/>
+                  </a:solidFill>
+                  <a:latin typeface="Calibri"/>
+                  <a:ea typeface="Calibri"/>
+                  <a:cs typeface="Calibri"/>
+                  <a:sym typeface="Calibri"/>
+                </a:defRPr>
+              </a:pPr>
+            </a:p>
+          </p:txBody>
+        </p:sp>
+        <p:sp>
+          <p:nvSpPr>
+            <p:cNvPr id="218" name="OTLSHAPE_T_a8615542293a4cdfb5e99580d663d5c3_Title"/>
+            <p:cNvSpPr/>
+            <p:nvPr/>
+          </p:nvSpPr>
+          <p:spPr>
+            <a:xfrm>
+              <a:off x="0" y="279399"/>
+              <a:ext cx="2257580" cy="1"/>
+            </a:xfrm>
+            <a:custGeom>
+              <a:avLst/>
+              <a:gdLst/>
+              <a:ahLst/>
+              <a:cxnLst>
+                <a:cxn ang="0">
+                  <a:pos x="wd2" y="hd2"/>
+                </a:cxn>
+                <a:cxn ang="5400000">
+                  <a:pos x="wd2" y="hd2"/>
+                </a:cxn>
+                <a:cxn ang="10800000">
+                  <a:pos x="wd2" y="hd2"/>
+                </a:cxn>
+                <a:cxn ang="16200000">
+                  <a:pos x="wd2" y="hd2"/>
+                </a:cxn>
+              </a:cxnLst>
+              <a:rect l="0" t="0" r="r" b="b"/>
+              <a:pathLst>
+                <a:path w="21600" h="0" fill="norm" stroke="1" extrusionOk="0">
+                  <a:moveTo>
+                    <a:pt x="0" y="0"/>
+                  </a:moveTo>
+                  <a:lnTo>
+                    <a:pt x="21600" y="0"/>
+                  </a:lnTo>
+                  <a:lnTo>
+                    <a:pt x="21600" y="0"/>
+                  </a:lnTo>
+                  <a:lnTo>
+                    <a:pt x="0" y="0"/>
+                  </a:lnTo>
+                  <a:close/>
+                </a:path>
+              </a:pathLst>
+            </a:custGeom>
+            <a:noFill/>
+            <a:ln w="12700" cap="flat">
+              <a:noFill/>
+              <a:miter lim="400000"/>
+            </a:ln>
+            <a:effectLst/>
+            <a:extLst>
+              <a:ext uri="{C572A759-6A51-4108-AA02-DFA0A04FC94B}">
+                <ma14:wrappingTextBoxFlag xmlns:ma14="http://schemas.microsoft.com/office/mac/drawingml/2011/main" val="1"/>
+              </a:ext>
+            </a:extLst>
+          </p:spPr>
+          <p:txBody>
+            <a:bodyPr wrap="square" lIns="0" tIns="0" rIns="0" bIns="0" numCol="1" anchor="ctr">
+              <a:spAutoFit/>
+            </a:bodyPr>
+            <a:lstStyle/>
+            <a:p>
+              <a:pPr defTabSz="1300480">
+                <a:defRPr spc="-2" sz="1800">
+                  <a:latin typeface="Century Gothic"/>
+                  <a:ea typeface="Century Gothic"/>
+                  <a:cs typeface="Century Gothic"/>
+                  <a:sym typeface="Century Gothic"/>
+                </a:defRPr>
+              </a:pPr>
+              <a:r>
+                <a:t>Learning Consul</a:t>
+              </a:r>
+            </a:p>
+            <a:p>
+              <a:pPr defTabSz="1300480">
+                <a:defRPr b="0" spc="-2" sz="1800">
+                  <a:latin typeface="Century Gothic"/>
+                  <a:ea typeface="Century Gothic"/>
+                  <a:cs typeface="Century Gothic"/>
+                  <a:sym typeface="Century Gothic"/>
+                </a:defRPr>
+              </a:pPr>
+              <a:r>
+                <a:t>4  Hrs</a:t>
+              </a:r>
+            </a:p>
+          </p:txBody>
+        </p:sp>
+      </p:grpSp>
+      <p:grpSp>
+        <p:nvGrpSpPr>
+          <p:cNvPr id="222" name="Group 17"/>
+          <p:cNvGrpSpPr/>
+          <p:nvPr/>
+        </p:nvGrpSpPr>
+        <p:grpSpPr>
+          <a:xfrm>
+            <a:off x="4622148" y="3611135"/>
+            <a:ext cx="2347382" cy="1583294"/>
+            <a:chOff x="0" y="0"/>
+            <a:chExt cx="2347380" cy="1583292"/>
+          </a:xfrm>
+        </p:grpSpPr>
+        <p:sp>
+          <p:nvSpPr>
+            <p:cNvPr id="220" name="OTLSHAPE_TB_00000000000000000000000000000000_ScaleContainer"/>
+            <p:cNvSpPr/>
+            <p:nvPr/>
+          </p:nvSpPr>
+          <p:spPr>
+            <a:xfrm>
+              <a:off x="166806" y="1137036"/>
+              <a:ext cx="1825156" cy="446257"/>
+            </a:xfrm>
+            <a:prstGeom prst="rect">
+              <a:avLst/>
+            </a:prstGeom>
+            <a:gradFill flip="none" rotWithShape="1">
+              <a:gsLst>
+                <a:gs pos="32000">
+                  <a:srgbClr val="F6A300"/>
+                </a:gs>
+                <a:gs pos="99000">
+                  <a:srgbClr val="AB6F05"/>
+                </a:gs>
+              </a:gsLst>
+              <a:lin ang="5400000" scaled="0"/>
+            </a:gradFill>
+            <a:ln w="12700" cap="flat">
+              <a:noFill/>
+              <a:miter lim="400000"/>
+            </a:ln>
+            <a:effectLst>
+              <a:reflection blurRad="0" stA="50000" stPos="0" endA="0" endPos="40000" dist="0" dir="5400000" fadeDir="5400000" sx="100000" sy="-100000" kx="0" ky="0" algn="bl" rotWithShape="0"/>
+            </a:effectLst>
+          </p:spPr>
+          <p:txBody>
+            <a:bodyPr wrap="square" lIns="48767" tIns="48767" rIns="48767" bIns="48767" numCol="1" anchor="ctr">
+              <a:noAutofit/>
+            </a:bodyPr>
+            <a:lstStyle/>
+            <a:p>
+              <a:pPr defTabSz="1300480">
+                <a:defRPr b="0">
+                  <a:solidFill>
+                    <a:srgbClr val="FFFFFF"/>
+                  </a:solidFill>
+                  <a:latin typeface="Calibri"/>
+                  <a:ea typeface="Calibri"/>
+                  <a:cs typeface="Calibri"/>
+                  <a:sym typeface="Calibri"/>
+                </a:defRPr>
+              </a:pPr>
+            </a:p>
+          </p:txBody>
+        </p:sp>
+        <p:sp>
+          <p:nvSpPr>
+            <p:cNvPr id="221" name="OTLSHAPE_T_a8615542293a4cdfb5e99580d663d5c3_Title"/>
+            <p:cNvSpPr txBox="1"/>
+            <p:nvPr/>
+          </p:nvSpPr>
+          <p:spPr>
+            <a:xfrm>
+              <a:off x="0" y="0"/>
+              <a:ext cx="2347381" cy="1360248"/>
+            </a:xfrm>
+            <a:prstGeom prst="rect">
+              <a:avLst/>
+            </a:prstGeom>
+            <a:noFill/>
+            <a:ln w="12700" cap="flat">
+              <a:noFill/>
+              <a:miter lim="400000"/>
+            </a:ln>
+            <a:effectLst/>
+            <a:extLst>
+              <a:ext uri="{C572A759-6A51-4108-AA02-DFA0A04FC94B}">
+                <ma14:wrappingTextBoxFlag xmlns:ma14="http://schemas.microsoft.com/office/mac/drawingml/2011/main" val="1"/>
+              </a:ext>
+            </a:extLst>
+          </p:spPr>
+          <p:txBody>
+            <a:bodyPr wrap="square" lIns="0" tIns="0" rIns="0" bIns="0" numCol="1" anchor="ctr">
+              <a:noAutofit/>
+            </a:bodyPr>
+            <a:lstStyle/>
+            <a:p>
+              <a:pPr defTabSz="1300480">
+                <a:defRPr spc="-2" sz="1800">
+                  <a:latin typeface="Century Gothic"/>
+                  <a:ea typeface="Century Gothic"/>
+                  <a:cs typeface="Century Gothic"/>
+                  <a:sym typeface="Century Gothic"/>
+                </a:defRPr>
+              </a:pPr>
+              <a:r>
+                <a:t>Implementation &amp; Verification</a:t>
+              </a:r>
+            </a:p>
+            <a:p>
+              <a:pPr defTabSz="1300480">
+                <a:defRPr b="0" spc="-2" sz="1800">
+                  <a:latin typeface="Century Gothic"/>
+                  <a:ea typeface="Century Gothic"/>
+                  <a:cs typeface="Century Gothic"/>
+                  <a:sym typeface="Century Gothic"/>
+                </a:defRPr>
+              </a:pPr>
+              <a:r>
+                <a:t>7  Hrs</a:t>
+              </a:r>
+            </a:p>
+          </p:txBody>
+        </p:sp>
+      </p:grpSp>
+      <p:grpSp>
+        <p:nvGrpSpPr>
+          <p:cNvPr id="225" name="Group 18"/>
+          <p:cNvGrpSpPr/>
+          <p:nvPr/>
+        </p:nvGrpSpPr>
+        <p:grpSpPr>
+          <a:xfrm>
+            <a:off x="6598784" y="4294330"/>
+            <a:ext cx="3152402" cy="882232"/>
+            <a:chOff x="0" y="279399"/>
+            <a:chExt cx="3152401" cy="882230"/>
+          </a:xfrm>
+        </p:grpSpPr>
+        <p:sp>
+          <p:nvSpPr>
+            <p:cNvPr id="223" name="OTLSHAPE_TB_00000000000000000000000000000000_ScaleContainer"/>
+            <p:cNvSpPr/>
+            <p:nvPr/>
+          </p:nvSpPr>
+          <p:spPr>
+            <a:xfrm>
+              <a:off x="572854" y="699823"/>
+              <a:ext cx="2006693" cy="461808"/>
+            </a:xfrm>
+            <a:prstGeom prst="rect">
+              <a:avLst/>
+            </a:prstGeom>
+            <a:gradFill flip="none" rotWithShape="1">
+              <a:gsLst>
+                <a:gs pos="32000">
+                  <a:srgbClr val="D0EB00"/>
+                </a:gs>
+                <a:gs pos="99000">
+                  <a:srgbClr val="80900C"/>
+                </a:gs>
+              </a:gsLst>
+              <a:lin ang="5400000" scaled="0"/>
+            </a:gradFill>
+            <a:ln w="12700" cap="flat">
+              <a:noFill/>
+              <a:miter lim="400000"/>
+            </a:ln>
+            <a:effectLst>
+              <a:reflection blurRad="0" stA="50000" stPos="0" endA="0" endPos="40000" dist="0" dir="5400000" fadeDir="5400000" sx="100000" sy="-100000" kx="0" ky="0" algn="bl" rotWithShape="0"/>
+            </a:effectLst>
+          </p:spPr>
+          <p:txBody>
+            <a:bodyPr wrap="square" lIns="48767" tIns="48767" rIns="48767" bIns="48767" numCol="1" anchor="ctr">
+              <a:noAutofit/>
+            </a:bodyPr>
+            <a:lstStyle/>
+            <a:p>
+              <a:pPr defTabSz="1300480">
+                <a:defRPr b="0">
+                  <a:solidFill>
+                    <a:srgbClr val="FFFFFF"/>
+                  </a:solidFill>
+                  <a:latin typeface="Calibri"/>
+                  <a:ea typeface="Calibri"/>
+                  <a:cs typeface="Calibri"/>
+                  <a:sym typeface="Calibri"/>
+                </a:defRPr>
+              </a:pPr>
+            </a:p>
+          </p:txBody>
+        </p:sp>
+        <p:sp>
+          <p:nvSpPr>
+            <p:cNvPr id="224" name="OTLSHAPE_T_a8615542293a4cdfb5e99580d663d5c3_Title"/>
+            <p:cNvSpPr/>
+            <p:nvPr/>
+          </p:nvSpPr>
+          <p:spPr>
+            <a:xfrm>
+              <a:off x="0" y="279399"/>
+              <a:ext cx="3152402" cy="1"/>
+            </a:xfrm>
+            <a:custGeom>
+              <a:avLst/>
+              <a:gdLst/>
+              <a:ahLst/>
+              <a:cxnLst>
+                <a:cxn ang="0">
+                  <a:pos x="wd2" y="hd2"/>
+                </a:cxn>
+                <a:cxn ang="5400000">
+                  <a:pos x="wd2" y="hd2"/>
+                </a:cxn>
+                <a:cxn ang="10800000">
+                  <a:pos x="wd2" y="hd2"/>
+                </a:cxn>
+                <a:cxn ang="16200000">
+                  <a:pos x="wd2" y="hd2"/>
+                </a:cxn>
+              </a:cxnLst>
+              <a:rect l="0" t="0" r="r" b="b"/>
+              <a:pathLst>
+                <a:path w="21600" h="0" fill="norm" stroke="1" extrusionOk="0">
+                  <a:moveTo>
+                    <a:pt x="0" y="0"/>
+                  </a:moveTo>
+                  <a:lnTo>
+                    <a:pt x="21600" y="0"/>
+                  </a:lnTo>
+                  <a:lnTo>
+                    <a:pt x="21600" y="0"/>
+                  </a:lnTo>
+                  <a:lnTo>
+                    <a:pt x="0" y="0"/>
+                  </a:lnTo>
+                  <a:close/>
+                </a:path>
+              </a:pathLst>
+            </a:custGeom>
+            <a:noFill/>
+            <a:ln w="12700" cap="flat">
+              <a:noFill/>
+              <a:miter lim="400000"/>
+            </a:ln>
+            <a:effectLst/>
+            <a:extLst>
+              <a:ext uri="{C572A759-6A51-4108-AA02-DFA0A04FC94B}">
+                <ma14:wrappingTextBoxFlag xmlns:ma14="http://schemas.microsoft.com/office/mac/drawingml/2011/main" val="1"/>
+              </a:ext>
+            </a:extLst>
+          </p:spPr>
+          <p:txBody>
+            <a:bodyPr wrap="square" lIns="0" tIns="0" rIns="0" bIns="0" numCol="1" anchor="ctr">
+              <a:spAutoFit/>
+            </a:bodyPr>
+            <a:lstStyle/>
+            <a:p>
+              <a:pPr defTabSz="1300480">
+                <a:defRPr spc="-2" sz="1800">
+                  <a:latin typeface="Century Gothic"/>
+                  <a:ea typeface="Century Gothic"/>
+                  <a:cs typeface="Century Gothic"/>
+                  <a:sym typeface="Century Gothic"/>
+                </a:defRPr>
+              </a:pPr>
+              <a:r>
+                <a:t>Presentation</a:t>
+              </a:r>
+            </a:p>
+            <a:p>
+              <a:pPr defTabSz="1300480">
+                <a:defRPr b="0" spc="-2" sz="1800">
+                  <a:latin typeface="Century Gothic"/>
+                  <a:ea typeface="Century Gothic"/>
+                  <a:cs typeface="Century Gothic"/>
+                  <a:sym typeface="Century Gothic"/>
+                </a:defRPr>
+              </a:pPr>
+              <a:r>
+                <a:t>8  Hrs</a:t>
+              </a:r>
+            </a:p>
+          </p:txBody>
+        </p:sp>
+      </p:grpSp>
+      <p:grpSp>
+        <p:nvGrpSpPr>
+          <p:cNvPr id="237" name="Group 13"/>
+          <p:cNvGrpSpPr/>
+          <p:nvPr/>
+        </p:nvGrpSpPr>
+        <p:grpSpPr>
+          <a:xfrm>
+            <a:off x="7276201" y="2005828"/>
+            <a:ext cx="5708292" cy="3248784"/>
+            <a:chOff x="0" y="0"/>
+            <a:chExt cx="5708290" cy="3248782"/>
+          </a:xfrm>
+        </p:grpSpPr>
+        <p:pic>
+          <p:nvPicPr>
+            <p:cNvPr id="226" name="Picture 8" descr="Picture 8"/>
+            <p:cNvPicPr>
+              <a:picLocks noChangeAspect="1"/>
+            </p:cNvPicPr>
+            <p:nvPr/>
+          </p:nvPicPr>
+          <p:blipFill>
+            <a:blip r:embed="rId2">
+              <a:extLst/>
+            </a:blip>
+            <a:stretch>
+              <a:fillRect/>
+            </a:stretch>
+          </p:blipFill>
+          <p:spPr>
+            <a:xfrm>
+              <a:off x="2230159" y="1040675"/>
+              <a:ext cx="1612054" cy="2208108"/>
+            </a:xfrm>
+            <a:prstGeom prst="rect">
+              <a:avLst/>
+            </a:prstGeom>
+            <a:ln w="12700" cap="flat">
+              <a:noFill/>
+              <a:miter lim="400000"/>
+            </a:ln>
+            <a:effectLst>
+              <a:reflection blurRad="0" stA="50000" stPos="0" endA="0" endPos="40000" dist="0" dir="5400000" fadeDir="5400000" sx="100000" sy="-100000" kx="0" ky="0" algn="bl" rotWithShape="0"/>
+            </a:effectLst>
+          </p:spPr>
+        </p:pic>
+        <p:grpSp>
+          <p:nvGrpSpPr>
+            <p:cNvPr id="233" name="Cloud Callout 9"/>
+            <p:cNvGrpSpPr/>
+            <p:nvPr/>
+          </p:nvGrpSpPr>
+          <p:grpSpPr>
+            <a:xfrm>
+              <a:off x="3761133" y="-1"/>
+              <a:ext cx="1947158" cy="1378769"/>
+              <a:chOff x="0" y="0"/>
+              <a:chExt cx="1947156" cy="1378767"/>
+            </a:xfrm>
+          </p:grpSpPr>
+          <p:grpSp>
+            <p:nvGrpSpPr>
+              <p:cNvPr id="231" name="Group"/>
+              <p:cNvGrpSpPr/>
+              <p:nvPr/>
+            </p:nvGrpSpPr>
+            <p:grpSpPr>
+              <a:xfrm>
+                <a:off x="-1" y="-1"/>
+                <a:ext cx="1947158" cy="1378769"/>
+                <a:chOff x="0" y="0"/>
+                <a:chExt cx="1947156" cy="1378767"/>
+              </a:xfrm>
+            </p:grpSpPr>
+            <p:sp>
+              <p:nvSpPr>
+                <p:cNvPr id="227" name="Shape"/>
+                <p:cNvSpPr/>
+                <p:nvPr/>
+              </p:nvSpPr>
+              <p:spPr>
+                <a:xfrm>
+                  <a:off x="79497" y="0"/>
+                  <a:ext cx="1867660" cy="1046077"/>
+                </a:xfrm>
+                <a:custGeom>
+                  <a:avLst/>
+                  <a:gdLst/>
+                  <a:ahLst/>
+                  <a:cxnLst>
+                    <a:cxn ang="0">
+                      <a:pos x="wd2" y="hd2"/>
+                    </a:cxn>
+                    <a:cxn ang="5400000">
+                      <a:pos x="wd2" y="hd2"/>
+                    </a:cxn>
+                    <a:cxn ang="10800000">
+                      <a:pos x="wd2" y="hd2"/>
+                    </a:cxn>
+                    <a:cxn ang="16200000">
+                      <a:pos x="wd2" y="hd2"/>
+                    </a:cxn>
+                  </a:cxnLst>
+                  <a:rect l="0" t="0" r="r" b="b"/>
+                  <a:pathLst>
+                    <a:path w="20879" h="20684" fill="norm" stroke="1" extrusionOk="0">
+                      <a:moveTo>
+                        <a:pt x="1901" y="6800"/>
+                      </a:moveTo>
+                      <a:cubicBezTo>
+                        <a:pt x="1658" y="4397"/>
+                        <a:pt x="2907" y="2184"/>
+                        <a:pt x="4691" y="1857"/>
+                      </a:cubicBezTo>
+                      <a:cubicBezTo>
+                        <a:pt x="5414" y="1724"/>
+                        <a:pt x="6149" y="1922"/>
+                        <a:pt x="6778" y="2419"/>
+                      </a:cubicBezTo>
+                      <a:cubicBezTo>
+                        <a:pt x="7445" y="725"/>
+                        <a:pt x="9003" y="82"/>
+                        <a:pt x="10259" y="981"/>
+                      </a:cubicBezTo>
+                      <a:cubicBezTo>
+                        <a:pt x="10478" y="1139"/>
+                        <a:pt x="10680" y="1338"/>
+                        <a:pt x="10857" y="1573"/>
+                      </a:cubicBezTo>
+                      <a:lnTo>
+                        <a:pt x="10857" y="1573"/>
+                      </a:lnTo>
+                      <a:cubicBezTo>
+                        <a:pt x="11377" y="169"/>
+                        <a:pt x="12642" y="-401"/>
+                        <a:pt x="13683" y="299"/>
+                      </a:cubicBezTo>
+                      <a:cubicBezTo>
+                        <a:pt x="13971" y="493"/>
+                        <a:pt x="14223" y="774"/>
+                        <a:pt x="14418" y="1119"/>
+                      </a:cubicBezTo>
+                      <a:cubicBezTo>
+                        <a:pt x="15255" y="-209"/>
+                        <a:pt x="16734" y="-373"/>
+                        <a:pt x="17722" y="753"/>
+                      </a:cubicBezTo>
+                      <a:cubicBezTo>
+                        <a:pt x="18137" y="1226"/>
+                        <a:pt x="18417" y="1878"/>
+                        <a:pt x="18513" y="2598"/>
+                      </a:cubicBezTo>
+                      <a:cubicBezTo>
+                        <a:pt x="19885" y="3102"/>
+                        <a:pt x="20694" y="5013"/>
+                        <a:pt x="20321" y="6865"/>
+                      </a:cubicBezTo>
+                      <a:cubicBezTo>
+                        <a:pt x="20289" y="7020"/>
+                        <a:pt x="20250" y="7173"/>
+                        <a:pt x="20203" y="7321"/>
+                      </a:cubicBezTo>
+                      <a:cubicBezTo>
+                        <a:pt x="21303" y="9251"/>
+                        <a:pt x="21034" y="12017"/>
+                        <a:pt x="19601" y="13499"/>
+                      </a:cubicBezTo>
+                      <a:cubicBezTo>
+                        <a:pt x="19156" y="13961"/>
+                        <a:pt x="18629" y="14259"/>
+                        <a:pt x="18072" y="14367"/>
+                      </a:cubicBezTo>
+                      <a:cubicBezTo>
+                        <a:pt x="18072" y="16443"/>
+                        <a:pt x="16822" y="18126"/>
+                        <a:pt x="15280" y="18126"/>
+                      </a:cubicBezTo>
+                      <a:cubicBezTo>
+                        <a:pt x="14757" y="18126"/>
+                        <a:pt x="14245" y="17928"/>
+                        <a:pt x="13801" y="17556"/>
+                      </a:cubicBezTo>
+                      <a:cubicBezTo>
+                        <a:pt x="13280" y="19883"/>
+                        <a:pt x="11460" y="21199"/>
+                        <a:pt x="9738" y="20494"/>
+                      </a:cubicBezTo>
+                      <a:cubicBezTo>
+                        <a:pt x="9016" y="20199"/>
+                        <a:pt x="8392" y="19574"/>
+                        <a:pt x="7973" y="18727"/>
+                      </a:cubicBezTo>
+                      <a:cubicBezTo>
+                        <a:pt x="6209" y="20160"/>
+                        <a:pt x="3920" y="19389"/>
+                        <a:pt x="2859" y="17004"/>
+                      </a:cubicBezTo>
+                      <a:cubicBezTo>
+                        <a:pt x="2846" y="16974"/>
+                        <a:pt x="2833" y="16944"/>
+                        <a:pt x="2820" y="16914"/>
+                      </a:cubicBezTo>
+                      <a:lnTo>
+                        <a:pt x="2820" y="16914"/>
+                      </a:lnTo>
+                      <a:cubicBezTo>
+                        <a:pt x="1666" y="17096"/>
+                        <a:pt x="620" y="15986"/>
+                        <a:pt x="485" y="14435"/>
+                      </a:cubicBezTo>
+                      <a:cubicBezTo>
+                        <a:pt x="412" y="13608"/>
+                        <a:pt x="615" y="12780"/>
+                        <a:pt x="1038" y="12172"/>
+                      </a:cubicBezTo>
+                      <a:lnTo>
+                        <a:pt x="1038" y="12172"/>
+                      </a:lnTo>
+                      <a:cubicBezTo>
+                        <a:pt x="39" y="11379"/>
+                        <a:pt x="-297" y="9639"/>
+                        <a:pt x="288" y="8285"/>
+                      </a:cubicBezTo>
+                      <a:cubicBezTo>
+                        <a:pt x="626" y="7504"/>
+                        <a:pt x="1218" y="6988"/>
+                        <a:pt x="1883" y="6895"/>
+                      </a:cubicBezTo>
+                      <a:close/>
+                    </a:path>
+                  </a:pathLst>
+                </a:custGeom>
+                <a:solidFill>
+                  <a:srgbClr val="D9D9D9"/>
+                </a:solidFill>
+                <a:ln w="12700" cap="flat">
+                  <a:noFill/>
+                  <a:miter lim="400000"/>
+                </a:ln>
+                <a:effectLst/>
+              </p:spPr>
+              <p:txBody>
+                <a:bodyPr wrap="square" lIns="48767" tIns="48767" rIns="48767" bIns="48767" numCol="1" anchor="ctr">
+                  <a:noAutofit/>
+                </a:bodyPr>
+                <a:lstStyle/>
+                <a:p>
+                  <a:pPr defTabSz="1300480">
+                    <a:defRPr b="0">
+                      <a:solidFill>
+                        <a:srgbClr val="FFFFFF"/>
+                      </a:solidFill>
+                      <a:latin typeface="Calibri"/>
+                      <a:ea typeface="Calibri"/>
+                      <a:cs typeface="Calibri"/>
+                      <a:sym typeface="Calibri"/>
+                    </a:defRPr>
+                  </a:pPr>
+                </a:p>
+              </p:txBody>
+            </p:sp>
+            <p:sp>
+              <p:nvSpPr>
+                <p:cNvPr id="228" name="Circle"/>
+                <p:cNvSpPr/>
+                <p:nvPr/>
+              </p:nvSpPr>
+              <p:spPr>
+                <a:xfrm>
+                  <a:off x="269599" y="986248"/>
+                  <a:ext cx="174009" cy="174009"/>
+                </a:xfrm>
+                <a:prstGeom prst="ellipse">
+                  <a:avLst/>
+                </a:prstGeom>
+                <a:solidFill>
+                  <a:srgbClr val="D9D9D9"/>
+                </a:solidFill>
+                <a:ln w="12700" cap="flat">
+                  <a:noFill/>
+                  <a:miter lim="400000"/>
+                </a:ln>
+                <a:effectLst/>
+              </p:spPr>
+              <p:txBody>
+                <a:bodyPr wrap="square" lIns="48767" tIns="48767" rIns="48767" bIns="48767" numCol="1" anchor="ctr">
+                  <a:noAutofit/>
+                </a:bodyPr>
+                <a:lstStyle/>
+                <a:p>
+                  <a:pPr defTabSz="1300480">
+                    <a:defRPr b="0">
+                      <a:solidFill>
+                        <a:srgbClr val="FFFFFF"/>
+                      </a:solidFill>
+                      <a:latin typeface="Calibri"/>
+                      <a:ea typeface="Calibri"/>
+                      <a:cs typeface="Calibri"/>
+                      <a:sym typeface="Calibri"/>
+                    </a:defRPr>
+                  </a:pPr>
+                </a:p>
+              </p:txBody>
+            </p:sp>
+            <p:sp>
+              <p:nvSpPr>
+                <p:cNvPr id="229" name="Circle"/>
+                <p:cNvSpPr/>
+                <p:nvPr/>
+              </p:nvSpPr>
+              <p:spPr>
+                <a:xfrm>
+                  <a:off x="112638" y="1172212"/>
+                  <a:ext cx="116006" cy="116005"/>
+                </a:xfrm>
+                <a:prstGeom prst="ellipse">
+                  <a:avLst/>
+                </a:prstGeom>
+                <a:solidFill>
+                  <a:srgbClr val="D9D9D9"/>
+                </a:solidFill>
+                <a:ln w="12700" cap="flat">
+                  <a:noFill/>
+                  <a:miter lim="400000"/>
+                </a:ln>
+                <a:effectLst/>
+              </p:spPr>
+              <p:txBody>
+                <a:bodyPr wrap="square" lIns="48767" tIns="48767" rIns="48767" bIns="48767" numCol="1" anchor="ctr">
+                  <a:noAutofit/>
+                </a:bodyPr>
+                <a:lstStyle/>
+                <a:p>
+                  <a:pPr defTabSz="1300480">
+                    <a:defRPr b="0">
+                      <a:solidFill>
+                        <a:srgbClr val="FFFFFF"/>
+                      </a:solidFill>
+                      <a:latin typeface="Calibri"/>
+                      <a:ea typeface="Calibri"/>
+                      <a:cs typeface="Calibri"/>
+                      <a:sym typeface="Calibri"/>
+                    </a:defRPr>
+                  </a:pPr>
+                </a:p>
+              </p:txBody>
+            </p:sp>
+            <p:sp>
+              <p:nvSpPr>
+                <p:cNvPr id="230" name="Circle"/>
+                <p:cNvSpPr/>
+                <p:nvPr/>
+              </p:nvSpPr>
+              <p:spPr>
+                <a:xfrm>
+                  <a:off x="0" y="1320764"/>
+                  <a:ext cx="58004" cy="58004"/>
+                </a:xfrm>
+                <a:prstGeom prst="ellipse">
+                  <a:avLst/>
+                </a:prstGeom>
+                <a:solidFill>
+                  <a:srgbClr val="D9D9D9"/>
+                </a:solidFill>
+                <a:ln w="12700" cap="flat">
+                  <a:noFill/>
+                  <a:miter lim="400000"/>
+                </a:ln>
+                <a:effectLst/>
+              </p:spPr>
+              <p:txBody>
+                <a:bodyPr wrap="square" lIns="48767" tIns="48767" rIns="48767" bIns="48767" numCol="1" anchor="ctr">
+                  <a:noAutofit/>
+                </a:bodyPr>
+                <a:lstStyle/>
+                <a:p>
+                  <a:pPr defTabSz="1300480">
+                    <a:defRPr b="0">
+                      <a:solidFill>
+                        <a:srgbClr val="FFFFFF"/>
+                      </a:solidFill>
+                      <a:latin typeface="Calibri"/>
+                      <a:ea typeface="Calibri"/>
+                      <a:cs typeface="Calibri"/>
+                      <a:sym typeface="Calibri"/>
+                    </a:defRPr>
+                  </a:pPr>
+                </a:p>
+              </p:txBody>
+            </p:sp>
+          </p:grpSp>
+          <p:sp>
+            <p:nvSpPr>
+              <p:cNvPr id="232" name="Wow! And it only took 22 hours ?"/>
+              <p:cNvSpPr txBox="1"/>
+              <p:nvPr/>
+            </p:nvSpPr>
+            <p:spPr>
+              <a:xfrm>
+                <a:off x="386914" y="83742"/>
+                <a:ext cx="1120880" cy="821437"/>
+              </a:xfrm>
+              <a:prstGeom prst="rect">
+                <a:avLst/>
+              </a:prstGeom>
+              <a:noFill/>
+              <a:ln w="12700" cap="flat">
+                <a:noFill/>
+                <a:miter lim="400000"/>
+              </a:ln>
+              <a:effectLst/>
+              <a:extLst>
+                <a:ext uri="{C572A759-6A51-4108-AA02-DFA0A04FC94B}">
+                  <ma14:wrappingTextBoxFlag xmlns:ma14="http://schemas.microsoft.com/office/mac/drawingml/2011/main" val="1"/>
+                </a:ext>
+              </a:extLst>
+            </p:spPr>
+            <p:txBody>
+              <a:bodyPr wrap="square" lIns="48767" tIns="48767" rIns="48767" bIns="48767" numCol="1" anchor="ctr">
+                <a:spAutoFit/>
+              </a:bodyPr>
+              <a:lstStyle/>
+              <a:p>
+                <a:pPr defTabSz="1300480">
+                  <a:defRPr b="0" sz="1600">
+                    <a:latin typeface="Calibri"/>
+                    <a:ea typeface="Calibri"/>
+                    <a:cs typeface="Calibri"/>
+                    <a:sym typeface="Calibri"/>
+                  </a:defRPr>
+                </a:pPr>
+                <a:r>
+                  <a:t>Wow! And it only took </a:t>
+                </a:r>
+                <a:r>
+                  <a:rPr b="1">
+                    <a:latin typeface="Helvetica"/>
+                    <a:ea typeface="Helvetica"/>
+                    <a:cs typeface="Helvetica"/>
+                    <a:sym typeface="Helvetica"/>
+                  </a:rPr>
+                  <a:t>22</a:t>
+                </a:r>
+                <a:r>
+                  <a:t> hours ?</a:t>
+                </a:r>
+              </a:p>
+            </p:txBody>
+          </p:sp>
+        </p:grpSp>
+        <p:grpSp>
+          <p:nvGrpSpPr>
+            <p:cNvPr id="236" name="Oval Callout 10"/>
+            <p:cNvGrpSpPr/>
+            <p:nvPr/>
+          </p:nvGrpSpPr>
+          <p:grpSpPr>
+            <a:xfrm>
+              <a:off x="0" y="257417"/>
+              <a:ext cx="2482412" cy="947887"/>
+              <a:chOff x="0" y="0"/>
+              <a:chExt cx="2482411" cy="947885"/>
+            </a:xfrm>
+          </p:grpSpPr>
+          <p:sp>
+            <p:nvSpPr>
+              <p:cNvPr id="234" name="Quote Bubble"/>
+              <p:cNvSpPr/>
+              <p:nvPr/>
+            </p:nvSpPr>
+            <p:spPr>
+              <a:xfrm>
+                <a:off x="0" y="0"/>
+                <a:ext cx="2482412" cy="947886"/>
+              </a:xfrm>
+              <a:prstGeom prst="wedgeEllipseCallout">
+                <a:avLst>
+                  <a:gd name="adj1" fmla="val 54529"/>
+                  <a:gd name="adj2" fmla="val 46558"/>
+                </a:avLst>
+              </a:prstGeom>
+              <a:solidFill>
+                <a:srgbClr val="D9D9D9"/>
+              </a:solidFill>
+              <a:ln w="12700" cap="flat">
+                <a:noFill/>
+                <a:miter lim="400000"/>
+              </a:ln>
+              <a:effectLst/>
+            </p:spPr>
+            <p:txBody>
+              <a:bodyPr wrap="square" lIns="48767" tIns="48767" rIns="48767" bIns="48767" numCol="1" anchor="ctr">
+                <a:noAutofit/>
+              </a:bodyPr>
+              <a:lstStyle/>
+              <a:p>
+                <a:pPr defTabSz="1300480">
+                  <a:defRPr b="0">
+                    <a:solidFill>
+                      <a:srgbClr val="FFFFFF"/>
+                    </a:solidFill>
+                    <a:latin typeface="Calibri"/>
+                    <a:ea typeface="Calibri"/>
+                    <a:cs typeface="Calibri"/>
+                    <a:sym typeface="Calibri"/>
+                  </a:defRPr>
+                </a:pPr>
+              </a:p>
+            </p:txBody>
+          </p:sp>
+          <p:sp>
+            <p:nvSpPr>
+              <p:cNvPr id="235" name="Consul configuration is fast .. really is.."/>
+              <p:cNvSpPr txBox="1"/>
+              <p:nvPr/>
+            </p:nvSpPr>
+            <p:spPr>
+              <a:xfrm>
+                <a:off x="412308" y="63224"/>
+                <a:ext cx="1657796" cy="821437"/>
+              </a:xfrm>
+              <a:prstGeom prst="rect">
+                <a:avLst/>
+              </a:prstGeom>
+              <a:noFill/>
+              <a:ln w="12700" cap="flat">
+                <a:noFill/>
+                <a:miter lim="400000"/>
+              </a:ln>
+              <a:effectLst/>
+              <a:extLst>
+                <a:ext uri="{C572A759-6A51-4108-AA02-DFA0A04FC94B}">
+                  <ma14:wrappingTextBoxFlag xmlns:ma14="http://schemas.microsoft.com/office/mac/drawingml/2011/main" val="1"/>
+                </a:ext>
+              </a:extLst>
+            </p:spPr>
+            <p:txBody>
+              <a:bodyPr wrap="square" lIns="48767" tIns="48767" rIns="48767" bIns="48767" numCol="1" anchor="ctr">
+                <a:spAutoFit/>
+              </a:bodyPr>
+              <a:lstStyle/>
+              <a:p>
+                <a:pPr defTabSz="1300480">
+                  <a:defRPr sz="1600">
+                    <a:latin typeface="Helvetica"/>
+                    <a:ea typeface="Helvetica"/>
+                    <a:cs typeface="Helvetica"/>
+                    <a:sym typeface="Helvetica"/>
+                  </a:defRPr>
+                </a:pPr>
+                <a:r>
+                  <a:t>Consul </a:t>
+                </a:r>
+                <a:r>
+                  <a:rPr b="0">
+                    <a:latin typeface="Calibri"/>
+                    <a:ea typeface="Calibri"/>
+                    <a:cs typeface="Calibri"/>
+                    <a:sym typeface="Calibri"/>
+                  </a:rPr>
+                  <a:t>configuration is fast .. really is..</a:t>
+                </a:r>
+              </a:p>
+            </p:txBody>
+          </p:sp>
+        </p:grpSp>
+      </p:grpSp>
+      <p:grpSp>
+        <p:nvGrpSpPr>
+          <p:cNvPr id="241" name="Group 19"/>
+          <p:cNvGrpSpPr/>
+          <p:nvPr/>
+        </p:nvGrpSpPr>
+        <p:grpSpPr>
+          <a:xfrm>
+            <a:off x="432207" y="6136205"/>
+            <a:ext cx="2156067" cy="1519602"/>
+            <a:chOff x="414296" y="139700"/>
+            <a:chExt cx="2156066" cy="1519600"/>
+          </a:xfrm>
+        </p:grpSpPr>
+        <p:sp>
+          <p:nvSpPr>
+            <p:cNvPr id="238" name="TextBox 11"/>
+            <p:cNvSpPr/>
+            <p:nvPr/>
+          </p:nvSpPr>
+          <p:spPr>
+            <a:xfrm>
+              <a:off x="1300362" y="389300"/>
+              <a:ext cx="1270001" cy="1270001"/>
+            </a:xfrm>
+            <a:prstGeom prst="line">
+              <a:avLst/>
+            </a:prstGeom>
+            <a:noFill/>
+            <a:ln w="12700" cap="flat">
+              <a:noFill/>
+              <a:miter lim="400000"/>
+            </a:ln>
+            <a:effectLst/>
+            <a:extLst>
+              <a:ext uri="{C572A759-6A51-4108-AA02-DFA0A04FC94B}">
+                <ma14:wrappingTextBoxFlag xmlns:ma14="http://schemas.microsoft.com/office/mac/drawingml/2011/main" val="1"/>
+              </a:ext>
+            </a:extLst>
+          </p:spPr>
+          <p:txBody>
+            <a:bodyPr wrap="none" lIns="48767" tIns="48767" rIns="48767" bIns="48767" numCol="1" anchor="t">
+              <a:spAutoFit/>
+            </a:bodyPr>
+            <a:lstStyle/>
+            <a:p>
+              <a:pPr defTabSz="1300480">
+                <a:defRPr b="0" sz="1800">
+                  <a:latin typeface="Calibri"/>
+                  <a:ea typeface="Calibri"/>
+                  <a:cs typeface="Calibri"/>
+                  <a:sym typeface="Calibri"/>
+                </a:defRPr>
+              </a:pPr>
+              <a:r>
+                <a:t>Requirements Gathering</a:t>
+              </a:r>
+            </a:p>
+            <a:p>
+              <a:pPr defTabSz="1300480">
+                <a:defRPr b="0" sz="1800">
+                  <a:latin typeface="Calibri"/>
+                  <a:ea typeface="Calibri"/>
+                  <a:cs typeface="Calibri"/>
+                  <a:sym typeface="Calibri"/>
+                </a:defRPr>
+              </a:pPr>
+              <a:r>
+                <a:t>Prior Experience</a:t>
+              </a:r>
+            </a:p>
+            <a:p>
+              <a:pPr defTabSz="1300480">
+                <a:defRPr b="0" sz="1800">
+                  <a:latin typeface="Calibri"/>
+                  <a:ea typeface="Calibri"/>
+                  <a:cs typeface="Calibri"/>
+                  <a:sym typeface="Calibri"/>
+                </a:defRPr>
+              </a:pPr>
+              <a:r>
+                <a:t>Attention to Detail</a:t>
+              </a:r>
+            </a:p>
+            <a:p>
+              <a:pPr defTabSz="1300480">
+                <a:defRPr b="0" sz="1800">
+                  <a:latin typeface="Calibri"/>
+                  <a:ea typeface="Calibri"/>
+                  <a:cs typeface="Calibri"/>
+                  <a:sym typeface="Calibri"/>
+                </a:defRPr>
+              </a:pPr>
+              <a:r>
+                <a:t>Confidence</a:t>
+              </a:r>
+            </a:p>
+            <a:p>
+              <a:pPr defTabSz="1300480">
+                <a:defRPr b="0" sz="1800">
+                  <a:latin typeface="Calibri"/>
+                  <a:ea typeface="Calibri"/>
+                  <a:cs typeface="Calibri"/>
+                  <a:sym typeface="Calibri"/>
+                </a:defRPr>
+              </a:pPr>
+              <a:r>
+                <a:t>Software Lifecycle</a:t>
+              </a:r>
+            </a:p>
+            <a:p>
+              <a:pPr defTabSz="1300480">
+                <a:defRPr b="0" sz="1800">
+                  <a:latin typeface="Calibri"/>
+                  <a:ea typeface="Calibri"/>
+                  <a:cs typeface="Calibri"/>
+                  <a:sym typeface="Calibri"/>
+                </a:defRPr>
+              </a:pPr>
+              <a:r>
+                <a:t>Programming</a:t>
+              </a:r>
+            </a:p>
+          </p:txBody>
+        </p:sp>
+        <p:sp>
+          <p:nvSpPr>
+            <p:cNvPr id="239" name="OTLSHAPE_T_a8615542293a4cdfb5e99580d663d5c3_Title"/>
+            <p:cNvSpPr/>
+            <p:nvPr/>
+          </p:nvSpPr>
+          <p:spPr>
+            <a:xfrm>
+              <a:off x="414296" y="139700"/>
+              <a:ext cx="1772134" cy="1"/>
+            </a:xfrm>
+            <a:custGeom>
+              <a:avLst/>
+              <a:gdLst/>
+              <a:ahLst/>
+              <a:cxnLst>
+                <a:cxn ang="0">
+                  <a:pos x="wd2" y="hd2"/>
+                </a:cxn>
+                <a:cxn ang="5400000">
+                  <a:pos x="wd2" y="hd2"/>
+                </a:cxn>
+                <a:cxn ang="10800000">
+                  <a:pos x="wd2" y="hd2"/>
+                </a:cxn>
+                <a:cxn ang="16200000">
+                  <a:pos x="wd2" y="hd2"/>
+                </a:cxn>
+              </a:cxnLst>
+              <a:rect l="0" t="0" r="r" b="b"/>
+              <a:pathLst>
+                <a:path w="21600" h="0" fill="norm" stroke="1" extrusionOk="0">
+                  <a:moveTo>
+                    <a:pt x="0" y="0"/>
+                  </a:moveTo>
+                  <a:lnTo>
+                    <a:pt x="21600" y="0"/>
+                  </a:lnTo>
+                  <a:lnTo>
+                    <a:pt x="21600" y="0"/>
+                  </a:lnTo>
+                  <a:lnTo>
+                    <a:pt x="0" y="0"/>
+                  </a:lnTo>
+                  <a:close/>
+                </a:path>
+              </a:pathLst>
+            </a:custGeom>
+            <a:noFill/>
+            <a:ln w="12700" cap="flat">
+              <a:noFill/>
+              <a:miter lim="400000"/>
+            </a:ln>
+            <a:effectLst/>
+            <a:extLst>
+              <a:ext uri="{C572A759-6A51-4108-AA02-DFA0A04FC94B}">
+                <ma14:wrappingTextBoxFlag xmlns:ma14="http://schemas.microsoft.com/office/mac/drawingml/2011/main" val="1"/>
+              </a:ext>
+            </a:extLst>
+          </p:spPr>
+          <p:txBody>
+            <a:bodyPr wrap="square" lIns="0" tIns="0" rIns="0" bIns="0" numCol="1" anchor="ctr">
+              <a:spAutoFit/>
+            </a:bodyPr>
+            <a:lstStyle>
+              <a:lvl1pPr defTabSz="1300480">
+                <a:defRPr spc="-2" sz="1800">
+                  <a:latin typeface="Century Gothic"/>
+                  <a:ea typeface="Century Gothic"/>
+                  <a:cs typeface="Century Gothic"/>
+                  <a:sym typeface="Century Gothic"/>
+                </a:defRPr>
+              </a:lvl1pPr>
+            </a:lstStyle>
+            <a:p>
+              <a:pPr/>
+              <a:r>
+                <a:t>App Dev Skills</a:t>
+              </a:r>
+            </a:p>
+          </p:txBody>
+        </p:sp>
+        <p:sp>
+          <p:nvSpPr>
+            <p:cNvPr id="240" name="Straight Connector 15"/>
+            <p:cNvSpPr/>
+            <p:nvPr/>
+          </p:nvSpPr>
+          <p:spPr>
+            <a:xfrm>
+              <a:off x="462378" y="334350"/>
+              <a:ext cx="1675970" cy="1"/>
+            </a:xfrm>
+            <a:prstGeom prst="line">
+              <a:avLst/>
+            </a:prstGeom>
+            <a:noFill/>
+            <a:ln w="12700" cap="flat">
+              <a:solidFill>
+                <a:srgbClr val="4472C4"/>
+              </a:solidFill>
+              <a:prstDash val="solid"/>
+              <a:miter lim="800000"/>
+            </a:ln>
+            <a:effectLst/>
+          </p:spPr>
+          <p:txBody>
+            <a:bodyPr wrap="square" lIns="48767" tIns="48767" rIns="48767" bIns="48767" numCol="1" anchor="t">
+              <a:noAutofit/>
+            </a:bodyPr>
+            <a:lstStyle/>
+            <a:p>
+              <a:pPr algn="l" defTabSz="1300480">
+                <a:defRPr b="0">
+                  <a:latin typeface="Calibri"/>
+                  <a:ea typeface="Calibri"/>
+                  <a:cs typeface="Calibri"/>
+                  <a:sym typeface="Calibri"/>
+                </a:defRPr>
+              </a:pPr>
+            </a:p>
+          </p:txBody>
+        </p:sp>
+      </p:grpSp>
+      <p:grpSp>
+        <p:nvGrpSpPr>
+          <p:cNvPr id="245" name="Group 160"/>
+          <p:cNvGrpSpPr/>
+          <p:nvPr/>
+        </p:nvGrpSpPr>
+        <p:grpSpPr>
+          <a:xfrm>
+            <a:off x="2284578" y="5894880"/>
+            <a:ext cx="2170559" cy="2282268"/>
+            <a:chOff x="0" y="0"/>
+            <a:chExt cx="2170558" cy="2282266"/>
+          </a:xfrm>
+        </p:grpSpPr>
+        <p:sp>
+          <p:nvSpPr>
+            <p:cNvPr id="242" name="TextBox 161"/>
+            <p:cNvSpPr txBox="1"/>
+            <p:nvPr/>
+          </p:nvSpPr>
+          <p:spPr>
+            <a:xfrm>
+              <a:off x="216172" y="513566"/>
+              <a:ext cx="1850001" cy="1768701"/>
+            </a:xfrm>
+            <a:prstGeom prst="rect">
+              <a:avLst/>
+            </a:prstGeom>
+            <a:noFill/>
+            <a:ln w="12700" cap="flat">
+              <a:noFill/>
+              <a:miter lim="400000"/>
+            </a:ln>
+            <a:effectLst/>
+            <a:extLst>
+              <a:ext uri="{C572A759-6A51-4108-AA02-DFA0A04FC94B}">
+                <ma14:wrappingTextBoxFlag xmlns:ma14="http://schemas.microsoft.com/office/mac/drawingml/2011/main" val="1"/>
+              </a:ext>
+            </a:extLst>
+          </p:spPr>
+          <p:txBody>
+            <a:bodyPr wrap="square" lIns="48767" tIns="48767" rIns="48767" bIns="48767" numCol="1" anchor="t">
+              <a:noAutofit/>
+            </a:bodyPr>
+            <a:lstStyle/>
+            <a:p>
+              <a:pPr defTabSz="1300480">
+                <a:defRPr b="0" sz="1800">
+                  <a:latin typeface="Calibri"/>
+                  <a:ea typeface="Calibri"/>
+                  <a:cs typeface="Calibri"/>
+                  <a:sym typeface="Calibri"/>
+                </a:defRPr>
+              </a:pPr>
+              <a:r>
+                <a:t>Patience</a:t>
+              </a:r>
+            </a:p>
+            <a:p>
+              <a:pPr defTabSz="1300480">
+                <a:defRPr b="0" sz="1800">
+                  <a:latin typeface="Calibri"/>
+                  <a:ea typeface="Calibri"/>
+                  <a:cs typeface="Calibri"/>
+                  <a:sym typeface="Calibri"/>
+                </a:defRPr>
+              </a:pPr>
+              <a:r>
+                <a:t>Repetition</a:t>
+              </a:r>
+            </a:p>
+            <a:p>
+              <a:pPr defTabSz="1300480">
+                <a:defRPr b="0" sz="1800">
+                  <a:latin typeface="Calibri"/>
+                  <a:ea typeface="Calibri"/>
+                  <a:cs typeface="Calibri"/>
+                  <a:sym typeface="Calibri"/>
+                </a:defRPr>
+              </a:pPr>
+              <a:r>
+                <a:t>Note Taking</a:t>
+              </a:r>
+            </a:p>
+            <a:p>
+              <a:pPr defTabSz="1300480">
+                <a:defRPr b="0" sz="1800">
+                  <a:latin typeface="Calibri"/>
+                  <a:ea typeface="Calibri"/>
+                  <a:cs typeface="Calibri"/>
+                  <a:sym typeface="Calibri"/>
+                </a:defRPr>
+              </a:pPr>
+              <a:r>
+                <a:t>Exploration of Subject</a:t>
+              </a:r>
+            </a:p>
+          </p:txBody>
+        </p:sp>
+        <p:sp>
+          <p:nvSpPr>
+            <p:cNvPr id="243" name="OTLSHAPE_T_a8615542293a4cdfb5e99580d663d5c3_Title"/>
+            <p:cNvSpPr txBox="1"/>
+            <p:nvPr/>
+          </p:nvSpPr>
+          <p:spPr>
+            <a:xfrm>
+              <a:off x="167293" y="0"/>
+              <a:ext cx="2003266" cy="382265"/>
+            </a:xfrm>
+            <a:prstGeom prst="rect">
+              <a:avLst/>
+            </a:prstGeom>
+            <a:noFill/>
+            <a:ln w="12700" cap="flat">
+              <a:noFill/>
+              <a:miter lim="400000"/>
+            </a:ln>
+            <a:effectLst/>
+            <a:extLst>
+              <a:ext uri="{C572A759-6A51-4108-AA02-DFA0A04FC94B}">
+                <ma14:wrappingTextBoxFlag xmlns:ma14="http://schemas.microsoft.com/office/mac/drawingml/2011/main" val="1"/>
+              </a:ext>
+            </a:extLst>
+          </p:spPr>
+          <p:txBody>
+            <a:bodyPr wrap="square" lIns="0" tIns="0" rIns="0" bIns="0" numCol="1" anchor="ctr">
+              <a:noAutofit/>
+            </a:bodyPr>
+            <a:lstStyle>
+              <a:lvl1pPr defTabSz="1300480">
+                <a:defRPr spc="-2" sz="1800">
+                  <a:latin typeface="Century Gothic"/>
+                  <a:ea typeface="Century Gothic"/>
+                  <a:cs typeface="Century Gothic"/>
+                  <a:sym typeface="Century Gothic"/>
+                </a:defRPr>
+              </a:lvl1pPr>
+            </a:lstStyle>
+            <a:p>
+              <a:pPr/>
+              <a:r>
+                <a:t>Learning Skills</a:t>
+              </a:r>
+            </a:p>
+          </p:txBody>
+        </p:sp>
+        <p:sp>
+          <p:nvSpPr>
+            <p:cNvPr id="244" name="Straight Connector 163"/>
+            <p:cNvSpPr/>
+            <p:nvPr/>
+          </p:nvSpPr>
+          <p:spPr>
+            <a:xfrm>
+              <a:off x="0" y="431903"/>
+              <a:ext cx="2170559" cy="1"/>
+            </a:xfrm>
+            <a:prstGeom prst="line">
+              <a:avLst/>
+            </a:prstGeom>
+            <a:noFill/>
+            <a:ln w="12700" cap="flat">
+              <a:solidFill>
+                <a:srgbClr val="4472C4"/>
+              </a:solidFill>
+              <a:prstDash val="solid"/>
+              <a:miter lim="800000"/>
+            </a:ln>
+            <a:effectLst/>
+          </p:spPr>
+          <p:txBody>
+            <a:bodyPr wrap="square" lIns="48767" tIns="48767" rIns="48767" bIns="48767" numCol="1" anchor="t">
+              <a:noAutofit/>
+            </a:bodyPr>
+            <a:lstStyle/>
+            <a:p>
+              <a:pPr algn="l" defTabSz="1300480">
+                <a:defRPr b="0">
+                  <a:latin typeface="Calibri"/>
+                  <a:ea typeface="Calibri"/>
+                  <a:cs typeface="Calibri"/>
+                  <a:sym typeface="Calibri"/>
+                </a:defRPr>
+              </a:pPr>
+            </a:p>
+          </p:txBody>
+        </p:sp>
+      </p:grpSp>
+      <p:grpSp>
+        <p:nvGrpSpPr>
+          <p:cNvPr id="249" name="Group 164"/>
+          <p:cNvGrpSpPr/>
+          <p:nvPr/>
+        </p:nvGrpSpPr>
+        <p:grpSpPr>
+          <a:xfrm>
+            <a:off x="4515573" y="5676268"/>
+            <a:ext cx="2560532" cy="2646351"/>
+            <a:chOff x="0" y="0"/>
+            <a:chExt cx="2560530" cy="2646349"/>
+          </a:xfrm>
+        </p:grpSpPr>
+        <p:sp>
+          <p:nvSpPr>
+            <p:cNvPr id="246" name="TextBox 165"/>
+            <p:cNvSpPr txBox="1"/>
+            <p:nvPr/>
+          </p:nvSpPr>
+          <p:spPr>
+            <a:xfrm>
+              <a:off x="276144" y="681826"/>
+              <a:ext cx="2095370" cy="1964524"/>
+            </a:xfrm>
+            <a:prstGeom prst="rect">
+              <a:avLst/>
+            </a:prstGeom>
+            <a:noFill/>
+            <a:ln w="12700" cap="flat">
+              <a:noFill/>
+              <a:miter lim="400000"/>
+            </a:ln>
+            <a:effectLst/>
+            <a:extLst>
+              <a:ext uri="{C572A759-6A51-4108-AA02-DFA0A04FC94B}">
+                <ma14:wrappingTextBoxFlag xmlns:ma14="http://schemas.microsoft.com/office/mac/drawingml/2011/main" val="1"/>
+              </a:ext>
+            </a:extLst>
+          </p:spPr>
+          <p:txBody>
+            <a:bodyPr wrap="square" lIns="48767" tIns="48767" rIns="48767" bIns="48767" numCol="1" anchor="t">
+              <a:noAutofit/>
+            </a:bodyPr>
+            <a:lstStyle/>
+            <a:p>
+              <a:pPr defTabSz="1300480">
+                <a:defRPr b="0" sz="1800">
+                  <a:latin typeface="Calibri"/>
+                  <a:ea typeface="Calibri"/>
+                  <a:cs typeface="Calibri"/>
+                  <a:sym typeface="Calibri"/>
+                </a:defRPr>
+              </a:pPr>
+              <a:r>
+                <a:t>Ideation</a:t>
+              </a:r>
+            </a:p>
+            <a:p>
+              <a:pPr defTabSz="1300480">
+                <a:defRPr b="0" sz="1800">
+                  <a:latin typeface="Calibri"/>
+                  <a:ea typeface="Calibri"/>
+                  <a:cs typeface="Calibri"/>
+                  <a:sym typeface="Calibri"/>
+                </a:defRPr>
+              </a:pPr>
+              <a:r>
+                <a:t>Documentation </a:t>
+              </a:r>
+            </a:p>
+            <a:p>
+              <a:pPr defTabSz="1300480">
+                <a:defRPr b="0" sz="1800">
+                  <a:latin typeface="Calibri"/>
+                  <a:ea typeface="Calibri"/>
+                  <a:cs typeface="Calibri"/>
+                  <a:sym typeface="Calibri"/>
+                </a:defRPr>
+              </a:pPr>
+              <a:r>
+                <a:t>Comfort with failure</a:t>
+              </a:r>
+            </a:p>
+            <a:p>
+              <a:pPr defTabSz="1300480">
+                <a:defRPr b="0" sz="1800">
+                  <a:latin typeface="Calibri"/>
+                  <a:ea typeface="Calibri"/>
+                  <a:cs typeface="Calibri"/>
+                  <a:sym typeface="Calibri"/>
+                </a:defRPr>
+              </a:pPr>
+              <a:r>
+                <a:t>Web Research</a:t>
+              </a:r>
+            </a:p>
+            <a:p>
+              <a:pPr defTabSz="1300480">
+                <a:defRPr b="0" sz="1800">
+                  <a:latin typeface="Calibri"/>
+                  <a:ea typeface="Calibri"/>
+                  <a:cs typeface="Calibri"/>
+                  <a:sym typeface="Calibri"/>
+                </a:defRPr>
+              </a:pPr>
+              <a:r>
+                <a:t>Familiarity with lots of tech tools</a:t>
+              </a:r>
+            </a:p>
+          </p:txBody>
+        </p:sp>
+        <p:sp>
+          <p:nvSpPr>
+            <p:cNvPr id="247" name="OTLSHAPE_T_a8615542293a4cdfb5e99580d663d5c3_Title"/>
+            <p:cNvSpPr txBox="1"/>
+            <p:nvPr/>
+          </p:nvSpPr>
+          <p:spPr>
+            <a:xfrm>
+              <a:off x="0" y="0"/>
+              <a:ext cx="2560531" cy="689778"/>
+            </a:xfrm>
+            <a:prstGeom prst="rect">
+              <a:avLst/>
+            </a:prstGeom>
+            <a:noFill/>
+            <a:ln w="12700" cap="flat">
+              <a:noFill/>
+              <a:miter lim="400000"/>
+            </a:ln>
+            <a:effectLst/>
+            <a:extLst>
+              <a:ext uri="{C572A759-6A51-4108-AA02-DFA0A04FC94B}">
+                <ma14:wrappingTextBoxFlag xmlns:ma14="http://schemas.microsoft.com/office/mac/drawingml/2011/main" val="1"/>
+              </a:ext>
+            </a:extLst>
+          </p:spPr>
+          <p:txBody>
+            <a:bodyPr wrap="square" lIns="0" tIns="0" rIns="0" bIns="0" numCol="1" anchor="ctr">
+              <a:noAutofit/>
+            </a:bodyPr>
+            <a:lstStyle/>
+            <a:p>
+              <a:pPr defTabSz="1300480">
+                <a:defRPr spc="-2" sz="1800">
+                  <a:latin typeface="Century Gothic"/>
+                  <a:ea typeface="Century Gothic"/>
+                  <a:cs typeface="Century Gothic"/>
+                  <a:sym typeface="Century Gothic"/>
+                </a:defRPr>
+              </a:pPr>
+              <a:r>
+                <a:t>Experimentation </a:t>
+              </a:r>
+            </a:p>
+            <a:p>
+              <a:pPr defTabSz="1300480">
+                <a:defRPr spc="-2" sz="1800">
+                  <a:latin typeface="Century Gothic"/>
+                  <a:ea typeface="Century Gothic"/>
+                  <a:cs typeface="Century Gothic"/>
+                  <a:sym typeface="Century Gothic"/>
+                </a:defRPr>
+              </a:pPr>
+              <a:r>
+                <a:t>Skills</a:t>
+              </a:r>
+            </a:p>
+          </p:txBody>
+        </p:sp>
+        <p:sp>
+          <p:nvSpPr>
+            <p:cNvPr id="248" name="Straight Connector 167"/>
+            <p:cNvSpPr/>
+            <p:nvPr/>
+          </p:nvSpPr>
+          <p:spPr>
+            <a:xfrm>
+              <a:off x="199038" y="658897"/>
+              <a:ext cx="1675361" cy="1"/>
+            </a:xfrm>
+            <a:prstGeom prst="line">
+              <a:avLst/>
+            </a:prstGeom>
+            <a:noFill/>
+            <a:ln w="12700" cap="flat">
+              <a:solidFill>
+                <a:srgbClr val="4472C4"/>
+              </a:solidFill>
+              <a:prstDash val="solid"/>
+              <a:miter lim="800000"/>
+            </a:ln>
+            <a:effectLst/>
+          </p:spPr>
+          <p:txBody>
+            <a:bodyPr wrap="square" lIns="48767" tIns="48767" rIns="48767" bIns="48767" numCol="1" anchor="t">
+              <a:noAutofit/>
+            </a:bodyPr>
+            <a:lstStyle/>
+            <a:p>
+              <a:pPr algn="l" defTabSz="1300480">
+                <a:defRPr b="0">
+                  <a:latin typeface="Calibri"/>
+                  <a:ea typeface="Calibri"/>
+                  <a:cs typeface="Calibri"/>
+                  <a:sym typeface="Calibri"/>
+                </a:defRPr>
+              </a:pPr>
+            </a:p>
+          </p:txBody>
+        </p:sp>
+      </p:grpSp>
+      <p:grpSp>
+        <p:nvGrpSpPr>
+          <p:cNvPr id="253" name="Group 168"/>
+          <p:cNvGrpSpPr/>
+          <p:nvPr/>
+        </p:nvGrpSpPr>
+        <p:grpSpPr>
+          <a:xfrm>
+            <a:off x="7033688" y="6012792"/>
+            <a:ext cx="2411298" cy="1637752"/>
+            <a:chOff x="222634" y="279399"/>
+            <a:chExt cx="2411296" cy="1637752"/>
+          </a:xfrm>
+        </p:grpSpPr>
+        <p:sp>
+          <p:nvSpPr>
+            <p:cNvPr id="250" name="TextBox 169"/>
+            <p:cNvSpPr/>
+            <p:nvPr/>
+          </p:nvSpPr>
+          <p:spPr>
+            <a:xfrm>
+              <a:off x="1363931" y="647152"/>
+              <a:ext cx="1270001" cy="1270001"/>
+            </a:xfrm>
+            <a:prstGeom prst="line">
+              <a:avLst/>
+            </a:prstGeom>
+            <a:noFill/>
+            <a:ln w="12700" cap="flat">
+              <a:noFill/>
+              <a:miter lim="400000"/>
+            </a:ln>
+            <a:effectLst/>
+            <a:extLst>
+              <a:ext uri="{C572A759-6A51-4108-AA02-DFA0A04FC94B}">
+                <ma14:wrappingTextBoxFlag xmlns:ma14="http://schemas.microsoft.com/office/mac/drawingml/2011/main" val="1"/>
+              </a:ext>
+            </a:extLst>
+          </p:spPr>
+          <p:txBody>
+            <a:bodyPr wrap="none" lIns="48767" tIns="48767" rIns="48767" bIns="48767" numCol="1" anchor="t">
+              <a:spAutoFit/>
+            </a:bodyPr>
+            <a:lstStyle/>
+            <a:p>
+              <a:pPr defTabSz="1300480">
+                <a:defRPr b="0" sz="1800">
+                  <a:latin typeface="Calibri"/>
+                  <a:ea typeface="Calibri"/>
+                  <a:cs typeface="Calibri"/>
+                  <a:sym typeface="Calibri"/>
+                </a:defRPr>
+              </a:pPr>
+              <a:r>
+                <a:t>Understanding Business </a:t>
+              </a:r>
+            </a:p>
+            <a:p>
+              <a:pPr defTabSz="1300480">
+                <a:defRPr b="0" sz="1800">
+                  <a:latin typeface="Calibri"/>
+                  <a:ea typeface="Calibri"/>
+                  <a:cs typeface="Calibri"/>
+                  <a:sym typeface="Calibri"/>
+                </a:defRPr>
+              </a:pPr>
+              <a:r>
+                <a:t>Value</a:t>
+              </a:r>
+            </a:p>
+            <a:p>
+              <a:pPr defTabSz="1300480">
+                <a:defRPr b="0" sz="1800">
+                  <a:latin typeface="Calibri"/>
+                  <a:ea typeface="Calibri"/>
+                  <a:cs typeface="Calibri"/>
+                  <a:sym typeface="Calibri"/>
+                </a:defRPr>
+              </a:pPr>
+              <a:r>
+                <a:t>Summarization</a:t>
+              </a:r>
+            </a:p>
+            <a:p>
+              <a:pPr defTabSz="1300480">
+                <a:defRPr b="0" sz="1800">
+                  <a:latin typeface="Calibri"/>
+                  <a:ea typeface="Calibri"/>
+                  <a:cs typeface="Calibri"/>
+                  <a:sym typeface="Calibri"/>
+                </a:defRPr>
+              </a:pPr>
+              <a:r>
+                <a:t>Messaging and Marketing</a:t>
+              </a:r>
+            </a:p>
+            <a:p>
+              <a:pPr defTabSz="1300480">
+                <a:defRPr b="0" sz="1800">
+                  <a:latin typeface="Calibri"/>
+                  <a:ea typeface="Calibri"/>
+                  <a:cs typeface="Calibri"/>
+                  <a:sym typeface="Calibri"/>
+                </a:defRPr>
+              </a:pPr>
+            </a:p>
+          </p:txBody>
+        </p:sp>
+        <p:sp>
+          <p:nvSpPr>
+            <p:cNvPr id="251" name="OTLSHAPE_T_a8615542293a4cdfb5e99580d663d5c3_Title"/>
+            <p:cNvSpPr/>
+            <p:nvPr/>
+          </p:nvSpPr>
+          <p:spPr>
+            <a:xfrm>
+              <a:off x="318797" y="279399"/>
+              <a:ext cx="2190783" cy="1"/>
+            </a:xfrm>
+            <a:custGeom>
+              <a:avLst/>
+              <a:gdLst/>
+              <a:ahLst/>
+              <a:cxnLst>
+                <a:cxn ang="0">
+                  <a:pos x="wd2" y="hd2"/>
+                </a:cxn>
+                <a:cxn ang="5400000">
+                  <a:pos x="wd2" y="hd2"/>
+                </a:cxn>
+                <a:cxn ang="10800000">
+                  <a:pos x="wd2" y="hd2"/>
+                </a:cxn>
+                <a:cxn ang="16200000">
+                  <a:pos x="wd2" y="hd2"/>
+                </a:cxn>
+              </a:cxnLst>
+              <a:rect l="0" t="0" r="r" b="b"/>
+              <a:pathLst>
+                <a:path w="21600" h="0" fill="norm" stroke="1" extrusionOk="0">
+                  <a:moveTo>
+                    <a:pt x="0" y="0"/>
+                  </a:moveTo>
+                  <a:lnTo>
+                    <a:pt x="21600" y="0"/>
+                  </a:lnTo>
+                  <a:lnTo>
+                    <a:pt x="21600" y="0"/>
+                  </a:lnTo>
+                  <a:lnTo>
+                    <a:pt x="0" y="0"/>
+                  </a:lnTo>
+                  <a:close/>
+                </a:path>
+              </a:pathLst>
+            </a:custGeom>
+            <a:noFill/>
+            <a:ln w="12700" cap="flat">
+              <a:noFill/>
+              <a:miter lim="400000"/>
+            </a:ln>
+            <a:effectLst/>
+            <a:extLst>
+              <a:ext uri="{C572A759-6A51-4108-AA02-DFA0A04FC94B}">
+                <ma14:wrappingTextBoxFlag xmlns:ma14="http://schemas.microsoft.com/office/mac/drawingml/2011/main" val="1"/>
+              </a:ext>
+            </a:extLst>
+          </p:spPr>
+          <p:txBody>
+            <a:bodyPr wrap="square" lIns="0" tIns="0" rIns="0" bIns="0" numCol="1" anchor="ctr">
+              <a:spAutoFit/>
+            </a:bodyPr>
+            <a:lstStyle/>
+            <a:p>
+              <a:pPr defTabSz="1300480">
+                <a:defRPr spc="-2" sz="1800">
+                  <a:latin typeface="Century Gothic"/>
+                  <a:ea typeface="Century Gothic"/>
+                  <a:cs typeface="Century Gothic"/>
+                  <a:sym typeface="Century Gothic"/>
+                </a:defRPr>
+              </a:pPr>
+              <a:r>
+                <a:t>Communication</a:t>
+              </a:r>
+            </a:p>
+            <a:p>
+              <a:pPr defTabSz="1300480">
+                <a:defRPr spc="-2" sz="1800">
+                  <a:latin typeface="Century Gothic"/>
+                  <a:ea typeface="Century Gothic"/>
+                  <a:cs typeface="Century Gothic"/>
+                  <a:sym typeface="Century Gothic"/>
+                </a:defRPr>
+              </a:pPr>
+              <a:r>
+                <a:t>Skills</a:t>
+              </a:r>
+            </a:p>
+          </p:txBody>
+        </p:sp>
+        <p:sp>
+          <p:nvSpPr>
+            <p:cNvPr id="252" name="Straight Connector 171"/>
+            <p:cNvSpPr/>
+            <p:nvPr/>
+          </p:nvSpPr>
+          <p:spPr>
+            <a:xfrm>
+              <a:off x="222634" y="592201"/>
+              <a:ext cx="2269983" cy="1"/>
+            </a:xfrm>
+            <a:prstGeom prst="line">
+              <a:avLst/>
+            </a:prstGeom>
+            <a:noFill/>
+            <a:ln w="12700" cap="flat">
+              <a:solidFill>
+                <a:srgbClr val="4472C4"/>
+              </a:solidFill>
+              <a:prstDash val="solid"/>
+              <a:miter lim="800000"/>
+            </a:ln>
+            <a:effectLst/>
+          </p:spPr>
+          <p:txBody>
+            <a:bodyPr wrap="square" lIns="48767" tIns="48767" rIns="48767" bIns="48767" numCol="1" anchor="t">
+              <a:noAutofit/>
+            </a:bodyPr>
+            <a:lstStyle/>
+            <a:p>
+              <a:pPr algn="l" defTabSz="1300480">
+                <a:defRPr b="0">
+                  <a:latin typeface="Calibri"/>
+                  <a:ea typeface="Calibri"/>
+                  <a:cs typeface="Calibri"/>
+                  <a:sym typeface="Calibri"/>
+                </a:defRPr>
+              </a:pPr>
+            </a:p>
+          </p:txBody>
+        </p:sp>
+      </p:grpSp>
+      <p:sp>
+        <p:nvSpPr>
+          <p:cNvPr id="254" name="OTLSHAPE_T_a8615542293a4cdfb5e99580d663d5c3_Title"/>
+          <p:cNvSpPr txBox="1"/>
+          <p:nvPr/>
+        </p:nvSpPr>
+        <p:spPr>
+          <a:xfrm>
+            <a:off x="9932555" y="6416071"/>
+            <a:ext cx="3336917" cy="279401"/>
+          </a:xfrm>
+          <a:prstGeom prst="rect">
+            <a:avLst/>
+          </a:prstGeom>
+          <a:ln w="12700">
+            <a:miter lim="400000"/>
+          </a:ln>
+          <a:extLst>
+            <a:ext uri="{C572A759-6A51-4108-AA02-DFA0A04FC94B}">
+              <ma14:wrappingTextBoxFlag xmlns:ma14="http://schemas.microsoft.com/office/mac/drawingml/2011/main" val="1"/>
+            </a:ext>
+          </a:extLst>
+        </p:spPr>
+        <p:txBody>
+          <a:bodyPr lIns="0" tIns="0" rIns="0" bIns="0" anchor="ctr">
+            <a:spAutoFit/>
+          </a:bodyPr>
+          <a:lstStyle>
+            <a:lvl1pPr defTabSz="1300480">
+              <a:defRPr spc="-2" sz="1800">
+                <a:latin typeface="Century Gothic"/>
+                <a:ea typeface="Century Gothic"/>
+                <a:cs typeface="Century Gothic"/>
+                <a:sym typeface="Century Gothic"/>
+              </a:defRPr>
+            </a:lvl1pPr>
+          </a:lstStyle>
+          <a:p>
+            <a:pPr/>
+            <a:r>
+              <a:t>Required  Skills</a:t>
+            </a:r>
+          </a:p>
+        </p:txBody>
+      </p:sp>
+      <p:sp>
+        <p:nvSpPr>
+          <p:cNvPr id="255" name="Left Arrow 64"/>
+          <p:cNvSpPr/>
+          <p:nvPr/>
+        </p:nvSpPr>
+        <p:spPr>
+          <a:xfrm>
+            <a:off x="9795315" y="6343048"/>
+            <a:ext cx="567508" cy="425446"/>
+          </a:xfrm>
+          <a:prstGeom prst="leftArrow">
+            <a:avLst>
+              <a:gd name="adj1" fmla="val 50000"/>
+              <a:gd name="adj2" fmla="val 50000"/>
+            </a:avLst>
+          </a:prstGeom>
+          <a:solidFill>
+            <a:srgbClr val="4472C4"/>
+          </a:solidFill>
+          <a:ln w="12700">
+            <a:miter lim="400000"/>
+          </a:ln>
+        </p:spPr>
+        <p:txBody>
+          <a:bodyPr lIns="48767" tIns="48767" rIns="48767" bIns="48767" anchor="ctr"/>
+          <a:lstStyle/>
+          <a:p>
+            <a:pPr defTabSz="1300480">
+              <a:defRPr b="0">
+                <a:solidFill>
+                  <a:srgbClr val="FFFFFF"/>
+                </a:solidFill>
+                <a:latin typeface="Calibri"/>
+                <a:ea typeface="Calibri"/>
+                <a:cs typeface="Calibri"/>
+                <a:sym typeface="Calibri"/>
+              </a:defRPr>
+            </a:pPr>
+          </a:p>
+        </p:txBody>
+      </p:sp>
+      <p:sp>
+        <p:nvSpPr>
+          <p:cNvPr id="256" name="OTLSHAPE_T_a8615542293a4cdfb5e99580d663d5c3_Title"/>
+          <p:cNvSpPr txBox="1"/>
+          <p:nvPr/>
+        </p:nvSpPr>
+        <p:spPr>
+          <a:xfrm>
+            <a:off x="638526" y="3392360"/>
+            <a:ext cx="3336916" cy="279401"/>
+          </a:xfrm>
+          <a:prstGeom prst="rect">
+            <a:avLst/>
+          </a:prstGeom>
+          <a:ln w="12700">
+            <a:miter lim="400000"/>
+          </a:ln>
+          <a:extLst>
+            <a:ext uri="{C572A759-6A51-4108-AA02-DFA0A04FC94B}">
+              <ma14:wrappingTextBoxFlag xmlns:ma14="http://schemas.microsoft.com/office/mac/drawingml/2011/main" val="1"/>
+            </a:ext>
+          </a:extLst>
+        </p:spPr>
+        <p:txBody>
+          <a:bodyPr lIns="0" tIns="0" rIns="0" bIns="0" anchor="ctr">
+            <a:spAutoFit/>
+          </a:bodyPr>
+          <a:lstStyle>
+            <a:lvl1pPr defTabSz="1300480">
+              <a:defRPr spc="-2" sz="1800">
+                <a:latin typeface="Century Gothic"/>
+                <a:ea typeface="Century Gothic"/>
+                <a:cs typeface="Century Gothic"/>
+                <a:sym typeface="Century Gothic"/>
+              </a:defRPr>
+            </a:lvl1pPr>
+          </a:lstStyle>
+          <a:p>
+            <a:pPr/>
+            <a:r>
+              <a:t>Performed Tasks</a:t>
+            </a:r>
+          </a:p>
+        </p:txBody>
+      </p:sp>
+      <p:sp>
+        <p:nvSpPr>
+          <p:cNvPr id="257" name="Left Arrow 66"/>
+          <p:cNvSpPr/>
+          <p:nvPr/>
+        </p:nvSpPr>
+        <p:spPr>
+          <a:xfrm rot="10800000">
+            <a:off x="3543173" y="3319338"/>
+            <a:ext cx="567508" cy="425446"/>
+          </a:xfrm>
+          <a:prstGeom prst="leftArrow">
+            <a:avLst>
+              <a:gd name="adj1" fmla="val 50000"/>
+              <a:gd name="adj2" fmla="val 50000"/>
+            </a:avLst>
+          </a:prstGeom>
+          <a:solidFill>
+            <a:srgbClr val="4472C4"/>
+          </a:solidFill>
+          <a:ln w="12700">
+            <a:miter lim="400000"/>
+          </a:ln>
+        </p:spPr>
+        <p:txBody>
+          <a:bodyPr lIns="48767" tIns="48767" rIns="48767" bIns="48767" anchor="ctr"/>
+          <a:lstStyle/>
+          <a:p>
+            <a:pPr defTabSz="1300480">
+              <a:defRPr b="0">
+                <a:solidFill>
+                  <a:srgbClr val="FFFFFF"/>
+                </a:solidFill>
+                <a:latin typeface="Calibri"/>
+                <a:ea typeface="Calibri"/>
+                <a:cs typeface="Calibri"/>
+                <a:sym typeface="Calibri"/>
+              </a:defRPr>
+            </a:pPr>
+          </a:p>
+        </p:txBody>
+      </p:sp>
       <p:pic>
         <p:nvPicPr>
-          <p:cNvPr id="205" name="Image" descr="Image"/>
+          <p:cNvPr id="258" name="Image" descr="Image"/>
+          <p:cNvPicPr>
+            <a:picLocks noChangeAspect="1"/>
+          </p:cNvPicPr>
+          <p:nvPr/>
+        </p:nvPicPr>
+        <p:blipFill>
+          <a:blip r:embed="rId3">
+            <a:extLst/>
+          </a:blip>
+          <a:stretch>
+            <a:fillRect/>
+          </a:stretch>
+        </p:blipFill>
+        <p:spPr>
+          <a:xfrm>
+            <a:off x="9150464" y="231222"/>
+            <a:ext cx="1857210" cy="1848956"/>
+          </a:xfrm>
+          <a:prstGeom prst="rect">
+            <a:avLst/>
+          </a:prstGeom>
+          <a:ln w="12700">
+            <a:miter lim="400000"/>
+          </a:ln>
+        </p:spPr>
+      </p:pic>
+    </p:spTree>
+  </p:cSld>
+  <p:clrMapOvr>
+    <a:masterClrMapping/>
+  </p:clrMapOvr>
+  <p:transition xmlns:p14="http://schemas.microsoft.com/office/powerpoint/2010/main" spd="med" advClick="1"/>
+</p:sld>
+</file>
+
+<file path=ppt/slides/slide11.xml><?xml version="1.0" encoding="utf-8"?>
+<p:sld xmlns:a="http://schemas.openxmlformats.org/drawingml/2006/main" xmlns:r="http://schemas.openxmlformats.org/officeDocument/2006/relationships" xmlns:p="http://schemas.openxmlformats.org/presentationml/2006/main" xmlns:m="http://schemas.openxmlformats.org/officeDocument/2006/math" xmlns:a14="http://schemas.microsoft.com/office/drawing/2010/main" showMasterSp="1" showMasterPhAnim="1">
+  <p:cSld>
+    <p:spTree>
+      <p:nvGrpSpPr>
+        <p:cNvPr id="1" name=""/>
+        <p:cNvGrpSpPr/>
+        <p:nvPr/>
+      </p:nvGrpSpPr>
+      <p:grpSpPr>
+        <a:xfrm>
+          <a:off x="0" y="0"/>
+          <a:ext cx="0" cy="0"/>
+          <a:chOff x="0" y="0"/>
+          <a:chExt cx="0" cy="0"/>
+        </a:xfrm>
+      </p:grpSpPr>
+      <p:pic>
+        <p:nvPicPr>
+          <p:cNvPr id="260" name="Image" descr="Image"/>
           <p:cNvPicPr>
             <a:picLocks noChangeAspect="1"/>
           </p:cNvPicPr>
@@ -3156,7 +5596,7 @@
       </p:pic>
       <p:sp>
         <p:nvSpPr>
-          <p:cNvPr id="206" name="Appendix"/>
+          <p:cNvPr id="261" name="Appendix"/>
           <p:cNvSpPr txBox="1"/>
           <p:nvPr/>
         </p:nvSpPr>
@@ -3201,7 +5641,7 @@
       </p:sp>
       <p:sp>
         <p:nvSpPr>
-          <p:cNvPr id="207" name="All code/artifacts are at…"/>
+          <p:cNvPr id="262" name="All code/artifacts are at…"/>
           <p:cNvSpPr txBox="1"/>
           <p:nvPr/>
         </p:nvSpPr>
@@ -3270,7 +5710,7 @@
       </p:sp>
       <p:sp>
         <p:nvSpPr>
-          <p:cNvPr id="208" name="Slide Number"/>
+          <p:cNvPr id="263" name="Slide Number"/>
           <p:cNvSpPr txBox="1"/>
           <p:nvPr>
             <p:ph type="sldNum" sz="quarter" idx="2"/>
@@ -3323,7 +5763,7 @@
       </p:grpSpPr>
       <p:sp>
         <p:nvSpPr>
-          <p:cNvPr id="124" name="Agenda"/>
+          <p:cNvPr id="132" name="Agenda"/>
           <p:cNvSpPr txBox="1"/>
           <p:nvPr>
             <p:ph type="title"/>
@@ -3360,7 +5800,7 @@
       </p:sp>
       <p:sp>
         <p:nvSpPr>
-          <p:cNvPr id="125" name="Baselining - about HashiCorp and Consul…"/>
+          <p:cNvPr id="133" name="Baselining - about HashiCorp and Consul…"/>
           <p:cNvSpPr txBox="1"/>
           <p:nvPr>
             <p:ph type="body" sz="half" idx="1"/>
@@ -3462,7 +5902,7 @@
       </p:sp>
       <p:sp>
         <p:nvSpPr>
-          <p:cNvPr id="126" name="Slide Number"/>
+          <p:cNvPr id="134" name="Slide Number"/>
           <p:cNvSpPr txBox="1"/>
           <p:nvPr>
             <p:ph type="sldNum" sz="quarter" idx="2"/>
@@ -3519,7 +5959,7 @@
       </p:grpSpPr>
       <p:sp>
         <p:nvSpPr>
-          <p:cNvPr id="128" name="Baselining"/>
+          <p:cNvPr id="136" name="Baselining"/>
           <p:cNvSpPr txBox="1"/>
           <p:nvPr>
             <p:ph type="title"/>
@@ -3556,14 +5996,14 @@
       </p:sp>
       <p:sp>
         <p:nvSpPr>
-          <p:cNvPr id="129" name="HashiCorp is…"/>
+          <p:cNvPr id="137" name="HashiCorp is…"/>
           <p:cNvSpPr txBox="1"/>
           <p:nvPr/>
         </p:nvSpPr>
         <p:spPr>
           <a:xfrm>
             <a:off x="251659" y="3664642"/>
-            <a:ext cx="5490772" cy="3759201"/>
+            <a:ext cx="5490773" cy="3759201"/>
           </a:xfrm>
           <a:prstGeom prst="rect">
             <a:avLst/>
@@ -3708,7 +6148,7 @@
       </p:sp>
       <p:pic>
         <p:nvPicPr>
-          <p:cNvPr id="130" name="hclogo.png" descr="hclogo.png"/>
+          <p:cNvPr id="138" name="hclogo.png" descr="hclogo.png"/>
           <p:cNvPicPr>
             <a:picLocks noChangeAspect="1"/>
           </p:cNvPicPr>
@@ -3737,7 +6177,7 @@
       </p:pic>
       <p:sp>
         <p:nvSpPr>
-          <p:cNvPr id="131" name="Consul is…"/>
+          <p:cNvPr id="139" name="Consul is…"/>
           <p:cNvSpPr txBox="1"/>
           <p:nvPr/>
         </p:nvSpPr>
@@ -3904,7 +6344,7 @@
       </p:sp>
       <p:pic>
         <p:nvPicPr>
-          <p:cNvPr id="132" name="Image" descr="Image"/>
+          <p:cNvPr id="140" name="Image" descr="Image"/>
           <p:cNvPicPr>
             <a:picLocks noChangeAspect="1"/>
           </p:cNvPicPr>
@@ -3933,7 +6373,7 @@
       </p:pic>
       <p:sp>
         <p:nvSpPr>
-          <p:cNvPr id="133" name="Slide Number"/>
+          <p:cNvPr id="141" name="Slide Number"/>
           <p:cNvSpPr txBox="1"/>
           <p:nvPr>
             <p:ph type="sldNum" sz="quarter" idx="2"/>
@@ -3990,7 +6430,7 @@
       </p:grpSpPr>
       <p:sp>
         <p:nvSpPr>
-          <p:cNvPr id="135" name="The Challenge"/>
+          <p:cNvPr id="143" name="The Challenge"/>
           <p:cNvSpPr txBox="1"/>
           <p:nvPr>
             <p:ph type="title"/>
@@ -4027,7 +6467,7 @@
       </p:sp>
       <p:sp>
         <p:nvSpPr>
-          <p:cNvPr id="136" name="Acme Today desires…"/>
+          <p:cNvPr id="144" name="Acme Today desires…"/>
           <p:cNvSpPr txBox="1"/>
           <p:nvPr/>
         </p:nvSpPr>
@@ -4208,7 +6648,7 @@
       </p:sp>
       <p:pic>
         <p:nvPicPr>
-          <p:cNvPr id="137" name="Image" descr="Image"/>
+          <p:cNvPr id="145" name="Image" descr="Image"/>
           <p:cNvPicPr>
             <a:picLocks noChangeAspect="1"/>
           </p:cNvPicPr>
@@ -4237,7 +6677,7 @@
       </p:pic>
       <p:sp>
         <p:nvSpPr>
-          <p:cNvPr id="138" name="Slide Number"/>
+          <p:cNvPr id="146" name="Slide Number"/>
           <p:cNvSpPr txBox="1"/>
           <p:nvPr>
             <p:ph type="sldNum" sz="quarter" idx="2"/>
@@ -4294,7 +6734,7 @@
       </p:grpSpPr>
       <p:sp>
         <p:nvSpPr>
-          <p:cNvPr id="140" name="The Solution"/>
+          <p:cNvPr id="148" name="The Solution"/>
           <p:cNvSpPr txBox="1"/>
           <p:nvPr>
             <p:ph type="title"/>
@@ -4331,7 +6771,7 @@
       </p:sp>
       <p:sp>
         <p:nvSpPr>
-          <p:cNvPr id="141" name="What’s the Value ?…"/>
+          <p:cNvPr id="149" name="What’s the Value ?…"/>
           <p:cNvSpPr txBox="1"/>
           <p:nvPr/>
         </p:nvSpPr>
@@ -4758,7 +7198,7 @@
       </p:sp>
       <p:pic>
         <p:nvPicPr>
-          <p:cNvPr id="142" name="Image" descr="Image"/>
+          <p:cNvPr id="150" name="Image" descr="Image"/>
           <p:cNvPicPr>
             <a:picLocks noChangeAspect="1"/>
           </p:cNvPicPr>
@@ -4774,8 +7214,8 @@
         </p:blipFill>
         <p:spPr>
           <a:xfrm>
-            <a:off x="10143943" y="18206"/>
-            <a:ext cx="2365096" cy="2354585"/>
+            <a:off x="10143942" y="18206"/>
+            <a:ext cx="2365097" cy="2354585"/>
           </a:xfrm>
           <a:prstGeom prst="rect">
             <a:avLst/>
@@ -4787,7 +7227,7 @@
       </p:pic>
       <p:sp>
         <p:nvSpPr>
-          <p:cNvPr id="143" name="Use HashiCorp Consul to build a service mesh tying the application and its database together over a secure manageable connection that can be visualized and modified in real time."/>
+          <p:cNvPr id="151" name="Use HashiCorp Consul to build a service mesh tying the application and its database together over a secure manageable connection that can be visualized and modified in real time."/>
           <p:cNvSpPr txBox="1"/>
           <p:nvPr/>
         </p:nvSpPr>
@@ -4872,14 +7312,14 @@
       </p:sp>
       <p:sp>
         <p:nvSpPr>
-          <p:cNvPr id="144" name="Line"/>
+          <p:cNvPr id="152" name="Line"/>
           <p:cNvSpPr/>
           <p:nvPr/>
         </p:nvSpPr>
         <p:spPr>
           <a:xfrm>
             <a:off x="749714" y="4511995"/>
-            <a:ext cx="11184468" cy="1"/>
+            <a:ext cx="11184469" cy="1"/>
           </a:xfrm>
           <a:prstGeom prst="line">
             <a:avLst/>
@@ -4914,7 +7354,7 @@
       </p:sp>
       <p:sp>
         <p:nvSpPr>
-          <p:cNvPr id="145" name="Slide Number"/>
+          <p:cNvPr id="153" name="Slide Number"/>
           <p:cNvSpPr txBox="1"/>
           <p:nvPr>
             <p:ph type="sldNum" sz="quarter" idx="2"/>
@@ -4971,7 +7411,7 @@
       </p:grpSpPr>
       <p:sp>
         <p:nvSpPr>
-          <p:cNvPr id="147" name="⏟"/>
+          <p:cNvPr id="155" name="⏟"/>
           <p:cNvSpPr txBox="1"/>
           <p:nvPr>
             <p:ph type="title"/>
@@ -5008,7 +7448,7 @@
       </p:sp>
       <p:pic>
         <p:nvPicPr>
-          <p:cNvPr id="148" name="Image" descr="Image"/>
+          <p:cNvPr id="156" name="Image" descr="Image"/>
           <p:cNvPicPr>
             <a:picLocks noChangeAspect="1"/>
           </p:cNvPicPr>
@@ -5037,7 +7477,7 @@
       </p:pic>
       <p:sp>
         <p:nvSpPr>
-          <p:cNvPr id="149" name="Appsvr…"/>
+          <p:cNvPr id="157" name="Appsvr…"/>
           <p:cNvSpPr/>
           <p:nvPr/>
         </p:nvSpPr>
@@ -5120,7 +7560,7 @@
       </p:sp>
       <p:sp>
         <p:nvSpPr>
-          <p:cNvPr id="150" name="Sidecar Proxy…"/>
+          <p:cNvPr id="158" name="Sidecar Proxy…"/>
           <p:cNvSpPr/>
           <p:nvPr/>
         </p:nvSpPr>
@@ -5186,7 +7626,7 @@
       </p:sp>
       <p:sp>
         <p:nvSpPr>
-          <p:cNvPr id="151" name="Sidecar Proxy…"/>
+          <p:cNvPr id="159" name="Sidecar Proxy…"/>
           <p:cNvSpPr/>
           <p:nvPr/>
         </p:nvSpPr>
@@ -5252,7 +7692,7 @@
       </p:sp>
       <p:sp>
         <p:nvSpPr>
-          <p:cNvPr id="152" name="DB Server…"/>
+          <p:cNvPr id="160" name="DB Server…"/>
           <p:cNvSpPr/>
           <p:nvPr/>
         </p:nvSpPr>
@@ -5333,7 +7773,7 @@
       </p:sp>
       <p:sp>
         <p:nvSpPr>
-          <p:cNvPr id="153" name="Consul…"/>
+          <p:cNvPr id="161" name="Consul…"/>
           <p:cNvSpPr/>
           <p:nvPr/>
         </p:nvSpPr>
@@ -5400,7 +7840,7 @@
       </p:sp>
       <p:sp>
         <p:nvSpPr>
-          <p:cNvPr id="154" name="Consul…"/>
+          <p:cNvPr id="162" name="Consul…"/>
           <p:cNvSpPr/>
           <p:nvPr/>
         </p:nvSpPr>
@@ -5467,7 +7907,7 @@
       </p:sp>
       <p:grpSp>
         <p:nvGrpSpPr>
-          <p:cNvPr id="157" name="Group"/>
+          <p:cNvPr id="165" name="Group"/>
           <p:cNvGrpSpPr/>
           <p:nvPr/>
         </p:nvGrpSpPr>
@@ -5481,7 +7921,7 @@
         </p:grpSpPr>
         <p:sp>
           <p:nvSpPr>
-            <p:cNvPr id="155" name="Double Arrow"/>
+            <p:cNvPr id="163" name="Double Arrow"/>
             <p:cNvSpPr/>
             <p:nvPr/>
           </p:nvSpPr>
@@ -5527,7 +7967,7 @@
         </p:sp>
         <p:sp>
           <p:nvSpPr>
-            <p:cNvPr id="156" name="INSECURE"/>
+            <p:cNvPr id="164" name="INSECURE"/>
             <p:cNvSpPr txBox="1"/>
             <p:nvPr/>
           </p:nvSpPr>
@@ -5575,7 +8015,7 @@
       </p:grpSp>
       <p:grpSp>
         <p:nvGrpSpPr>
-          <p:cNvPr id="162" name="Group"/>
+          <p:cNvPr id="170" name="Group"/>
           <p:cNvGrpSpPr/>
           <p:nvPr/>
         </p:nvGrpSpPr>
@@ -5589,7 +8029,7 @@
         </p:grpSpPr>
         <p:sp>
           <p:nvSpPr>
-            <p:cNvPr id="158" name="Double Arrow"/>
+            <p:cNvPr id="166" name="Double Arrow"/>
             <p:cNvSpPr/>
             <p:nvPr/>
           </p:nvSpPr>
@@ -5639,7 +8079,7 @@
         </p:sp>
         <p:sp>
           <p:nvSpPr>
-            <p:cNvPr id="159" name="TLS"/>
+            <p:cNvPr id="167" name="TLS"/>
             <p:cNvSpPr txBox="1"/>
             <p:nvPr/>
           </p:nvSpPr>
@@ -5686,7 +8126,7 @@
         </p:sp>
         <p:sp>
           <p:nvSpPr>
-            <p:cNvPr id="160" name="Lock"/>
+            <p:cNvPr id="168" name="Lock"/>
             <p:cNvSpPr/>
             <p:nvPr/>
           </p:nvSpPr>
@@ -5873,7 +8313,7 @@
         </p:sp>
         <p:sp>
           <p:nvSpPr>
-            <p:cNvPr id="161" name="Lock"/>
+            <p:cNvPr id="169" name="Lock"/>
             <p:cNvSpPr/>
             <p:nvPr/>
           </p:nvSpPr>
@@ -6061,14 +8501,14 @@
       </p:grpSp>
       <p:sp>
         <p:nvSpPr>
-          <p:cNvPr id="163" name="Secure Access"/>
+          <p:cNvPr id="171" name="Secure Access"/>
           <p:cNvSpPr/>
           <p:nvPr/>
         </p:nvSpPr>
         <p:spPr>
           <a:xfrm>
             <a:off x="3181549" y="7262316"/>
-            <a:ext cx="1984877" cy="1196198"/>
+            <a:ext cx="1984876" cy="1196198"/>
           </a:xfrm>
           <a:custGeom>
             <a:avLst/>
@@ -6196,7 +8636,7 @@
       </p:sp>
       <p:sp>
         <p:nvSpPr>
-          <p:cNvPr id="164" name="Thunderbolt"/>
+          <p:cNvPr id="172" name="Thunderbolt"/>
           <p:cNvSpPr/>
           <p:nvPr/>
         </p:nvSpPr>
@@ -6282,7 +8722,7 @@
       </p:sp>
       <p:sp>
         <p:nvSpPr>
-          <p:cNvPr id="165" name="InSecure Access"/>
+          <p:cNvPr id="173" name="InSecure Access"/>
           <p:cNvSpPr/>
           <p:nvPr/>
         </p:nvSpPr>
@@ -6417,7 +8857,7 @@
       </p:sp>
       <p:sp>
         <p:nvSpPr>
-          <p:cNvPr id="166" name="Thunderbolt"/>
+          <p:cNvPr id="174" name="Thunderbolt"/>
           <p:cNvSpPr/>
           <p:nvPr/>
         </p:nvSpPr>
@@ -6503,7 +8943,7 @@
       </p:sp>
       <p:sp>
         <p:nvSpPr>
-          <p:cNvPr id="167" name="Consul"/>
+          <p:cNvPr id="175" name="Consul"/>
           <p:cNvSpPr txBox="1"/>
           <p:nvPr/>
         </p:nvSpPr>
@@ -6554,7 +8994,7 @@
       </p:sp>
       <p:sp>
         <p:nvSpPr>
-          <p:cNvPr id="168" name="The Solution 2"/>
+          <p:cNvPr id="176" name="The Solution 2"/>
           <p:cNvSpPr txBox="1"/>
           <p:nvPr/>
         </p:nvSpPr>
@@ -6599,7 +9039,7 @@
       </p:sp>
       <p:sp>
         <p:nvSpPr>
-          <p:cNvPr id="169" name="Slide Number"/>
+          <p:cNvPr id="177" name="Slide Number"/>
           <p:cNvSpPr txBox="1"/>
           <p:nvPr>
             <p:ph type="sldNum" sz="quarter" idx="2"/>
@@ -6630,7 +9070,7 @@
       </p:sp>
       <p:sp>
         <p:nvSpPr>
-          <p:cNvPr id="170" name="Double Arrow"/>
+          <p:cNvPr id="178" name="Double Arrow"/>
           <p:cNvSpPr/>
           <p:nvPr/>
         </p:nvSpPr>
@@ -6676,7 +9116,7 @@
       </p:sp>
       <p:sp>
         <p:nvSpPr>
-          <p:cNvPr id="171" name="Double Arrow"/>
+          <p:cNvPr id="179" name="Double Arrow"/>
           <p:cNvSpPr/>
           <p:nvPr/>
         </p:nvSpPr>
@@ -6722,7 +9162,7 @@
       </p:sp>
       <p:sp>
         <p:nvSpPr>
-          <p:cNvPr id="172" name="The old way of interacting"/>
+          <p:cNvPr id="180" name="The old way of interacting"/>
           <p:cNvSpPr txBox="1"/>
           <p:nvPr/>
         </p:nvSpPr>
@@ -6770,7 +9210,7 @@
       </p:sp>
       <p:sp>
         <p:nvSpPr>
-          <p:cNvPr id="173" name="The better way of interacting"/>
+          <p:cNvPr id="181" name="The better way of interacting"/>
           <p:cNvSpPr txBox="1"/>
           <p:nvPr/>
         </p:nvSpPr>
@@ -6844,7 +9284,7 @@
       </p:grpSpPr>
       <p:pic>
         <p:nvPicPr>
-          <p:cNvPr id="175" name="Image" descr="Image"/>
+          <p:cNvPr id="183" name="Image" descr="Image"/>
           <p:cNvPicPr>
             <a:picLocks noChangeAspect="1"/>
           </p:cNvPicPr>
@@ -6873,7 +9313,7 @@
       </p:pic>
       <p:sp>
         <p:nvSpPr>
-          <p:cNvPr id="176" name="Demo time"/>
+          <p:cNvPr id="184" name="Demo time"/>
           <p:cNvSpPr txBox="1"/>
           <p:nvPr/>
         </p:nvSpPr>
@@ -6927,7 +9367,7 @@
       </p:sp>
       <p:sp>
         <p:nvSpPr>
-          <p:cNvPr id="177" name="Slide Number"/>
+          <p:cNvPr id="185" name="Slide Number"/>
           <p:cNvSpPr txBox="1"/>
           <p:nvPr>
             <p:ph type="sldNum" sz="quarter" idx="2"/>
@@ -6958,7 +9398,7 @@
       </p:sp>
       <p:sp>
         <p:nvSpPr>
-          <p:cNvPr id="178" name="Available for download at…"/>
+          <p:cNvPr id="186" name="Available for download at…"/>
           <p:cNvSpPr txBox="1"/>
           <p:nvPr/>
         </p:nvSpPr>
@@ -7041,7 +9481,7 @@
       </p:sp>
       <p:pic>
         <p:nvPicPr>
-          <p:cNvPr id="179" name="QRCode.png" descr="QRCode.png"/>
+          <p:cNvPr id="187" name="QRCode.png" descr="QRCode.png"/>
           <p:cNvPicPr>
             <a:picLocks noChangeAspect="1"/>
           </p:cNvPicPr>
@@ -7096,7 +9536,7 @@
       </p:grpSpPr>
       <p:sp>
         <p:nvSpPr>
-          <p:cNvPr id="181" name="Wrapup &amp; Next Steps"/>
+          <p:cNvPr id="189" name="Wrapup &amp; Next Steps"/>
           <p:cNvSpPr txBox="1"/>
           <p:nvPr>
             <p:ph type="title"/>
@@ -7133,7 +9573,7 @@
       </p:sp>
       <p:sp>
         <p:nvSpPr>
-          <p:cNvPr id="182" name="In the demo we saw…"/>
+          <p:cNvPr id="190" name="In the demo we saw…"/>
           <p:cNvSpPr txBox="1"/>
           <p:nvPr/>
         </p:nvSpPr>
@@ -7628,7 +10068,7 @@
       </p:sp>
       <p:pic>
         <p:nvPicPr>
-          <p:cNvPr id="183" name="Image" descr="Image"/>
+          <p:cNvPr id="191" name="Image" descr="Image"/>
           <p:cNvPicPr>
             <a:picLocks noChangeAspect="1"/>
           </p:cNvPicPr>
@@ -7657,7 +10097,7 @@
       </p:pic>
       <p:sp>
         <p:nvSpPr>
-          <p:cNvPr id="184" name="Line"/>
+          <p:cNvPr id="192" name="Line"/>
           <p:cNvSpPr/>
           <p:nvPr/>
         </p:nvSpPr>
@@ -7699,14 +10139,14 @@
       </p:sp>
       <p:sp>
         <p:nvSpPr>
-          <p:cNvPr id="185" name="Identify…"/>
+          <p:cNvPr id="193" name="Identify…"/>
           <p:cNvSpPr txBox="1"/>
           <p:nvPr/>
         </p:nvSpPr>
         <p:spPr>
           <a:xfrm>
-            <a:off x="1447799" y="7429500"/>
-            <a:ext cx="1950698" cy="1320801"/>
+            <a:off x="1447800" y="7429500"/>
+            <a:ext cx="1950697" cy="1320801"/>
           </a:xfrm>
           <a:prstGeom prst="rect">
             <a:avLst/>
@@ -7755,13 +10195,13 @@
       </p:sp>
       <p:sp>
         <p:nvSpPr>
-          <p:cNvPr id="186" name="Capture…"/>
+          <p:cNvPr id="194" name="Capture…"/>
           <p:cNvSpPr txBox="1"/>
           <p:nvPr/>
         </p:nvSpPr>
         <p:spPr>
           <a:xfrm>
-            <a:off x="3530600" y="6243136"/>
+            <a:off x="3530600" y="6243135"/>
             <a:ext cx="1950697" cy="711201"/>
           </a:xfrm>
           <a:prstGeom prst="rect">
@@ -7811,7 +10251,7 @@
       </p:sp>
       <p:sp>
         <p:nvSpPr>
-          <p:cNvPr id="187" name="Document Success…"/>
+          <p:cNvPr id="195" name="Document Success…"/>
           <p:cNvSpPr txBox="1"/>
           <p:nvPr/>
         </p:nvSpPr>
@@ -7867,13 +10307,13 @@
       </p:sp>
       <p:sp>
         <p:nvSpPr>
-          <p:cNvPr id="188" name="Procure…"/>
+          <p:cNvPr id="196" name="Procure…"/>
           <p:cNvSpPr txBox="1"/>
           <p:nvPr/>
         </p:nvSpPr>
         <p:spPr>
           <a:xfrm>
-            <a:off x="6667500" y="6090736"/>
+            <a:off x="6667500" y="6090735"/>
             <a:ext cx="1950697" cy="1016001"/>
           </a:xfrm>
           <a:prstGeom prst="rect">
@@ -7936,7 +10376,7 @@
       </p:sp>
       <p:sp>
         <p:nvSpPr>
-          <p:cNvPr id="189" name="Demonstrate…"/>
+          <p:cNvPr id="197" name="Demonstrate…"/>
           <p:cNvSpPr txBox="1"/>
           <p:nvPr/>
         </p:nvSpPr>
@@ -7992,7 +10432,7 @@
       </p:sp>
       <p:sp>
         <p:nvSpPr>
-          <p:cNvPr id="190" name="Initial Operating Capability (IOC)"/>
+          <p:cNvPr id="198" name="Initial Operating Capability (IOC)"/>
           <p:cNvSpPr txBox="1"/>
           <p:nvPr/>
         </p:nvSpPr>
@@ -8037,7 +10477,7 @@
       </p:sp>
       <p:sp>
         <p:nvSpPr>
-          <p:cNvPr id="191" name="Oval"/>
+          <p:cNvPr id="199" name="Oval"/>
           <p:cNvSpPr/>
           <p:nvPr/>
         </p:nvSpPr>
@@ -8079,7 +10519,7 @@
       </p:sp>
       <p:sp>
         <p:nvSpPr>
-          <p:cNvPr id="192" name="Oval"/>
+          <p:cNvPr id="200" name="Oval"/>
           <p:cNvSpPr/>
           <p:nvPr/>
         </p:nvSpPr>
@@ -8121,14 +10561,14 @@
       </p:sp>
       <p:sp>
         <p:nvSpPr>
-          <p:cNvPr id="193" name="Oval"/>
+          <p:cNvPr id="201" name="Oval"/>
           <p:cNvSpPr/>
           <p:nvPr/>
         </p:nvSpPr>
         <p:spPr>
           <a:xfrm>
-            <a:off x="5448300" y="7033192"/>
-            <a:ext cx="490736" cy="469852"/>
+            <a:off x="5448300" y="7033193"/>
+            <a:ext cx="490736" cy="469851"/>
           </a:xfrm>
           <a:prstGeom prst="ellipse">
             <a:avLst/>
@@ -8163,14 +10603,14 @@
       </p:sp>
       <p:sp>
         <p:nvSpPr>
-          <p:cNvPr id="194" name="Oval"/>
+          <p:cNvPr id="202" name="Oval"/>
           <p:cNvSpPr/>
           <p:nvPr/>
         </p:nvSpPr>
         <p:spPr>
           <a:xfrm>
-            <a:off x="7061200" y="7033192"/>
-            <a:ext cx="490736" cy="469852"/>
+            <a:off x="7061200" y="7033193"/>
+            <a:ext cx="490736" cy="469851"/>
           </a:xfrm>
           <a:prstGeom prst="ellipse">
             <a:avLst/>
@@ -8205,14 +10645,14 @@
       </p:sp>
       <p:sp>
         <p:nvSpPr>
-          <p:cNvPr id="195" name="Oval"/>
+          <p:cNvPr id="203" name="Oval"/>
           <p:cNvSpPr/>
           <p:nvPr/>
         </p:nvSpPr>
         <p:spPr>
           <a:xfrm>
-            <a:off x="8337280" y="7033192"/>
-            <a:ext cx="490737" cy="469852"/>
+            <a:off x="8337280" y="7033193"/>
+            <a:ext cx="490737" cy="469851"/>
           </a:xfrm>
           <a:prstGeom prst="ellipse">
             <a:avLst/>
@@ -8247,14 +10687,14 @@
       </p:sp>
       <p:sp>
         <p:nvSpPr>
-          <p:cNvPr id="196" name="Oval"/>
+          <p:cNvPr id="204" name="Oval"/>
           <p:cNvSpPr/>
           <p:nvPr/>
         </p:nvSpPr>
         <p:spPr>
           <a:xfrm>
-            <a:off x="10109472" y="7033192"/>
-            <a:ext cx="490737" cy="469852"/>
+            <a:off x="10109472" y="7033193"/>
+            <a:ext cx="490737" cy="469851"/>
           </a:xfrm>
           <a:prstGeom prst="ellipse">
             <a:avLst/>
@@ -8289,7 +10729,7 @@
       </p:sp>
       <p:sp>
         <p:nvSpPr>
-          <p:cNvPr id="197" name="Arrow"/>
+          <p:cNvPr id="205" name="Arrow"/>
           <p:cNvSpPr/>
           <p:nvPr/>
         </p:nvSpPr>
@@ -8331,7 +10771,7 @@
       </p:sp>
       <p:sp>
         <p:nvSpPr>
-          <p:cNvPr id="198" name="3 weeks"/>
+          <p:cNvPr id="206" name="3 weeks"/>
           <p:cNvSpPr txBox="1"/>
           <p:nvPr/>
         </p:nvSpPr>
@@ -8367,7 +10807,7 @@
       </p:sp>
       <p:sp>
         <p:nvSpPr>
-          <p:cNvPr id="199" name="Slide Number"/>
+          <p:cNvPr id="207" name="Slide Number"/>
           <p:cNvSpPr txBox="1"/>
           <p:nvPr>
             <p:ph type="sldNum" sz="quarter" idx="2"/>
@@ -8424,7 +10864,7 @@
       </p:grpSpPr>
       <p:pic>
         <p:nvPicPr>
-          <p:cNvPr id="201" name="Image" descr="Image"/>
+          <p:cNvPr id="209" name="Image" descr="Image"/>
           <p:cNvPicPr>
             <a:picLocks noChangeAspect="1"/>
           </p:cNvPicPr>
@@ -8453,7 +10893,7 @@
       </p:pic>
       <p:sp>
         <p:nvSpPr>
-          <p:cNvPr id="202" name="Thank You"/>
+          <p:cNvPr id="210" name="Thank You"/>
           <p:cNvSpPr txBox="1"/>
           <p:nvPr/>
         </p:nvSpPr>
@@ -8498,7 +10938,7 @@
       </p:sp>
       <p:sp>
         <p:nvSpPr>
-          <p:cNvPr id="203" name="Slide Number"/>
+          <p:cNvPr id="211" name="Slide Number"/>
           <p:cNvSpPr txBox="1"/>
           <p:nvPr>
             <p:ph type="sldNum" sz="quarter" idx="2"/>
